--- a/M'sDPPT/20181211Minchen.pptx
+++ b/M'sDPPT/20181211Minchen.pptx
@@ -1,30 +1,27 @@
 
 <file path=ppt/presentation.xml><?xml version="1.0" encoding="utf-8"?>
-<p:presentation xmlns:a="http://schemas.openxmlformats.org/drawingml/2006/main" xmlns:r="http://schemas.openxmlformats.org/officeDocument/2006/relationships" xmlns:p="http://schemas.openxmlformats.org/presentationml/2006/main" saveSubsetFonts="1">
+<p:presentation xmlns:a="http://schemas.openxmlformats.org/drawingml/2006/main" xmlns:r="http://schemas.openxmlformats.org/officeDocument/2006/relationships" xmlns:p="http://schemas.openxmlformats.org/presentationml/2006/main">
   <p:sldMasterIdLst>
     <p:sldMasterId id="2147483648" r:id="rId1"/>
   </p:sldMasterIdLst>
   <p:notesMasterIdLst>
-    <p:notesMasterId r:id="rId13"/>
+    <p:notesMasterId r:id="rId4"/>
   </p:notesMasterIdLst>
   <p:sldIdLst>
-    <p:sldId id="380" r:id="rId2"/>
-    <p:sldId id="389" r:id="rId3"/>
-    <p:sldId id="391" r:id="rId4"/>
-    <p:sldId id="392" r:id="rId5"/>
-    <p:sldId id="390" r:id="rId6"/>
-    <p:sldId id="393" r:id="rId7"/>
-    <p:sldId id="375" r:id="rId8"/>
-    <p:sldId id="376" r:id="rId9"/>
-    <p:sldId id="394" r:id="rId10"/>
-    <p:sldId id="395" r:id="rId11"/>
-    <p:sldId id="331" r:id="rId12"/>
+    <p:sldId id="380" r:id="rId3"/>
+    <p:sldId id="389" r:id="rId5"/>
+    <p:sldId id="391" r:id="rId6"/>
+    <p:sldId id="392" r:id="rId7"/>
+    <p:sldId id="390" r:id="rId8"/>
+    <p:sldId id="393" r:id="rId9"/>
+    <p:sldId id="375" r:id="rId10"/>
+    <p:sldId id="376" r:id="rId11"/>
+    <p:sldId id="394" r:id="rId12"/>
+    <p:sldId id="395" r:id="rId13"/>
+    <p:sldId id="331" r:id="rId14"/>
   </p:sldIdLst>
   <p:sldSz cx="9144000" cy="5143500" type="screen16x9"/>
   <p:notesSz cx="6858000" cy="9144000"/>
-  <p:custDataLst>
-    <p:tags r:id="rId14"/>
-  </p:custDataLst>
   <p:defaultTextStyle>
     <a:defPPr>
       <a:defRPr lang="zh-CN"/>
@@ -120,22 +117,6 @@
       </a:defRPr>
     </a:lvl9pPr>
   </p:defaultTextStyle>
-  <p:extLst>
-    <p:ext uri="{EFAFB233-063F-42B5-8137-9DF3F51BA10A}">
-      <p15:sldGuideLst xmlns:p15="http://schemas.microsoft.com/office/powerpoint/2012/main">
-        <p15:guide id="1" orient="horz" pos="1620">
-          <p15:clr>
-            <a:srgbClr val="A4A3A4"/>
-          </p15:clr>
-        </p15:guide>
-        <p15:guide id="2" pos="2880">
-          <p15:clr>
-            <a:srgbClr val="A4A3A4"/>
-          </p15:clr>
-        </p15:guide>
-      </p15:sldGuideLst>
-    </p:ext>
-  </p:extLst>
 </p:presentation>
 </file>
 
@@ -221,7 +202,6 @@
           <a:p>
             <a:fld id="{6A2B73EA-EE91-4E33-A9C1-8BF5DD7139A2}" type="datetimeFigureOut">
               <a:rPr lang="zh-CN" altLang="en-US" smtClean="0"/>
-              <a:t>2018/12/8</a:t>
             </a:fld>
             <a:endParaRPr lang="zh-CN" altLang="en-US"/>
           </a:p>
@@ -288,6 +268,7 @@
               <a:rPr lang="zh-CN" altLang="en-US" smtClean="0"/>
               <a:t>单击此处编辑母版文本样式</a:t>
             </a:r>
+            <a:endParaRPr lang="zh-CN" altLang="en-US" smtClean="0"/>
           </a:p>
           <a:p>
             <a:pPr lvl="1"/>
@@ -295,6 +276,7 @@
               <a:rPr lang="zh-CN" altLang="en-US" smtClean="0"/>
               <a:t>第二级</a:t>
             </a:r>
+            <a:endParaRPr lang="zh-CN" altLang="en-US" smtClean="0"/>
           </a:p>
           <a:p>
             <a:pPr lvl="2"/>
@@ -302,6 +284,7 @@
               <a:rPr lang="zh-CN" altLang="en-US" smtClean="0"/>
               <a:t>第三级</a:t>
             </a:r>
+            <a:endParaRPr lang="zh-CN" altLang="en-US" smtClean="0"/>
           </a:p>
           <a:p>
             <a:pPr lvl="3"/>
@@ -309,6 +292,7 @@
               <a:rPr lang="zh-CN" altLang="en-US" smtClean="0"/>
               <a:t>第四级</a:t>
             </a:r>
+            <a:endParaRPr lang="zh-CN" altLang="en-US" smtClean="0"/>
           </a:p>
           <a:p>
             <a:pPr lvl="4"/>
@@ -380,18 +364,12 @@
           <a:p>
             <a:fld id="{7392B679-AE23-4750-8FB0-6513430B8953}" type="slidenum">
               <a:rPr lang="zh-CN" altLang="en-US" smtClean="0"/>
-              <a:t>‹#›</a:t>
             </a:fld>
             <a:endParaRPr lang="zh-CN" altLang="en-US"/>
           </a:p>
         </p:txBody>
       </p:sp>
     </p:spTree>
-    <p:extLst>
-      <p:ext uri="{BB962C8B-B14F-4D97-AF65-F5344CB8AC3E}">
-        <p14:creationId xmlns:p14="http://schemas.microsoft.com/office/powerpoint/2010/main" val="129930128"/>
-      </p:ext>
-    </p:extLst>
   </p:cSld>
   <p:clrMap bg1="lt1" tx1="dk1" bg2="lt2" tx2="dk2" accent1="accent1" accent2="accent2" accent3="accent3" accent4="accent4" accent5="accent5" accent6="accent6" hlink="hlink" folHlink="folHlink"/>
   <p:notesStyle>
@@ -547,7 +525,6 @@
               <a:buSzTx/>
               <a:buFontTx/>
               <a:buNone/>
-              <a:tabLst/>
               <a:defRPr/>
             </a:pPr>
             <a:endParaRPr lang="en-GB" altLang="zh-CN" sz="1200" b="1" dirty="0" smtClean="0">
@@ -580,18 +557,12 @@
           <a:p>
             <a:fld id="{7392B679-AE23-4750-8FB0-6513430B8953}" type="slidenum">
               <a:rPr lang="zh-CN" altLang="en-US" smtClean="0"/>
-              <a:t>1</a:t>
             </a:fld>
             <a:endParaRPr lang="zh-CN" altLang="en-US"/>
           </a:p>
         </p:txBody>
       </p:sp>
     </p:spTree>
-    <p:extLst>
-      <p:ext uri="{BB962C8B-B14F-4D97-AF65-F5344CB8AC3E}">
-        <p14:creationId xmlns:p14="http://schemas.microsoft.com/office/powerpoint/2010/main" val="2454788019"/>
-      </p:ext>
-    </p:extLst>
   </p:cSld>
   <p:clrMapOvr>
     <a:masterClrMapping/>
@@ -664,18 +635,12 @@
           <a:p>
             <a:fld id="{7392B679-AE23-4750-8FB0-6513430B8953}" type="slidenum">
               <a:rPr lang="zh-CN" altLang="en-US" smtClean="0"/>
-              <a:t>10</a:t>
             </a:fld>
             <a:endParaRPr lang="zh-CN" altLang="en-US"/>
           </a:p>
         </p:txBody>
       </p:sp>
     </p:spTree>
-    <p:extLst>
-      <p:ext uri="{BB962C8B-B14F-4D97-AF65-F5344CB8AC3E}">
-        <p14:creationId xmlns:p14="http://schemas.microsoft.com/office/powerpoint/2010/main" val="2803795455"/>
-      </p:ext>
-    </p:extLst>
   </p:cSld>
   <p:clrMapOvr>
     <a:masterClrMapping/>
@@ -748,18 +713,12 @@
           <a:p>
             <a:fld id="{7392B679-AE23-4750-8FB0-6513430B8953}" type="slidenum">
               <a:rPr lang="zh-CN" altLang="en-US" smtClean="0"/>
-              <a:t>11</a:t>
             </a:fld>
             <a:endParaRPr lang="zh-CN" altLang="en-US"/>
           </a:p>
         </p:txBody>
       </p:sp>
     </p:spTree>
-    <p:extLst>
-      <p:ext uri="{BB962C8B-B14F-4D97-AF65-F5344CB8AC3E}">
-        <p14:creationId xmlns:p14="http://schemas.microsoft.com/office/powerpoint/2010/main" val="3064466279"/>
-      </p:ext>
-    </p:extLst>
   </p:cSld>
   <p:clrMapOvr>
     <a:masterClrMapping/>
@@ -844,7 +803,6 @@
               <a:buSzTx/>
               <a:buFontTx/>
               <a:buNone/>
-              <a:tabLst/>
               <a:defRPr/>
             </a:pPr>
             <a:fld id="{7392B679-AE23-4750-8FB0-6513430B8953}" type="slidenum">
@@ -859,27 +817,9 @@
                 <a:uLnTx/>
                 <a:uFillTx/>
                 <a:latin typeface="Calibri"/>
-                <a:ea typeface="宋体" panose="02010600030101010101" pitchFamily="2" charset="-122"/>
+                <a:ea typeface="宋体" pitchFamily="2" charset="-122"/>
                 <a:cs typeface="+mn-cs"/>
               </a:rPr>
-              <a:pPr marL="0" marR="0" lvl="0" indent="0" algn="r" defTabSz="914400" rtl="0" eaLnBrk="1" fontAlgn="auto" latinLnBrk="0" hangingPunct="1">
-                <a:lnSpc>
-                  <a:spcPct val="100000"/>
-                </a:lnSpc>
-                <a:spcBef>
-                  <a:spcPts val="0"/>
-                </a:spcBef>
-                <a:spcAft>
-                  <a:spcPts val="0"/>
-                </a:spcAft>
-                <a:buClrTx/>
-                <a:buSzTx/>
-                <a:buFontTx/>
-                <a:buNone/>
-                <a:tabLst/>
-                <a:defRPr/>
-              </a:pPr>
-              <a:t>2</a:t>
             </a:fld>
             <a:endParaRPr kumimoji="0" lang="zh-CN" altLang="en-US" sz="1300" b="0" i="0" u="none" strike="noStrike" kern="1200" cap="none" spc="0" normalizeH="0" baseline="0" noProof="0">
               <a:ln>
@@ -892,18 +832,13 @@
               <a:uLnTx/>
               <a:uFillTx/>
               <a:latin typeface="Calibri"/>
-              <a:ea typeface="宋体" panose="02010600030101010101" pitchFamily="2" charset="-122"/>
+              <a:ea typeface="宋体" pitchFamily="2" charset="-122"/>
               <a:cs typeface="+mn-cs"/>
             </a:endParaRPr>
           </a:p>
         </p:txBody>
       </p:sp>
     </p:spTree>
-    <p:extLst>
-      <p:ext uri="{BB962C8B-B14F-4D97-AF65-F5344CB8AC3E}">
-        <p14:creationId xmlns:p14="http://schemas.microsoft.com/office/powerpoint/2010/main" val="2567451116"/>
-      </p:ext>
-    </p:extLst>
   </p:cSld>
   <p:clrMapOvr>
     <a:masterClrMapping/>
@@ -1078,7 +1013,6 @@
               <a:buSzTx/>
               <a:buFontTx/>
               <a:buNone/>
-              <a:tabLst/>
               <a:defRPr/>
             </a:pPr>
             <a:fld id="{7392B679-AE23-4750-8FB0-6513430B8953}" type="slidenum">
@@ -1093,27 +1027,9 @@
                 <a:uLnTx/>
                 <a:uFillTx/>
                 <a:latin typeface="Calibri"/>
-                <a:ea typeface="宋体" panose="02010600030101010101" pitchFamily="2" charset="-122"/>
+                <a:ea typeface="宋体" pitchFamily="2" charset="-122"/>
                 <a:cs typeface="+mn-cs"/>
               </a:rPr>
-              <a:pPr marL="0" marR="0" lvl="0" indent="0" algn="r" defTabSz="914400" rtl="0" eaLnBrk="1" fontAlgn="auto" latinLnBrk="0" hangingPunct="1">
-                <a:lnSpc>
-                  <a:spcPct val="100000"/>
-                </a:lnSpc>
-                <a:spcBef>
-                  <a:spcPts val="0"/>
-                </a:spcBef>
-                <a:spcAft>
-                  <a:spcPts val="0"/>
-                </a:spcAft>
-                <a:buClrTx/>
-                <a:buSzTx/>
-                <a:buFontTx/>
-                <a:buNone/>
-                <a:tabLst/>
-                <a:defRPr/>
-              </a:pPr>
-              <a:t>3</a:t>
             </a:fld>
             <a:endParaRPr kumimoji="0" lang="zh-CN" altLang="en-US" sz="1200" b="0" i="0" u="none" strike="noStrike" kern="1200" cap="none" spc="0" normalizeH="0" baseline="0" noProof="0">
               <a:ln>
@@ -1126,18 +1042,13 @@
               <a:uLnTx/>
               <a:uFillTx/>
               <a:latin typeface="Calibri"/>
-              <a:ea typeface="宋体" panose="02010600030101010101" pitchFamily="2" charset="-122"/>
+              <a:ea typeface="宋体" pitchFamily="2" charset="-122"/>
               <a:cs typeface="+mn-cs"/>
             </a:endParaRPr>
           </a:p>
         </p:txBody>
       </p:sp>
     </p:spTree>
-    <p:extLst>
-      <p:ext uri="{BB962C8B-B14F-4D97-AF65-F5344CB8AC3E}">
-        <p14:creationId xmlns:p14="http://schemas.microsoft.com/office/powerpoint/2010/main" val="2119807125"/>
-      </p:ext>
-    </p:extLst>
   </p:cSld>
   <p:clrMapOvr>
     <a:masterClrMapping/>
@@ -1203,7 +1114,6 @@
               <a:buSzTx/>
               <a:buFontTx/>
               <a:buNone/>
-              <a:tabLst/>
               <a:defRPr/>
             </a:pPr>
             <a:r>
@@ -1253,7 +1163,6 @@
               <a:buSzTx/>
               <a:buFontTx/>
               <a:buNone/>
-              <a:tabLst/>
               <a:defRPr/>
             </a:pPr>
             <a:r>
@@ -1307,6 +1216,20 @@
               </a:rPr>
               <a:t>展示了我们机器人的核心板外观图和部分外围外设。</a:t>
             </a:r>
+            <a:endParaRPr kumimoji="0" lang="zh-CN" altLang="en-US" sz="1200" b="0" i="0" u="none" strike="noStrike" kern="1200" cap="none" spc="0" normalizeH="0" baseline="0" noProof="0" smtClean="0">
+              <a:ln>
+                <a:noFill/>
+              </a:ln>
+              <a:solidFill>
+                <a:prstClr val="black"/>
+              </a:solidFill>
+              <a:effectLst/>
+              <a:uLnTx/>
+              <a:uFillTx/>
+              <a:latin typeface="+mn-lt"/>
+              <a:ea typeface="+mn-ea"/>
+              <a:cs typeface="+mn-cs"/>
+            </a:endParaRPr>
           </a:p>
           <a:p>
             <a:endParaRPr lang="zh-CN" altLang="en-US" dirty="0"/>
@@ -1342,7 +1265,6 @@
               <a:buSzTx/>
               <a:buFontTx/>
               <a:buNone/>
-              <a:tabLst/>
               <a:defRPr/>
             </a:pPr>
             <a:fld id="{7392B679-AE23-4750-8FB0-6513430B8953}" type="slidenum">
@@ -1357,27 +1279,9 @@
                 <a:uLnTx/>
                 <a:uFillTx/>
                 <a:latin typeface="Calibri"/>
-                <a:ea typeface="宋体" panose="02010600030101010101" pitchFamily="2" charset="-122"/>
+                <a:ea typeface="宋体" pitchFamily="2" charset="-122"/>
                 <a:cs typeface="+mn-cs"/>
               </a:rPr>
-              <a:pPr marL="0" marR="0" lvl="0" indent="0" algn="r" defTabSz="914400" rtl="0" eaLnBrk="1" fontAlgn="auto" latinLnBrk="0" hangingPunct="1">
-                <a:lnSpc>
-                  <a:spcPct val="100000"/>
-                </a:lnSpc>
-                <a:spcBef>
-                  <a:spcPts val="0"/>
-                </a:spcBef>
-                <a:spcAft>
-                  <a:spcPts val="0"/>
-                </a:spcAft>
-                <a:buClrTx/>
-                <a:buSzTx/>
-                <a:buFontTx/>
-                <a:buNone/>
-                <a:tabLst/>
-                <a:defRPr/>
-              </a:pPr>
-              <a:t>4</a:t>
             </a:fld>
             <a:endParaRPr kumimoji="0" lang="zh-CN" altLang="en-US" sz="1300" b="0" i="0" u="none" strike="noStrike" kern="1200" cap="none" spc="0" normalizeH="0" baseline="0" noProof="0">
               <a:ln>
@@ -1390,18 +1294,13 @@
               <a:uLnTx/>
               <a:uFillTx/>
               <a:latin typeface="Calibri"/>
-              <a:ea typeface="宋体" panose="02010600030101010101" pitchFamily="2" charset="-122"/>
+              <a:ea typeface="宋体" pitchFamily="2" charset="-122"/>
               <a:cs typeface="+mn-cs"/>
             </a:endParaRPr>
           </a:p>
         </p:txBody>
       </p:sp>
     </p:spTree>
-    <p:extLst>
-      <p:ext uri="{BB962C8B-B14F-4D97-AF65-F5344CB8AC3E}">
-        <p14:creationId xmlns:p14="http://schemas.microsoft.com/office/powerpoint/2010/main" val="1855347874"/>
-      </p:ext>
-    </p:extLst>
   </p:cSld>
   <p:clrMapOvr>
     <a:masterClrMapping/>
@@ -1463,23 +1362,11 @@
             </a:r>
             <a:r>
               <a:rPr lang="zh-CN" altLang="en-US" smtClean="0"/>
-              <a:t>展示</a:t>
-            </a:r>
-            <a:r>
-              <a:rPr lang="zh-CN" altLang="en-US" smtClean="0"/>
-              <a:t>了可穿戴情感机器人</a:t>
-            </a:r>
-            <a:r>
-              <a:rPr lang="zh-CN" altLang="en-US" smtClean="0"/>
-              <a:t>具备的实时情感识别功能，</a:t>
+              <a:t>展示了可穿戴情感机器人具备的实时情感识别功能，</a:t>
             </a:r>
             <a:r>
               <a:rPr lang="zh-CN" altLang="en-US" baseline="0" smtClean="0"/>
-              <a:t> 左上图展示了基于语音和人脸图像的实时情感</a:t>
-            </a:r>
-            <a:r>
-              <a:rPr lang="zh-CN" altLang="en-US" baseline="0" smtClean="0"/>
-              <a:t>识别算法的可视化展示</a:t>
+              <a:t> 左上图展示了基于语音和人脸图像的实时情感识别算法的可视化展示</a:t>
             </a:r>
             <a:r>
               <a:rPr lang="zh-CN" altLang="en-US" smtClean="0"/>
@@ -1490,64 +1377,32 @@
           <a:p>
             <a:r>
               <a:rPr lang="zh-CN" altLang="en-US" smtClean="0"/>
-              <a:t>左下</a:t>
-            </a:r>
-            <a:r>
-              <a:rPr lang="zh-CN" altLang="en-US" smtClean="0"/>
-              <a:t>图则介绍了我们所采用的人脸情感识别深度卷积神经网络算法模型，</a:t>
+              <a:t>左下图则介绍了我们所采用的人脸情感识别深度卷积神经网络算法模型，</a:t>
             </a:r>
             <a:r>
               <a:rPr lang="zh-CN" altLang="en-US" baseline="0" smtClean="0"/>
-              <a:t> 同时我们也建立了相应的人脸情感库，如右下图所示</a:t>
-            </a:r>
+              <a:t> 同时我们也建立了相应的人脸情感库，如右下图所示。</a:t>
+            </a:r>
+            <a:endParaRPr lang="en-US" altLang="zh-CN" baseline="0" smtClean="0"/>
+          </a:p>
+          <a:p>
             <a:r>
               <a:rPr lang="zh-CN" altLang="en-US" baseline="0" smtClean="0"/>
-              <a:t>。</a:t>
+              <a:t>右上图介绍了基于深度卷积神经网络设计的语音情感识别算法， 我们首先将语音转化为多段语谱图，</a:t>
             </a:r>
             <a:endParaRPr lang="en-US" altLang="zh-CN" baseline="0" smtClean="0"/>
           </a:p>
           <a:p>
             <a:r>
               <a:rPr lang="zh-CN" altLang="en-US" baseline="0" smtClean="0"/>
-              <a:t>右</a:t>
-            </a:r>
+              <a:t>基于单个语谱图采用深度神经网络模型获取局部特征， 再采用特定方法将局部特征融合为定长的全局特征，</a:t>
+            </a:r>
+            <a:endParaRPr lang="en-US" altLang="zh-CN" baseline="0" smtClean="0"/>
+          </a:p>
+          <a:p>
             <a:r>
               <a:rPr lang="zh-CN" altLang="en-US" baseline="0" smtClean="0"/>
-              <a:t>上图介绍了基于深度卷积神经网络设计的语音情感识别算法， 我们首先将语音转化为多段语谱图</a:t>
-            </a:r>
-            <a:r>
-              <a:rPr lang="zh-CN" altLang="en-US" baseline="0" smtClean="0"/>
-              <a:t>，</a:t>
-            </a:r>
-            <a:endParaRPr lang="en-US" altLang="zh-CN" baseline="0" smtClean="0"/>
-          </a:p>
-          <a:p>
-            <a:r>
-              <a:rPr lang="zh-CN" altLang="en-US" baseline="0" smtClean="0"/>
-              <a:t>基于</a:t>
-            </a:r>
-            <a:r>
-              <a:rPr lang="zh-CN" altLang="en-US" baseline="0" smtClean="0"/>
-              <a:t>单个语谱图采用深度神经网络模型获取局部特征， 再采用特定方法将局部特征融合为定长的全局特征</a:t>
-            </a:r>
-            <a:r>
-              <a:rPr lang="zh-CN" altLang="en-US" baseline="0" smtClean="0"/>
-              <a:t>，</a:t>
-            </a:r>
-            <a:endParaRPr lang="en-US" altLang="zh-CN" baseline="0" smtClean="0"/>
-          </a:p>
-          <a:p>
-            <a:r>
-              <a:rPr lang="zh-CN" altLang="en-US" baseline="0" smtClean="0"/>
-              <a:t>最后</a:t>
-            </a:r>
-            <a:r>
-              <a:rPr lang="zh-CN" altLang="en-US" baseline="0" smtClean="0"/>
-              <a:t>基于支持向量机算法进行情感分类模型的训练， 取得了较好的情感识别效果</a:t>
-            </a:r>
-            <a:r>
-              <a:rPr lang="zh-CN" altLang="en-US" baseline="0" smtClean="0"/>
-              <a:t>。</a:t>
+              <a:t>最后基于支持向量机算法进行情感分类模型的训练， 取得了较好的情感识别效果。</a:t>
             </a:r>
             <a:endParaRPr lang="en-US" altLang="zh-CN" baseline="0" smtClean="0"/>
           </a:p>
@@ -1592,7 +1447,6 @@
               <a:buSzTx/>
               <a:buFontTx/>
               <a:buNone/>
-              <a:tabLst/>
               <a:defRPr/>
             </a:pPr>
             <a:fld id="{7392B679-AE23-4750-8FB0-6513430B8953}" type="slidenum">
@@ -1607,27 +1461,9 @@
                 <a:uLnTx/>
                 <a:uFillTx/>
                 <a:latin typeface="Calibri"/>
-                <a:ea typeface="宋体" panose="02010600030101010101" pitchFamily="2" charset="-122"/>
+                <a:ea typeface="宋体" pitchFamily="2" charset="-122"/>
                 <a:cs typeface="+mn-cs"/>
               </a:rPr>
-              <a:pPr marL="0" marR="0" lvl="0" indent="0" algn="r" defTabSz="914400" rtl="0" eaLnBrk="1" fontAlgn="auto" latinLnBrk="0" hangingPunct="1">
-                <a:lnSpc>
-                  <a:spcPct val="100000"/>
-                </a:lnSpc>
-                <a:spcBef>
-                  <a:spcPts val="0"/>
-                </a:spcBef>
-                <a:spcAft>
-                  <a:spcPts val="0"/>
-                </a:spcAft>
-                <a:buClrTx/>
-                <a:buSzTx/>
-                <a:buFontTx/>
-                <a:buNone/>
-                <a:tabLst/>
-                <a:defRPr/>
-              </a:pPr>
-              <a:t>5</a:t>
             </a:fld>
             <a:endParaRPr kumimoji="0" lang="zh-CN" altLang="en-US" sz="1300" b="0" i="0" u="none" strike="noStrike" kern="1200" cap="none" spc="0" normalizeH="0" baseline="0" noProof="0">
               <a:ln>
@@ -1640,18 +1476,13 @@
               <a:uLnTx/>
               <a:uFillTx/>
               <a:latin typeface="Calibri"/>
-              <a:ea typeface="宋体" panose="02010600030101010101" pitchFamily="2" charset="-122"/>
+              <a:ea typeface="宋体" pitchFamily="2" charset="-122"/>
               <a:cs typeface="+mn-cs"/>
             </a:endParaRPr>
           </a:p>
         </p:txBody>
       </p:sp>
     </p:spTree>
-    <p:extLst>
-      <p:ext uri="{BB962C8B-B14F-4D97-AF65-F5344CB8AC3E}">
-        <p14:creationId xmlns:p14="http://schemas.microsoft.com/office/powerpoint/2010/main" val="3682074686"/>
-      </p:ext>
-    </p:extLst>
   </p:cSld>
   <p:clrMapOvr>
     <a:masterClrMapping/>
@@ -1717,7 +1548,6 @@
               <a:buSzTx/>
               <a:buFontTx/>
               <a:buNone/>
-              <a:tabLst/>
               <a:defRPr/>
             </a:pPr>
             <a:r>
@@ -1748,8 +1578,8 @@
                 <a:effectLst/>
                 <a:uLnTx/>
                 <a:uFillTx/>
-                <a:latin typeface="微软雅黑" pitchFamily="34" charset="-122"/>
-                <a:ea typeface="微软雅黑" pitchFamily="34" charset="-122"/>
+                <a:latin typeface="微软雅黑" panose="020B0503020204020204" pitchFamily="34" charset="-122"/>
+                <a:ea typeface="微软雅黑" panose="020B0503020204020204" pitchFamily="34" charset="-122"/>
                 <a:cs typeface="+mn-cs"/>
               </a:rPr>
               <a:t>主要思想</a:t>
@@ -1764,8 +1594,8 @@
               <a:effectLst/>
               <a:uLnTx/>
               <a:uFillTx/>
-              <a:latin typeface="微软雅黑" pitchFamily="34" charset="-122"/>
-              <a:ea typeface="微软雅黑" pitchFamily="34" charset="-122"/>
+              <a:latin typeface="微软雅黑" panose="020B0503020204020204" pitchFamily="34" charset="-122"/>
+              <a:ea typeface="微软雅黑" panose="020B0503020204020204" pitchFamily="34" charset="-122"/>
               <a:cs typeface="+mn-cs"/>
             </a:endParaRPr>
           </a:p>
@@ -1784,7 +1614,6 @@
               <a:buSzTx/>
               <a:buFontTx/>
               <a:buNone/>
-              <a:tabLst/>
               <a:defRPr/>
             </a:pPr>
             <a:r>
@@ -1798,8 +1627,8 @@
                 <a:effectLst/>
                 <a:uLnTx/>
                 <a:uFillTx/>
-                <a:latin typeface="微软雅黑" pitchFamily="34" charset="-122"/>
-                <a:ea typeface="微软雅黑" pitchFamily="34" charset="-122"/>
+                <a:latin typeface="微软雅黑" panose="020B0503020204020204" pitchFamily="34" charset="-122"/>
+                <a:ea typeface="微软雅黑" panose="020B0503020204020204" pitchFamily="34" charset="-122"/>
                 <a:cs typeface="+mn-cs"/>
               </a:rPr>
               <a:t>1.</a:t>
@@ -1818,8 +1647,8 @@
                 <a:effectLst/>
                 <a:uLnTx/>
                 <a:uFillTx/>
-                <a:latin typeface="微软雅黑" pitchFamily="34" charset="-122"/>
-                <a:ea typeface="微软雅黑" pitchFamily="34" charset="-122"/>
+                <a:latin typeface="微软雅黑" panose="020B0503020204020204" pitchFamily="34" charset="-122"/>
+                <a:ea typeface="微软雅黑" panose="020B0503020204020204" pitchFamily="34" charset="-122"/>
                 <a:cs typeface="+mn-cs"/>
               </a:rPr>
               <a:t>通过筛选大量无标签的情感数据，将置信度高的自主标签数据加入到训练集中；</a:t>
@@ -1837,8 +1666,8 @@
               <a:effectLst/>
               <a:uLnTx/>
               <a:uFillTx/>
-              <a:latin typeface="微软雅黑" pitchFamily="34" charset="-122"/>
-              <a:ea typeface="微软雅黑" pitchFamily="34" charset="-122"/>
+              <a:latin typeface="微软雅黑" panose="020B0503020204020204" pitchFamily="34" charset="-122"/>
+              <a:ea typeface="微软雅黑" panose="020B0503020204020204" pitchFamily="34" charset="-122"/>
               <a:cs typeface="+mn-cs"/>
             </a:endParaRPr>
           </a:p>
@@ -1857,7 +1686,6 @@
               <a:buSzTx/>
               <a:buFontTx/>
               <a:buNone/>
-              <a:tabLst/>
               <a:defRPr/>
             </a:pPr>
             <a:r>
@@ -1874,8 +1702,8 @@
                 <a:effectLst/>
                 <a:uLnTx/>
                 <a:uFillTx/>
-                <a:latin typeface="微软雅黑" pitchFamily="34" charset="-122"/>
-                <a:ea typeface="微软雅黑" pitchFamily="34" charset="-122"/>
+                <a:latin typeface="微软雅黑" panose="020B0503020204020204" pitchFamily="34" charset="-122"/>
+                <a:ea typeface="微软雅黑" panose="020B0503020204020204" pitchFamily="34" charset="-122"/>
                 <a:cs typeface="+mn-cs"/>
               </a:rPr>
               <a:t>2.</a:t>
@@ -1894,8 +1722,8 @@
                 <a:effectLst/>
                 <a:uLnTx/>
                 <a:uFillTx/>
-                <a:latin typeface="微软雅黑" pitchFamily="34" charset="-122"/>
-                <a:ea typeface="微软雅黑" pitchFamily="34" charset="-122"/>
+                <a:latin typeface="微软雅黑" panose="020B0503020204020204" pitchFamily="34" charset="-122"/>
+                <a:ea typeface="微软雅黑" panose="020B0503020204020204" pitchFamily="34" charset="-122"/>
                 <a:cs typeface="+mn-cs"/>
               </a:rPr>
               <a:t>从无标签数据的特征层和决策层两个角度考虑，利用相似度模型和熵模型，提出混合的无标签数据自主标签策略。而为了进一步提高加入数据的置信度，需要对自主标签的数据重新进行筛选。</a:t>
@@ -1913,8 +1741,8 @@
               <a:effectLst/>
               <a:uLnTx/>
               <a:uFillTx/>
-              <a:latin typeface="微软雅黑" pitchFamily="34" charset="-122"/>
-              <a:ea typeface="微软雅黑" pitchFamily="34" charset="-122"/>
+              <a:latin typeface="微软雅黑" panose="020B0503020204020204" pitchFamily="34" charset="-122"/>
+              <a:ea typeface="微软雅黑" panose="020B0503020204020204" pitchFamily="34" charset="-122"/>
               <a:cs typeface="+mn-cs"/>
             </a:endParaRPr>
           </a:p>
@@ -1933,7 +1761,6 @@
               <a:buSzTx/>
               <a:buFontTx/>
               <a:buNone/>
-              <a:tabLst/>
               <a:defRPr/>
             </a:pPr>
             <a:endParaRPr kumimoji="0" lang="zh-CN" altLang="en-US" sz="1200" b="0" i="0" u="none" strike="noStrike" kern="1200" cap="none" spc="0" normalizeH="0" baseline="0" noProof="0" smtClean="0">
@@ -1946,8 +1773,8 @@
               <a:effectLst/>
               <a:uLnTx/>
               <a:uFillTx/>
-              <a:latin typeface="微软雅黑" pitchFamily="34" charset="-122"/>
-              <a:ea typeface="微软雅黑" pitchFamily="34" charset="-122"/>
+              <a:latin typeface="微软雅黑" panose="020B0503020204020204" pitchFamily="34" charset="-122"/>
+              <a:ea typeface="微软雅黑" panose="020B0503020204020204" pitchFamily="34" charset="-122"/>
               <a:cs typeface="+mn-cs"/>
             </a:endParaRPr>
           </a:p>
@@ -1966,7 +1793,6 @@
               <a:buSzTx/>
               <a:buFontTx/>
               <a:buNone/>
-              <a:tabLst/>
               <a:defRPr/>
             </a:pPr>
             <a:endParaRPr lang="en-US" altLang="zh-CN" b="0" dirty="0" smtClean="0"/>
@@ -2005,7 +1831,6 @@
               <a:buSzTx/>
               <a:buFontTx/>
               <a:buNone/>
-              <a:tabLst/>
               <a:defRPr/>
             </a:pPr>
             <a:fld id="{7392B679-AE23-4750-8FB0-6513430B8953}" type="slidenum">
@@ -2020,27 +1845,9 @@
                 <a:uLnTx/>
                 <a:uFillTx/>
                 <a:latin typeface="Calibri"/>
-                <a:ea typeface="宋体" panose="02010600030101010101" pitchFamily="2" charset="-122"/>
+                <a:ea typeface="宋体" pitchFamily="2" charset="-122"/>
                 <a:cs typeface="+mn-cs"/>
               </a:rPr>
-              <a:pPr marL="0" marR="0" lvl="0" indent="0" algn="r" defTabSz="914400" rtl="0" eaLnBrk="1" fontAlgn="auto" latinLnBrk="0" hangingPunct="1">
-                <a:lnSpc>
-                  <a:spcPct val="100000"/>
-                </a:lnSpc>
-                <a:spcBef>
-                  <a:spcPts val="0"/>
-                </a:spcBef>
-                <a:spcAft>
-                  <a:spcPts val="0"/>
-                </a:spcAft>
-                <a:buClrTx/>
-                <a:buSzTx/>
-                <a:buFontTx/>
-                <a:buNone/>
-                <a:tabLst/>
-                <a:defRPr/>
-              </a:pPr>
-              <a:t>6</a:t>
             </a:fld>
             <a:endParaRPr kumimoji="0" lang="zh-CN" altLang="en-US" sz="1300" b="0" i="0" u="none" strike="noStrike" kern="1200" cap="none" spc="0" normalizeH="0" baseline="0" noProof="0">
               <a:ln>
@@ -2053,18 +1860,13 @@
               <a:uLnTx/>
               <a:uFillTx/>
               <a:latin typeface="Calibri"/>
-              <a:ea typeface="宋体" panose="02010600030101010101" pitchFamily="2" charset="-122"/>
+              <a:ea typeface="宋体" pitchFamily="2" charset="-122"/>
               <a:cs typeface="+mn-cs"/>
             </a:endParaRPr>
           </a:p>
         </p:txBody>
       </p:sp>
     </p:spTree>
-    <p:extLst>
-      <p:ext uri="{BB962C8B-B14F-4D97-AF65-F5344CB8AC3E}">
-        <p14:creationId xmlns:p14="http://schemas.microsoft.com/office/powerpoint/2010/main" val="1300365935"/>
-      </p:ext>
-    </p:extLst>
   </p:cSld>
   <p:clrMapOvr>
     <a:masterClrMapping/>
@@ -2265,6 +2067,7 @@
               <a:rPr lang="zh-CN" altLang="en-US" dirty="0"/>
               <a:t>一种情绪认知能力能够自我进化的社交情感机器人。</a:t>
             </a:r>
+            <a:endParaRPr lang="zh-CN" altLang="en-US" dirty="0"/>
           </a:p>
         </p:txBody>
       </p:sp>
@@ -2285,18 +2088,12 @@
           <a:p>
             <a:fld id="{7392B679-AE23-4750-8FB0-6513430B8953}" type="slidenum">
               <a:rPr lang="zh-CN" altLang="en-US" smtClean="0"/>
-              <a:t>7</a:t>
             </a:fld>
             <a:endParaRPr lang="zh-CN" altLang="en-US"/>
           </a:p>
         </p:txBody>
       </p:sp>
     </p:spTree>
-    <p:extLst>
-      <p:ext uri="{BB962C8B-B14F-4D97-AF65-F5344CB8AC3E}">
-        <p14:creationId xmlns:p14="http://schemas.microsoft.com/office/powerpoint/2010/main" val="3170454728"/>
-      </p:ext>
-    </p:extLst>
   </p:cSld>
   <p:clrMapOvr>
     <a:masterClrMapping/>
@@ -2472,6 +2269,7 @@
               <a:rPr lang="zh-CN" altLang="en-US" dirty="0"/>
               <a:t>了解程度也会随之正常，因此算法将不断得到进化，系统也不断进化，系统的创造性不断得到增强，从而帮助艺术家创作出更加新颖的作品。</a:t>
             </a:r>
+            <a:endParaRPr lang="zh-CN" altLang="en-US" dirty="0"/>
           </a:p>
         </p:txBody>
       </p:sp>
@@ -2492,18 +2290,12 @@
           <a:p>
             <a:fld id="{7392B679-AE23-4750-8FB0-6513430B8953}" type="slidenum">
               <a:rPr lang="zh-CN" altLang="en-US" smtClean="0"/>
-              <a:t>8</a:t>
             </a:fld>
             <a:endParaRPr lang="zh-CN" altLang="en-US"/>
           </a:p>
         </p:txBody>
       </p:sp>
     </p:spTree>
-    <p:extLst>
-      <p:ext uri="{BB962C8B-B14F-4D97-AF65-F5344CB8AC3E}">
-        <p14:creationId xmlns:p14="http://schemas.microsoft.com/office/powerpoint/2010/main" val="2238473772"/>
-      </p:ext>
-    </p:extLst>
   </p:cSld>
   <p:clrMapOvr>
     <a:masterClrMapping/>
@@ -2588,7 +2380,6 @@
               <a:buSzTx/>
               <a:buFontTx/>
               <a:buNone/>
-              <a:tabLst/>
               <a:defRPr/>
             </a:pPr>
             <a:fld id="{7392B679-AE23-4750-8FB0-6513430B8953}" type="slidenum">
@@ -2603,27 +2394,9 @@
                 <a:uLnTx/>
                 <a:uFillTx/>
                 <a:latin typeface="Calibri"/>
-                <a:ea typeface="宋体" panose="02010600030101010101" pitchFamily="2" charset="-122"/>
+                <a:ea typeface="宋体" pitchFamily="2" charset="-122"/>
                 <a:cs typeface="+mn-cs"/>
               </a:rPr>
-              <a:pPr marL="0" marR="0" lvl="0" indent="0" algn="r" defTabSz="914400" rtl="0" eaLnBrk="1" fontAlgn="auto" latinLnBrk="0" hangingPunct="1">
-                <a:lnSpc>
-                  <a:spcPct val="100000"/>
-                </a:lnSpc>
-                <a:spcBef>
-                  <a:spcPts val="0"/>
-                </a:spcBef>
-                <a:spcAft>
-                  <a:spcPts val="0"/>
-                </a:spcAft>
-                <a:buClrTx/>
-                <a:buSzTx/>
-                <a:buFontTx/>
-                <a:buNone/>
-                <a:tabLst/>
-                <a:defRPr/>
-              </a:pPr>
-              <a:t>9</a:t>
             </a:fld>
             <a:endParaRPr kumimoji="0" lang="zh-CN" altLang="en-US" sz="1300" b="0" i="0" u="none" strike="noStrike" kern="1200" cap="none" spc="0" normalizeH="0" baseline="0" noProof="0">
               <a:ln>
@@ -2636,18 +2409,13 @@
               <a:uLnTx/>
               <a:uFillTx/>
               <a:latin typeface="Calibri"/>
-              <a:ea typeface="宋体" panose="02010600030101010101" pitchFamily="2" charset="-122"/>
+              <a:ea typeface="宋体" pitchFamily="2" charset="-122"/>
               <a:cs typeface="+mn-cs"/>
             </a:endParaRPr>
           </a:p>
         </p:txBody>
       </p:sp>
     </p:spTree>
-    <p:extLst>
-      <p:ext uri="{BB962C8B-B14F-4D97-AF65-F5344CB8AC3E}">
-        <p14:creationId xmlns:p14="http://schemas.microsoft.com/office/powerpoint/2010/main" val="2950509565"/>
-      </p:ext>
-    </p:extLst>
   </p:cSld>
   <p:clrMapOvr>
     <a:masterClrMapping/>
@@ -2836,7 +2604,6 @@
           <a:p>
             <a:fld id="{530820CF-B880-4189-942D-D702A7CBA730}" type="datetimeFigureOut">
               <a:rPr lang="zh-CN" altLang="en-US" smtClean="0"/>
-              <a:t>2018/12/8</a:t>
             </a:fld>
             <a:endParaRPr lang="zh-CN" altLang="en-US"/>
           </a:p>
@@ -2878,7 +2645,6 @@
           <a:p>
             <a:fld id="{0C913308-F349-4B6D-A68A-DD1791B4A57B}" type="slidenum">
               <a:rPr lang="zh-CN" altLang="en-US" smtClean="0"/>
-              <a:t>‹#›</a:t>
             </a:fld>
             <a:endParaRPr lang="zh-CN" altLang="en-US"/>
           </a:p>
@@ -2889,11 +2655,11 @@
   <p:clrMapOvr>
     <a:masterClrMapping/>
   </p:clrMapOvr>
-  <mc:AlternateContent xmlns:mc="http://schemas.openxmlformats.org/markup-compatibility/2006" xmlns:p14="http://schemas.microsoft.com/office/powerpoint/2010/main">
-    <mc:Choice Requires="p14">
+  <mc:AlternateContent xmlns:mc="http://schemas.openxmlformats.org/markup-compatibility/2006">
+    <mc:Choice xmlns:p14="http://schemas.microsoft.com/office/powerpoint/2010/main" Requires="p14">
       <p:transition p14:dur="0" advTm="0"/>
     </mc:Choice>
-    <mc:Fallback xmlns="">
+    <mc:Fallback>
       <p:transition advTm="0"/>
     </mc:Fallback>
   </mc:AlternateContent>
@@ -3072,6 +2838,7 @@
               <a:rPr lang="zh-CN" altLang="en-US" smtClean="0"/>
               <a:t>单击此处编辑母版文本样式</a:t>
             </a:r>
+            <a:endParaRPr lang="zh-CN" altLang="en-US" smtClean="0"/>
           </a:p>
         </p:txBody>
       </p:sp>
@@ -3092,7 +2859,6 @@
           <a:p>
             <a:fld id="{530820CF-B880-4189-942D-D702A7CBA730}" type="datetimeFigureOut">
               <a:rPr lang="zh-CN" altLang="en-US" smtClean="0"/>
-              <a:t>2018/12/8</a:t>
             </a:fld>
             <a:endParaRPr lang="zh-CN" altLang="en-US"/>
           </a:p>
@@ -3134,7 +2900,6 @@
           <a:p>
             <a:fld id="{0C913308-F349-4B6D-A68A-DD1791B4A57B}" type="slidenum">
               <a:rPr lang="zh-CN" altLang="en-US" smtClean="0"/>
-              <a:t>‹#›</a:t>
             </a:fld>
             <a:endParaRPr lang="zh-CN" altLang="en-US"/>
           </a:p>
@@ -3145,11 +2910,11 @@
   <p:clrMapOvr>
     <a:masterClrMapping/>
   </p:clrMapOvr>
-  <mc:AlternateContent xmlns:mc="http://schemas.openxmlformats.org/markup-compatibility/2006" xmlns:p14="http://schemas.microsoft.com/office/powerpoint/2010/main">
-    <mc:Choice Requires="p14">
+  <mc:AlternateContent xmlns:mc="http://schemas.openxmlformats.org/markup-compatibility/2006">
+    <mc:Choice xmlns:p14="http://schemas.microsoft.com/office/powerpoint/2010/main" Requires="p14">
       <p:transition p14:dur="0" advTm="0"/>
     </mc:Choice>
-    <mc:Fallback xmlns="">
+    <mc:Fallback>
       <p:transition advTm="0"/>
     </mc:Fallback>
   </mc:AlternateContent>
@@ -3216,6 +2981,7 @@
               <a:rPr lang="zh-CN" altLang="en-US" smtClean="0"/>
               <a:t>单击此处编辑母版文本样式</a:t>
             </a:r>
+            <a:endParaRPr lang="zh-CN" altLang="en-US" smtClean="0"/>
           </a:p>
           <a:p>
             <a:pPr lvl="1"/>
@@ -3223,6 +2989,7 @@
               <a:rPr lang="zh-CN" altLang="en-US" smtClean="0"/>
               <a:t>第二级</a:t>
             </a:r>
+            <a:endParaRPr lang="zh-CN" altLang="en-US" smtClean="0"/>
           </a:p>
           <a:p>
             <a:pPr lvl="2"/>
@@ -3230,6 +2997,7 @@
               <a:rPr lang="zh-CN" altLang="en-US" smtClean="0"/>
               <a:t>第三级</a:t>
             </a:r>
+            <a:endParaRPr lang="zh-CN" altLang="en-US" smtClean="0"/>
           </a:p>
           <a:p>
             <a:pPr lvl="3"/>
@@ -3237,6 +3005,7 @@
               <a:rPr lang="zh-CN" altLang="en-US" smtClean="0"/>
               <a:t>第四级</a:t>
             </a:r>
+            <a:endParaRPr lang="zh-CN" altLang="en-US" smtClean="0"/>
           </a:p>
           <a:p>
             <a:pPr lvl="4"/>
@@ -3265,7 +3034,6 @@
           <a:p>
             <a:fld id="{530820CF-B880-4189-942D-D702A7CBA730}" type="datetimeFigureOut">
               <a:rPr lang="zh-CN" altLang="en-US" smtClean="0"/>
-              <a:t>2018/12/8</a:t>
             </a:fld>
             <a:endParaRPr lang="zh-CN" altLang="en-US"/>
           </a:p>
@@ -3307,7 +3075,6 @@
           <a:p>
             <a:fld id="{0C913308-F349-4B6D-A68A-DD1791B4A57B}" type="slidenum">
               <a:rPr lang="zh-CN" altLang="en-US" smtClean="0"/>
-              <a:t>‹#›</a:t>
             </a:fld>
             <a:endParaRPr lang="zh-CN" altLang="en-US"/>
           </a:p>
@@ -3318,11 +3085,11 @@
   <p:clrMapOvr>
     <a:masterClrMapping/>
   </p:clrMapOvr>
-  <mc:AlternateContent xmlns:mc="http://schemas.openxmlformats.org/markup-compatibility/2006" xmlns:p14="http://schemas.microsoft.com/office/powerpoint/2010/main">
-    <mc:Choice Requires="p14">
+  <mc:AlternateContent xmlns:mc="http://schemas.openxmlformats.org/markup-compatibility/2006">
+    <mc:Choice xmlns:p14="http://schemas.microsoft.com/office/powerpoint/2010/main" Requires="p14">
       <p:transition p14:dur="0" advTm="0"/>
     </mc:Choice>
-    <mc:Fallback xmlns="">
+    <mc:Fallback>
       <p:transition advTm="0"/>
     </mc:Fallback>
   </mc:AlternateContent>
@@ -3399,6 +3166,7 @@
               <a:rPr lang="zh-CN" altLang="en-US" smtClean="0"/>
               <a:t>单击此处编辑母版文本样式</a:t>
             </a:r>
+            <a:endParaRPr lang="zh-CN" altLang="en-US" smtClean="0"/>
           </a:p>
           <a:p>
             <a:pPr lvl="1"/>
@@ -3406,6 +3174,7 @@
               <a:rPr lang="zh-CN" altLang="en-US" smtClean="0"/>
               <a:t>第二级</a:t>
             </a:r>
+            <a:endParaRPr lang="zh-CN" altLang="en-US" smtClean="0"/>
           </a:p>
           <a:p>
             <a:pPr lvl="2"/>
@@ -3413,6 +3182,7 @@
               <a:rPr lang="zh-CN" altLang="en-US" smtClean="0"/>
               <a:t>第三级</a:t>
             </a:r>
+            <a:endParaRPr lang="zh-CN" altLang="en-US" smtClean="0"/>
           </a:p>
           <a:p>
             <a:pPr lvl="3"/>
@@ -3420,6 +3190,7 @@
               <a:rPr lang="zh-CN" altLang="en-US" smtClean="0"/>
               <a:t>第四级</a:t>
             </a:r>
+            <a:endParaRPr lang="zh-CN" altLang="en-US" smtClean="0"/>
           </a:p>
           <a:p>
             <a:pPr lvl="4"/>
@@ -3448,7 +3219,6 @@
           <a:p>
             <a:fld id="{530820CF-B880-4189-942D-D702A7CBA730}" type="datetimeFigureOut">
               <a:rPr lang="zh-CN" altLang="en-US" smtClean="0"/>
-              <a:t>2018/12/8</a:t>
             </a:fld>
             <a:endParaRPr lang="zh-CN" altLang="en-US"/>
           </a:p>
@@ -3490,7 +3260,6 @@
           <a:p>
             <a:fld id="{0C913308-F349-4B6D-A68A-DD1791B4A57B}" type="slidenum">
               <a:rPr lang="zh-CN" altLang="en-US" smtClean="0"/>
-              <a:t>‹#›</a:t>
             </a:fld>
             <a:endParaRPr lang="zh-CN" altLang="en-US"/>
           </a:p>
@@ -3501,11 +3270,11 @@
   <p:clrMapOvr>
     <a:masterClrMapping/>
   </p:clrMapOvr>
-  <mc:AlternateContent xmlns:mc="http://schemas.openxmlformats.org/markup-compatibility/2006" xmlns:p14="http://schemas.microsoft.com/office/powerpoint/2010/main">
-    <mc:Choice Requires="p14">
+  <mc:AlternateContent xmlns:mc="http://schemas.openxmlformats.org/markup-compatibility/2006">
+    <mc:Choice xmlns:p14="http://schemas.microsoft.com/office/powerpoint/2010/main" Requires="p14">
       <p:transition p14:dur="0" advTm="0"/>
     </mc:Choice>
-    <mc:Fallback xmlns="">
+    <mc:Fallback>
       <p:transition advTm="0"/>
     </mc:Fallback>
   </mc:AlternateContent>
@@ -3549,13 +3318,12 @@
                   </a14:imgLayer>
                 </a14:imgProps>
               </a:ext>
-              <a:ext uri="{28A0092B-C50C-407E-A947-70E740481C1C}">
-                <a14:useLocalDpi xmlns:a14="http://schemas.microsoft.com/office/drawing/2010/main"/>
-              </a:ext>
             </a:extLst>
           </a:blip>
           <a:srcRect/>
-          <a:stretch/>
+          <a:stretch>
+            <a:fillRect/>
+          </a:stretch>
         </p:blipFill>
         <p:spPr>
           <a:xfrm>
@@ -3714,11 +3482,11 @@
   <p:clrMapOvr>
     <a:masterClrMapping/>
   </p:clrMapOvr>
-  <mc:AlternateContent xmlns:mc="http://schemas.openxmlformats.org/markup-compatibility/2006" xmlns:p14="http://schemas.microsoft.com/office/powerpoint/2010/main">
-    <mc:Choice Requires="p14">
+  <mc:AlternateContent xmlns:mc="http://schemas.openxmlformats.org/markup-compatibility/2006">
+    <mc:Choice xmlns:p14="http://schemas.microsoft.com/office/powerpoint/2010/main" Requires="p14">
       <p:transition p14:dur="0" advTm="0"/>
     </mc:Choice>
-    <mc:Fallback xmlns="">
+    <mc:Fallback>
       <p:transition advTm="0"/>
     </mc:Fallback>
   </mc:AlternateContent>
@@ -3769,13 +3537,12 @@
                   </a14:imgLayer>
                 </a14:imgProps>
               </a:ext>
-              <a:ext uri="{28A0092B-C50C-407E-A947-70E740481C1C}">
-                <a14:useLocalDpi xmlns:a14="http://schemas.microsoft.com/office/drawing/2010/main"/>
-              </a:ext>
             </a:extLst>
           </a:blip>
           <a:srcRect/>
-          <a:stretch/>
+          <a:stretch>
+            <a:fillRect/>
+          </a:stretch>
         </p:blipFill>
         <p:spPr>
           <a:xfrm>
@@ -3788,20 +3555,15 @@
         </p:spPr>
       </p:pic>
     </p:spTree>
-    <p:extLst>
-      <p:ext uri="{BB962C8B-B14F-4D97-AF65-F5344CB8AC3E}">
-        <p14:creationId xmlns:p14="http://schemas.microsoft.com/office/powerpoint/2010/main" val="983114887"/>
-      </p:ext>
-    </p:extLst>
   </p:cSld>
   <p:clrMapOvr>
     <a:masterClrMapping/>
   </p:clrMapOvr>
-  <mc:AlternateContent xmlns:mc="http://schemas.openxmlformats.org/markup-compatibility/2006" xmlns:p14="http://schemas.microsoft.com/office/powerpoint/2010/main">
-    <mc:Choice Requires="p14">
+  <mc:AlternateContent xmlns:mc="http://schemas.openxmlformats.org/markup-compatibility/2006">
+    <mc:Choice xmlns:p14="http://schemas.microsoft.com/office/powerpoint/2010/main" Requires="p14">
       <p:transition p14:dur="0" advTm="0"/>
     </mc:Choice>
-    <mc:Fallback xmlns="">
+    <mc:Fallback>
       <p:transition advTm="0"/>
     </mc:Fallback>
   </mc:AlternateContent>
@@ -3980,6 +3742,7 @@
               <a:rPr lang="zh-CN" altLang="en-US" smtClean="0"/>
               <a:t>单击此处编辑母版文本样式</a:t>
             </a:r>
+            <a:endParaRPr lang="zh-CN" altLang="en-US" smtClean="0"/>
           </a:p>
         </p:txBody>
       </p:sp>
@@ -4000,7 +3763,6 @@
           <a:p>
             <a:fld id="{530820CF-B880-4189-942D-D702A7CBA730}" type="datetimeFigureOut">
               <a:rPr lang="zh-CN" altLang="en-US" smtClean="0"/>
-              <a:t>2018/12/8</a:t>
             </a:fld>
             <a:endParaRPr lang="zh-CN" altLang="en-US"/>
           </a:p>
@@ -4042,7 +3804,6 @@
           <a:p>
             <a:fld id="{0C913308-F349-4B6D-A68A-DD1791B4A57B}" type="slidenum">
               <a:rPr lang="zh-CN" altLang="en-US" smtClean="0"/>
-              <a:t>‹#›</a:t>
             </a:fld>
             <a:endParaRPr lang="zh-CN" altLang="en-US"/>
           </a:p>
@@ -4053,11 +3814,11 @@
   <p:clrMapOvr>
     <a:masterClrMapping/>
   </p:clrMapOvr>
-  <mc:AlternateContent xmlns:mc="http://schemas.openxmlformats.org/markup-compatibility/2006" xmlns:p14="http://schemas.microsoft.com/office/powerpoint/2010/main">
-    <mc:Choice Requires="p14">
+  <mc:AlternateContent xmlns:mc="http://schemas.openxmlformats.org/markup-compatibility/2006">
+    <mc:Choice xmlns:p14="http://schemas.microsoft.com/office/powerpoint/2010/main" Requires="p14">
       <p:transition p14:dur="0" advTm="0"/>
     </mc:Choice>
-    <mc:Fallback xmlns="">
+    <mc:Fallback>
       <p:transition advTm="0"/>
     </mc:Fallback>
   </mc:AlternateContent>
@@ -4157,6 +3918,7 @@
               <a:rPr lang="zh-CN" altLang="en-US" smtClean="0"/>
               <a:t>单击此处编辑母版文本样式</a:t>
             </a:r>
+            <a:endParaRPr lang="zh-CN" altLang="en-US" smtClean="0"/>
           </a:p>
           <a:p>
             <a:pPr lvl="1"/>
@@ -4164,6 +3926,7 @@
               <a:rPr lang="zh-CN" altLang="en-US" smtClean="0"/>
               <a:t>第二级</a:t>
             </a:r>
+            <a:endParaRPr lang="zh-CN" altLang="en-US" smtClean="0"/>
           </a:p>
           <a:p>
             <a:pPr lvl="2"/>
@@ -4171,6 +3934,7 @@
               <a:rPr lang="zh-CN" altLang="en-US" smtClean="0"/>
               <a:t>第三级</a:t>
             </a:r>
+            <a:endParaRPr lang="zh-CN" altLang="en-US" smtClean="0"/>
           </a:p>
           <a:p>
             <a:pPr lvl="3"/>
@@ -4178,6 +3942,7 @@
               <a:rPr lang="zh-CN" altLang="en-US" smtClean="0"/>
               <a:t>第四级</a:t>
             </a:r>
+            <a:endParaRPr lang="zh-CN" altLang="en-US" smtClean="0"/>
           </a:p>
           <a:p>
             <a:pPr lvl="4"/>
@@ -4242,6 +4007,7 @@
               <a:rPr lang="zh-CN" altLang="en-US" smtClean="0"/>
               <a:t>单击此处编辑母版文本样式</a:t>
             </a:r>
+            <a:endParaRPr lang="zh-CN" altLang="en-US" smtClean="0"/>
           </a:p>
           <a:p>
             <a:pPr lvl="1"/>
@@ -4249,6 +4015,7 @@
               <a:rPr lang="zh-CN" altLang="en-US" smtClean="0"/>
               <a:t>第二级</a:t>
             </a:r>
+            <a:endParaRPr lang="zh-CN" altLang="en-US" smtClean="0"/>
           </a:p>
           <a:p>
             <a:pPr lvl="2"/>
@@ -4256,6 +4023,7 @@
               <a:rPr lang="zh-CN" altLang="en-US" smtClean="0"/>
               <a:t>第三级</a:t>
             </a:r>
+            <a:endParaRPr lang="zh-CN" altLang="en-US" smtClean="0"/>
           </a:p>
           <a:p>
             <a:pPr lvl="3"/>
@@ -4263,6 +4031,7 @@
               <a:rPr lang="zh-CN" altLang="en-US" smtClean="0"/>
               <a:t>第四级</a:t>
             </a:r>
+            <a:endParaRPr lang="zh-CN" altLang="en-US" smtClean="0"/>
           </a:p>
           <a:p>
             <a:pPr lvl="4"/>
@@ -4291,7 +4060,6 @@
           <a:p>
             <a:fld id="{530820CF-B880-4189-942D-D702A7CBA730}" type="datetimeFigureOut">
               <a:rPr lang="zh-CN" altLang="en-US" smtClean="0"/>
-              <a:t>2018/12/8</a:t>
             </a:fld>
             <a:endParaRPr lang="zh-CN" altLang="en-US"/>
           </a:p>
@@ -4333,7 +4101,6 @@
           <a:p>
             <a:fld id="{0C913308-F349-4B6D-A68A-DD1791B4A57B}" type="slidenum">
               <a:rPr lang="zh-CN" altLang="en-US" smtClean="0"/>
-              <a:t>‹#›</a:t>
             </a:fld>
             <a:endParaRPr lang="zh-CN" altLang="en-US"/>
           </a:p>
@@ -4344,11 +4111,11 @@
   <p:clrMapOvr>
     <a:masterClrMapping/>
   </p:clrMapOvr>
-  <mc:AlternateContent xmlns:mc="http://schemas.openxmlformats.org/markup-compatibility/2006" xmlns:p14="http://schemas.microsoft.com/office/powerpoint/2010/main">
-    <mc:Choice Requires="p14">
+  <mc:AlternateContent xmlns:mc="http://schemas.openxmlformats.org/markup-compatibility/2006">
+    <mc:Choice xmlns:p14="http://schemas.microsoft.com/office/powerpoint/2010/main" Requires="p14">
       <p:transition p14:dur="0" advTm="0"/>
     </mc:Choice>
-    <mc:Fallback xmlns="">
+    <mc:Fallback>
       <p:transition advTm="0"/>
     </mc:Fallback>
   </mc:AlternateContent>
@@ -4461,6 +4228,7 @@
               <a:rPr lang="zh-CN" altLang="en-US" smtClean="0"/>
               <a:t>单击此处编辑母版文本样式</a:t>
             </a:r>
+            <a:endParaRPr lang="zh-CN" altLang="en-US" smtClean="0"/>
           </a:p>
         </p:txBody>
       </p:sp>
@@ -4517,6 +4285,7 @@
               <a:rPr lang="zh-CN" altLang="en-US" smtClean="0"/>
               <a:t>单击此处编辑母版文本样式</a:t>
             </a:r>
+            <a:endParaRPr lang="zh-CN" altLang="en-US" smtClean="0"/>
           </a:p>
           <a:p>
             <a:pPr lvl="1"/>
@@ -4524,6 +4293,7 @@
               <a:rPr lang="zh-CN" altLang="en-US" smtClean="0"/>
               <a:t>第二级</a:t>
             </a:r>
+            <a:endParaRPr lang="zh-CN" altLang="en-US" smtClean="0"/>
           </a:p>
           <a:p>
             <a:pPr lvl="2"/>
@@ -4531,6 +4301,7 @@
               <a:rPr lang="zh-CN" altLang="en-US" smtClean="0"/>
               <a:t>第三级</a:t>
             </a:r>
+            <a:endParaRPr lang="zh-CN" altLang="en-US" smtClean="0"/>
           </a:p>
           <a:p>
             <a:pPr lvl="3"/>
@@ -4538,6 +4309,7 @@
               <a:rPr lang="zh-CN" altLang="en-US" smtClean="0"/>
               <a:t>第四级</a:t>
             </a:r>
+            <a:endParaRPr lang="zh-CN" altLang="en-US" smtClean="0"/>
           </a:p>
           <a:p>
             <a:pPr lvl="4"/>
@@ -4611,6 +4383,7 @@
               <a:rPr lang="zh-CN" altLang="en-US" smtClean="0"/>
               <a:t>单击此处编辑母版文本样式</a:t>
             </a:r>
+            <a:endParaRPr lang="zh-CN" altLang="en-US" smtClean="0"/>
           </a:p>
         </p:txBody>
       </p:sp>
@@ -4667,6 +4440,7 @@
               <a:rPr lang="zh-CN" altLang="en-US" smtClean="0"/>
               <a:t>单击此处编辑母版文本样式</a:t>
             </a:r>
+            <a:endParaRPr lang="zh-CN" altLang="en-US" smtClean="0"/>
           </a:p>
           <a:p>
             <a:pPr lvl="1"/>
@@ -4674,6 +4448,7 @@
               <a:rPr lang="zh-CN" altLang="en-US" smtClean="0"/>
               <a:t>第二级</a:t>
             </a:r>
+            <a:endParaRPr lang="zh-CN" altLang="en-US" smtClean="0"/>
           </a:p>
           <a:p>
             <a:pPr lvl="2"/>
@@ -4681,6 +4456,7 @@
               <a:rPr lang="zh-CN" altLang="en-US" smtClean="0"/>
               <a:t>第三级</a:t>
             </a:r>
+            <a:endParaRPr lang="zh-CN" altLang="en-US" smtClean="0"/>
           </a:p>
           <a:p>
             <a:pPr lvl="3"/>
@@ -4688,6 +4464,7 @@
               <a:rPr lang="zh-CN" altLang="en-US" smtClean="0"/>
               <a:t>第四级</a:t>
             </a:r>
+            <a:endParaRPr lang="zh-CN" altLang="en-US" smtClean="0"/>
           </a:p>
           <a:p>
             <a:pPr lvl="4"/>
@@ -4716,7 +4493,6 @@
           <a:p>
             <a:fld id="{530820CF-B880-4189-942D-D702A7CBA730}" type="datetimeFigureOut">
               <a:rPr lang="zh-CN" altLang="en-US" smtClean="0"/>
-              <a:t>2018/12/8</a:t>
             </a:fld>
             <a:endParaRPr lang="zh-CN" altLang="en-US"/>
           </a:p>
@@ -4758,7 +4534,6 @@
           <a:p>
             <a:fld id="{0C913308-F349-4B6D-A68A-DD1791B4A57B}" type="slidenum">
               <a:rPr lang="zh-CN" altLang="en-US" smtClean="0"/>
-              <a:t>‹#›</a:t>
             </a:fld>
             <a:endParaRPr lang="zh-CN" altLang="en-US"/>
           </a:p>
@@ -4769,11 +4544,11 @@
   <p:clrMapOvr>
     <a:masterClrMapping/>
   </p:clrMapOvr>
-  <mc:AlternateContent xmlns:mc="http://schemas.openxmlformats.org/markup-compatibility/2006" xmlns:p14="http://schemas.microsoft.com/office/powerpoint/2010/main">
-    <mc:Choice Requires="p14">
+  <mc:AlternateContent xmlns:mc="http://schemas.openxmlformats.org/markup-compatibility/2006">
+    <mc:Choice xmlns:p14="http://schemas.microsoft.com/office/powerpoint/2010/main" Requires="p14">
       <p:transition p14:dur="0" advTm="0"/>
     </mc:Choice>
-    <mc:Fallback xmlns="">
+    <mc:Fallback>
       <p:transition advTm="0"/>
     </mc:Fallback>
   </mc:AlternateContent>
@@ -4837,7 +4612,6 @@
           <a:p>
             <a:fld id="{530820CF-B880-4189-942D-D702A7CBA730}" type="datetimeFigureOut">
               <a:rPr lang="zh-CN" altLang="en-US" smtClean="0"/>
-              <a:t>2018/12/8</a:t>
             </a:fld>
             <a:endParaRPr lang="zh-CN" altLang="en-US"/>
           </a:p>
@@ -4879,7 +4653,6 @@
           <a:p>
             <a:fld id="{0C913308-F349-4B6D-A68A-DD1791B4A57B}" type="slidenum">
               <a:rPr lang="zh-CN" altLang="en-US" smtClean="0"/>
-              <a:t>‹#›</a:t>
             </a:fld>
             <a:endParaRPr lang="zh-CN" altLang="en-US"/>
           </a:p>
@@ -4890,11 +4663,11 @@
   <p:clrMapOvr>
     <a:masterClrMapping/>
   </p:clrMapOvr>
-  <mc:AlternateContent xmlns:mc="http://schemas.openxmlformats.org/markup-compatibility/2006" xmlns:p14="http://schemas.microsoft.com/office/powerpoint/2010/main">
-    <mc:Choice Requires="p14">
+  <mc:AlternateContent xmlns:mc="http://schemas.openxmlformats.org/markup-compatibility/2006">
+    <mc:Choice xmlns:p14="http://schemas.microsoft.com/office/powerpoint/2010/main" Requires="p14">
       <p:transition p14:dur="0" advTm="0"/>
     </mc:Choice>
-    <mc:Fallback xmlns="">
+    <mc:Fallback>
       <p:transition advTm="0"/>
     </mc:Fallback>
   </mc:AlternateContent>
@@ -4935,7 +4708,6 @@
           <a:p>
             <a:fld id="{530820CF-B880-4189-942D-D702A7CBA730}" type="datetimeFigureOut">
               <a:rPr lang="zh-CN" altLang="en-US" smtClean="0"/>
-              <a:t>2018/12/8</a:t>
             </a:fld>
             <a:endParaRPr lang="zh-CN" altLang="en-US"/>
           </a:p>
@@ -4977,7 +4749,6 @@
           <a:p>
             <a:fld id="{0C913308-F349-4B6D-A68A-DD1791B4A57B}" type="slidenum">
               <a:rPr lang="zh-CN" altLang="en-US" smtClean="0"/>
-              <a:t>‹#›</a:t>
             </a:fld>
             <a:endParaRPr lang="zh-CN" altLang="en-US"/>
           </a:p>
@@ -4988,11 +4759,11 @@
   <p:clrMapOvr>
     <a:masterClrMapping/>
   </p:clrMapOvr>
-  <mc:AlternateContent xmlns:mc="http://schemas.openxmlformats.org/markup-compatibility/2006" xmlns:p14="http://schemas.microsoft.com/office/powerpoint/2010/main">
-    <mc:Choice Requires="p14">
+  <mc:AlternateContent xmlns:mc="http://schemas.openxmlformats.org/markup-compatibility/2006">
+    <mc:Choice xmlns:p14="http://schemas.microsoft.com/office/powerpoint/2010/main" Requires="p14">
       <p:transition p14:dur="0" advTm="0"/>
     </mc:Choice>
-    <mc:Fallback xmlns="">
+    <mc:Fallback>
       <p:transition advTm="0"/>
     </mc:Fallback>
   </mc:AlternateContent>
@@ -5101,6 +4872,7 @@
               <a:rPr lang="zh-CN" altLang="en-US" smtClean="0"/>
               <a:t>单击此处编辑母版文本样式</a:t>
             </a:r>
+            <a:endParaRPr lang="zh-CN" altLang="en-US" smtClean="0"/>
           </a:p>
           <a:p>
             <a:pPr lvl="1"/>
@@ -5108,6 +4880,7 @@
               <a:rPr lang="zh-CN" altLang="en-US" smtClean="0"/>
               <a:t>第二级</a:t>
             </a:r>
+            <a:endParaRPr lang="zh-CN" altLang="en-US" smtClean="0"/>
           </a:p>
           <a:p>
             <a:pPr lvl="2"/>
@@ -5115,6 +4888,7 @@
               <a:rPr lang="zh-CN" altLang="en-US" smtClean="0"/>
               <a:t>第三级</a:t>
             </a:r>
+            <a:endParaRPr lang="zh-CN" altLang="en-US" smtClean="0"/>
           </a:p>
           <a:p>
             <a:pPr lvl="3"/>
@@ -5122,6 +4896,7 @@
               <a:rPr lang="zh-CN" altLang="en-US" smtClean="0"/>
               <a:t>第四级</a:t>
             </a:r>
+            <a:endParaRPr lang="zh-CN" altLang="en-US" smtClean="0"/>
           </a:p>
           <a:p>
             <a:pPr lvl="4"/>
@@ -5195,6 +4970,7 @@
               <a:rPr lang="zh-CN" altLang="en-US" smtClean="0"/>
               <a:t>单击此处编辑母版文本样式</a:t>
             </a:r>
+            <a:endParaRPr lang="zh-CN" altLang="en-US" smtClean="0"/>
           </a:p>
         </p:txBody>
       </p:sp>
@@ -5215,7 +4991,6 @@
           <a:p>
             <a:fld id="{530820CF-B880-4189-942D-D702A7CBA730}" type="datetimeFigureOut">
               <a:rPr lang="zh-CN" altLang="en-US" smtClean="0"/>
-              <a:t>2018/12/8</a:t>
             </a:fld>
             <a:endParaRPr lang="zh-CN" altLang="en-US"/>
           </a:p>
@@ -5257,7 +5032,6 @@
           <a:p>
             <a:fld id="{0C913308-F349-4B6D-A68A-DD1791B4A57B}" type="slidenum">
               <a:rPr lang="zh-CN" altLang="en-US" smtClean="0"/>
-              <a:t>‹#›</a:t>
             </a:fld>
             <a:endParaRPr lang="zh-CN" altLang="en-US"/>
           </a:p>
@@ -5268,11 +5042,11 @@
   <p:clrMapOvr>
     <a:masterClrMapping/>
   </p:clrMapOvr>
-  <mc:AlternateContent xmlns:mc="http://schemas.openxmlformats.org/markup-compatibility/2006" xmlns:p14="http://schemas.microsoft.com/office/powerpoint/2010/main">
-    <mc:Choice Requires="p14">
+  <mc:AlternateContent xmlns:mc="http://schemas.openxmlformats.org/markup-compatibility/2006">
+    <mc:Choice xmlns:p14="http://schemas.microsoft.com/office/powerpoint/2010/main" Requires="p14">
       <p:transition p14:dur="0" advTm="0"/>
     </mc:Choice>
-    <mc:Fallback xmlns="">
+    <mc:Fallback>
       <p:transition advTm="0"/>
     </mc:Fallback>
   </mc:AlternateContent>
@@ -5364,6 +5138,7 @@
               <a:rPr lang="zh-CN" altLang="en-US" smtClean="0"/>
               <a:t>单击此处编辑母版文本样式</a:t>
             </a:r>
+            <a:endParaRPr lang="zh-CN" altLang="en-US" smtClean="0"/>
           </a:p>
           <a:p>
             <a:pPr lvl="1"/>
@@ -5371,6 +5146,7 @@
               <a:rPr lang="zh-CN" altLang="en-US" smtClean="0"/>
               <a:t>第二级</a:t>
             </a:r>
+            <a:endParaRPr lang="zh-CN" altLang="en-US" smtClean="0"/>
           </a:p>
           <a:p>
             <a:pPr lvl="2"/>
@@ -5378,6 +5154,7 @@
               <a:rPr lang="zh-CN" altLang="en-US" smtClean="0"/>
               <a:t>第三级</a:t>
             </a:r>
+            <a:endParaRPr lang="zh-CN" altLang="en-US" smtClean="0"/>
           </a:p>
           <a:p>
             <a:pPr lvl="3"/>
@@ -5385,6 +5162,7 @@
               <a:rPr lang="zh-CN" altLang="en-US" smtClean="0"/>
               <a:t>第四级</a:t>
             </a:r>
+            <a:endParaRPr lang="zh-CN" altLang="en-US" smtClean="0"/>
           </a:p>
           <a:p>
             <a:pPr lvl="4"/>
@@ -5431,7 +5209,6 @@
           <a:p>
             <a:fld id="{530820CF-B880-4189-942D-D702A7CBA730}" type="datetimeFigureOut">
               <a:rPr lang="zh-CN" altLang="en-US" smtClean="0"/>
-              <a:t>2018/12/8</a:t>
             </a:fld>
             <a:endParaRPr lang="zh-CN" altLang="en-US"/>
           </a:p>
@@ -5509,7 +5286,6 @@
           <a:p>
             <a:fld id="{0C913308-F349-4B6D-A68A-DD1791B4A57B}" type="slidenum">
               <a:rPr lang="zh-CN" altLang="en-US" smtClean="0"/>
-              <a:t>‹#›</a:t>
             </a:fld>
             <a:endParaRPr lang="zh-CN" altLang="en-US"/>
           </a:p>
@@ -5521,22 +5297,22 @@
   <p:sldLayoutIdLst>
     <p:sldLayoutId id="2147483649" r:id="rId1"/>
     <p:sldLayoutId id="2147483650" r:id="rId2"/>
-    <p:sldLayoutId id="2147483660" r:id="rId3"/>
-    <p:sldLayoutId id="2147483651" r:id="rId4"/>
-    <p:sldLayoutId id="2147483652" r:id="rId5"/>
-    <p:sldLayoutId id="2147483653" r:id="rId6"/>
-    <p:sldLayoutId id="2147483654" r:id="rId7"/>
-    <p:sldLayoutId id="2147483655" r:id="rId8"/>
-    <p:sldLayoutId id="2147483656" r:id="rId9"/>
-    <p:sldLayoutId id="2147483657" r:id="rId10"/>
-    <p:sldLayoutId id="2147483658" r:id="rId11"/>
-    <p:sldLayoutId id="2147483659" r:id="rId12"/>
+    <p:sldLayoutId id="2147483651" r:id="rId3"/>
+    <p:sldLayoutId id="2147483652" r:id="rId4"/>
+    <p:sldLayoutId id="2147483653" r:id="rId5"/>
+    <p:sldLayoutId id="2147483654" r:id="rId6"/>
+    <p:sldLayoutId id="2147483655" r:id="rId7"/>
+    <p:sldLayoutId id="2147483656" r:id="rId8"/>
+    <p:sldLayoutId id="2147483657" r:id="rId9"/>
+    <p:sldLayoutId id="2147483658" r:id="rId10"/>
+    <p:sldLayoutId id="2147483659" r:id="rId11"/>
+    <p:sldLayoutId id="2147483660" r:id="rId12"/>
   </p:sldLayoutIdLst>
-  <mc:AlternateContent xmlns:mc="http://schemas.openxmlformats.org/markup-compatibility/2006" xmlns:p14="http://schemas.microsoft.com/office/powerpoint/2010/main">
-    <mc:Choice Requires="p14">
+  <mc:AlternateContent xmlns:mc="http://schemas.openxmlformats.org/markup-compatibility/2006">
+    <mc:Choice xmlns:p14="http://schemas.microsoft.com/office/powerpoint/2010/main" Requires="p14">
       <p:transition p14:dur="0" advTm="0"/>
     </mc:Choice>
-    <mc:Fallback xmlns="">
+    <mc:Fallback>
       <p:transition advTm="0"/>
     </mc:Fallback>
   </mc:AlternateContent>
@@ -5569,7 +5345,7 @@
         <a:spcBef>
           <a:spcPct val="20000"/>
         </a:spcBef>
-        <a:buFont typeface="Arial" pitchFamily="34" charset="0"/>
+        <a:buFont typeface="Arial" panose="02080604020202020204" pitchFamily="34" charset="0"/>
         <a:buChar char="•"/>
         <a:defRPr sz="3200" kern="1200">
           <a:solidFill>
@@ -5584,7 +5360,7 @@
         <a:spcBef>
           <a:spcPct val="20000"/>
         </a:spcBef>
-        <a:buFont typeface="Arial" pitchFamily="34" charset="0"/>
+        <a:buFont typeface="Arial" panose="02080604020202020204" pitchFamily="34" charset="0"/>
         <a:buChar char="–"/>
         <a:defRPr sz="2800" kern="1200">
           <a:solidFill>
@@ -5599,7 +5375,7 @@
         <a:spcBef>
           <a:spcPct val="20000"/>
         </a:spcBef>
-        <a:buFont typeface="Arial" pitchFamily="34" charset="0"/>
+        <a:buFont typeface="Arial" panose="02080604020202020204" pitchFamily="34" charset="0"/>
         <a:buChar char="•"/>
         <a:defRPr sz="2400" kern="1200">
           <a:solidFill>
@@ -5614,7 +5390,7 @@
         <a:spcBef>
           <a:spcPct val="20000"/>
         </a:spcBef>
-        <a:buFont typeface="Arial" pitchFamily="34" charset="0"/>
+        <a:buFont typeface="Arial" panose="02080604020202020204" pitchFamily="34" charset="0"/>
         <a:buChar char="–"/>
         <a:defRPr sz="2000" kern="1200">
           <a:solidFill>
@@ -5629,7 +5405,7 @@
         <a:spcBef>
           <a:spcPct val="20000"/>
         </a:spcBef>
-        <a:buFont typeface="Arial" pitchFamily="34" charset="0"/>
+        <a:buFont typeface="Arial" panose="02080604020202020204" pitchFamily="34" charset="0"/>
         <a:buChar char="»"/>
         <a:defRPr sz="2000" kern="1200">
           <a:solidFill>
@@ -5644,7 +5420,7 @@
         <a:spcBef>
           <a:spcPct val="20000"/>
         </a:spcBef>
-        <a:buFont typeface="Arial" pitchFamily="34" charset="0"/>
+        <a:buFont typeface="Arial" panose="02080604020202020204" pitchFamily="34" charset="0"/>
         <a:buChar char="•"/>
         <a:defRPr sz="2000" kern="1200">
           <a:solidFill>
@@ -5659,7 +5435,7 @@
         <a:spcBef>
           <a:spcPct val="20000"/>
         </a:spcBef>
-        <a:buFont typeface="Arial" pitchFamily="34" charset="0"/>
+        <a:buFont typeface="Arial" panose="02080604020202020204" pitchFamily="34" charset="0"/>
         <a:buChar char="•"/>
         <a:defRPr sz="2000" kern="1200">
           <a:solidFill>
@@ -5674,7 +5450,7 @@
         <a:spcBef>
           <a:spcPct val="20000"/>
         </a:spcBef>
-        <a:buFont typeface="Arial" pitchFamily="34" charset="0"/>
+        <a:buFont typeface="Arial" panose="02080604020202020204" pitchFamily="34" charset="0"/>
         <a:buChar char="•"/>
         <a:defRPr sz="2000" kern="1200">
           <a:solidFill>
@@ -5689,7 +5465,7 @@
         <a:spcBef>
           <a:spcPct val="20000"/>
         </a:spcBef>
-        <a:buFont typeface="Arial" pitchFamily="34" charset="0"/>
+        <a:buFont typeface="Arial" panose="02080604020202020204" pitchFamily="34" charset="0"/>
         <a:buChar char="•"/>
         <a:defRPr sz="2000" kern="1200">
           <a:solidFill>
@@ -5820,9 +5596,7 @@
       <p:sp>
         <p:nvSpPr>
           <p:cNvPr id="29" name="Text Placeholder 12"/>
-          <p:cNvSpPr txBox="1">
-            <a:spLocks/>
-          </p:cNvSpPr>
+          <p:cNvSpPr txBox="1"/>
           <p:nvPr/>
         </p:nvSpPr>
         <p:spPr>
@@ -6048,28 +5822,28 @@
               <a:gd name="connsiteY3" fmla="*/ 2158466 h 2158466"/>
               <a:gd name="connsiteX4" fmla="*/ 0 w 2393156"/>
               <a:gd name="connsiteY4" fmla="*/ 0 h 2158466"/>
-              <a:gd name="connsiteX0" fmla="*/ 0 w 2393156"/>
-              <a:gd name="connsiteY0" fmla="*/ 0 h 2158466"/>
-              <a:gd name="connsiteX1" fmla="*/ 2393156 w 2393156"/>
-              <a:gd name="connsiteY1" fmla="*/ 0 h 2158466"/>
-              <a:gd name="connsiteX2" fmla="*/ 0 w 2393156"/>
-              <a:gd name="connsiteY2" fmla="*/ 2158466 h 2158466"/>
-              <a:gd name="connsiteX3" fmla="*/ 0 w 2393156"/>
-              <a:gd name="connsiteY3" fmla="*/ 0 h 2158466"/>
+              <a:gd name="connsiteX0-1" fmla="*/ 0 w 2393156"/>
+              <a:gd name="connsiteY0-2" fmla="*/ 0 h 2158466"/>
+              <a:gd name="connsiteX1-3" fmla="*/ 2393156 w 2393156"/>
+              <a:gd name="connsiteY1-4" fmla="*/ 0 h 2158466"/>
+              <a:gd name="connsiteX2-5" fmla="*/ 0 w 2393156"/>
+              <a:gd name="connsiteY2-6" fmla="*/ 2158466 h 2158466"/>
+              <a:gd name="connsiteX3-7" fmla="*/ 0 w 2393156"/>
+              <a:gd name="connsiteY3-8" fmla="*/ 0 h 2158466"/>
             </a:gdLst>
             <a:ahLst/>
             <a:cxnLst>
               <a:cxn ang="0">
-                <a:pos x="connsiteX0" y="connsiteY0"/>
+                <a:pos x="connsiteX0-1" y="connsiteY0-2"/>
               </a:cxn>
               <a:cxn ang="0">
-                <a:pos x="connsiteX1" y="connsiteY1"/>
+                <a:pos x="connsiteX1-3" y="connsiteY1-4"/>
               </a:cxn>
               <a:cxn ang="0">
-                <a:pos x="connsiteX2" y="connsiteY2"/>
+                <a:pos x="connsiteX2-5" y="connsiteY2-6"/>
               </a:cxn>
               <a:cxn ang="0">
-                <a:pos x="connsiteX3" y="connsiteY3"/>
+                <a:pos x="connsiteX3-7" y="connsiteY3-8"/>
               </a:cxn>
             </a:cxnLst>
             <a:rect l="l" t="t" r="r" b="b"/>
@@ -6175,7 +5949,7 @@
           <p:nvPr/>
         </p:nvPicPr>
         <p:blipFill>
-          <a:blip r:embed="rId3" cstate="print">
+          <a:blip r:embed="rId1" cstate="print">
             <a:extLst>
               <a:ext uri="{28A0092B-C50C-407E-A947-70E740481C1C}">
                 <a14:useLocalDpi xmlns:a14="http://schemas.microsoft.com/office/drawing/2010/main" val="0"/>
@@ -6374,20 +6148,15 @@
         </p:txBody>
       </p:sp>
     </p:spTree>
-    <p:extLst>
-      <p:ext uri="{BB962C8B-B14F-4D97-AF65-F5344CB8AC3E}">
-        <p14:creationId xmlns:p14="http://schemas.microsoft.com/office/powerpoint/2010/main" val="1870577901"/>
-      </p:ext>
-    </p:extLst>
   </p:cSld>
   <p:clrMapOvr>
     <a:masterClrMapping/>
   </p:clrMapOvr>
-  <mc:AlternateContent xmlns:mc="http://schemas.openxmlformats.org/markup-compatibility/2006" xmlns:p14="http://schemas.microsoft.com/office/powerpoint/2010/main">
-    <mc:Choice Requires="p14">
+  <mc:AlternateContent xmlns:mc="http://schemas.openxmlformats.org/markup-compatibility/2006">
+    <mc:Choice xmlns:p14="http://schemas.microsoft.com/office/powerpoint/2010/main" Requires="p14">
       <p:transition p14:dur="0" advTm="0"/>
     </mc:Choice>
-    <mc:Fallback xmlns="">
+    <mc:Fallback>
       <p:transition advTm="0"/>
     </mc:Fallback>
   </mc:AlternateContent>
@@ -6421,9 +6190,7 @@
       <p:sp>
         <p:nvSpPr>
           <p:cNvPr id="2" name="Title 1"/>
-          <p:cNvSpPr txBox="1">
-            <a:spLocks/>
-          </p:cNvSpPr>
+          <p:cNvSpPr txBox="1"/>
           <p:nvPr/>
         </p:nvSpPr>
         <p:spPr>
@@ -6470,7 +6237,6 @@
               <a:buSzTx/>
               <a:buFontTx/>
               <a:buNone/>
-              <a:tabLst/>
               <a:defRPr/>
             </a:pPr>
             <a:r>
@@ -6672,20 +6438,7 @@
                 <a:latin typeface="微软雅黑" panose="020B0503020204020204" pitchFamily="34" charset="-122"/>
                 <a:ea typeface="微软雅黑" panose="020B0503020204020204" pitchFamily="34" charset="-122"/>
               </a:rPr>
-              <a:t>人工智能重大专项中海量数据库的作为人工智能的基础资源，其建立对人工智能的应用具有深远影响，</a:t>
-            </a:r>
-            <a:r>
-              <a:rPr lang="zh-CN" altLang="en-US" sz="1400" b="1" smtClean="0">
-                <a:solidFill>
-                  <a:schemeClr val="tx1">
-                    <a:lumMod val="75000"/>
-                    <a:lumOff val="25000"/>
-                  </a:schemeClr>
-                </a:solidFill>
-                <a:latin typeface="微软雅黑" panose="020B0503020204020204" pitchFamily="34" charset="-122"/>
-                <a:ea typeface="微软雅黑" panose="020B0503020204020204" pitchFamily="34" charset="-122"/>
-              </a:rPr>
-              <a:t>其建立首先要明确产业重点，其次海量数据库的建立不仅涉及技术因素，往往还受非技术因素的制约，</a:t>
+              <a:t>人工智能重大专项中海量数据库的作为人工智能的基础资源，其建立对人工智能的应用具有深远影响，其建立首先要明确产业重点，其次海量数据库的建立不仅涉及技术因素，往往还受非技术因素的制约，</a:t>
             </a:r>
             <a:r>
               <a:rPr lang="zh-CN" altLang="en-US" sz="1400" b="1">
@@ -6727,20 +6480,15 @@
         </p:txBody>
       </p:sp>
     </p:spTree>
-    <p:extLst>
-      <p:ext uri="{BB962C8B-B14F-4D97-AF65-F5344CB8AC3E}">
-        <p14:creationId xmlns:p14="http://schemas.microsoft.com/office/powerpoint/2010/main" val="3423115584"/>
-      </p:ext>
-    </p:extLst>
   </p:cSld>
   <p:clrMapOvr>
     <a:masterClrMapping/>
   </p:clrMapOvr>
-  <mc:AlternateContent xmlns:mc="http://schemas.openxmlformats.org/markup-compatibility/2006" xmlns:p14="http://schemas.microsoft.com/office/powerpoint/2010/main">
-    <mc:Choice Requires="p14">
+  <mc:AlternateContent xmlns:mc="http://schemas.openxmlformats.org/markup-compatibility/2006">
+    <mc:Choice xmlns:p14="http://schemas.microsoft.com/office/powerpoint/2010/main" Requires="p14">
       <p:transition p14:dur="0" advTm="0"/>
     </mc:Choice>
-    <mc:Fallback xmlns="">
+    <mc:Fallback>
       <p:transition advTm="0"/>
     </mc:Fallback>
   </mc:AlternateContent>
@@ -6799,7 +6547,6 @@
               <a:buSzTx/>
               <a:buFontTx/>
               <a:buNone/>
-              <a:tabLst/>
               <a:defRPr/>
             </a:pPr>
             <a:r>
@@ -6900,6 +6647,17 @@
               </a:rPr>
               <a:t>www.1ppt.com/hangye/ </a:t>
             </a:r>
+            <a:endParaRPr kumimoji="0" lang="en-US" altLang="zh-CN" sz="100" b="0" i="0" u="none" strike="noStrike" kern="0" cap="none" spc="0" normalizeH="0" baseline="0" noProof="0" dirty="0">
+              <a:ln>
+                <a:noFill/>
+              </a:ln>
+              <a:solidFill>
+                <a:sysClr val="window" lastClr="FFFFFF"/>
+              </a:solidFill>
+              <a:effectLst/>
+              <a:uLnTx/>
+              <a:uFillTx/>
+            </a:endParaRPr>
           </a:p>
           <a:p>
             <a:pPr marL="0" marR="0" lvl="0" indent="0" defTabSz="914400" eaLnBrk="1" fontAlgn="auto" latinLnBrk="0" hangingPunct="1">
@@ -6916,7 +6674,6 @@
               <a:buSzTx/>
               <a:buFontTx/>
               <a:buNone/>
-              <a:tabLst/>
               <a:defRPr/>
             </a:pPr>
             <a:r>
@@ -7003,6 +6760,17 @@
               </a:rPr>
               <a:t>www.1ppt.com/sucai/</a:t>
             </a:r>
+            <a:endParaRPr kumimoji="0" lang="en-US" altLang="zh-CN" sz="100" b="0" i="0" u="none" strike="noStrike" kern="0" cap="none" spc="0" normalizeH="0" baseline="0" noProof="0" dirty="0">
+              <a:ln>
+                <a:noFill/>
+              </a:ln>
+              <a:solidFill>
+                <a:sysClr val="window" lastClr="FFFFFF"/>
+              </a:solidFill>
+              <a:effectLst/>
+              <a:uLnTx/>
+              <a:uFillTx/>
+            </a:endParaRPr>
           </a:p>
           <a:p>
             <a:pPr marL="0" marR="0" lvl="0" indent="0" defTabSz="914400" eaLnBrk="1" fontAlgn="auto" latinLnBrk="0" hangingPunct="1">
@@ -7019,7 +6787,6 @@
               <a:buSzTx/>
               <a:buFontTx/>
               <a:buNone/>
-              <a:tabLst/>
               <a:defRPr/>
             </a:pPr>
             <a:r>
@@ -7092,6 +6859,17 @@
               </a:rPr>
               <a:t>www.1ppt.com/tubiao/      </a:t>
             </a:r>
+            <a:endParaRPr kumimoji="0" lang="en-US" altLang="zh-CN" sz="100" b="0" i="0" u="none" strike="noStrike" kern="0" cap="none" spc="0" normalizeH="0" baseline="0" noProof="0" dirty="0">
+              <a:ln>
+                <a:noFill/>
+              </a:ln>
+              <a:solidFill>
+                <a:sysClr val="window" lastClr="FFFFFF"/>
+              </a:solidFill>
+              <a:effectLst/>
+              <a:uLnTx/>
+              <a:uFillTx/>
+            </a:endParaRPr>
           </a:p>
           <a:p>
             <a:pPr marL="0" marR="0" lvl="0" indent="0" defTabSz="914400" eaLnBrk="1" fontAlgn="auto" latinLnBrk="0" hangingPunct="1">
@@ -7108,7 +6886,6 @@
               <a:buSzTx/>
               <a:buFontTx/>
               <a:buNone/>
-              <a:tabLst/>
               <a:defRPr/>
             </a:pPr>
             <a:r>
@@ -7195,6 +6972,17 @@
               </a:rPr>
               <a:t>www.1ppt.com/powerpoint/      </a:t>
             </a:r>
+            <a:endParaRPr kumimoji="0" lang="en-US" altLang="zh-CN" sz="100" b="0" i="0" u="none" strike="noStrike" kern="0" cap="none" spc="0" normalizeH="0" baseline="0" noProof="0" dirty="0">
+              <a:ln>
+                <a:noFill/>
+              </a:ln>
+              <a:solidFill>
+                <a:sysClr val="window" lastClr="FFFFFF"/>
+              </a:solidFill>
+              <a:effectLst/>
+              <a:uLnTx/>
+              <a:uFillTx/>
+            </a:endParaRPr>
           </a:p>
           <a:p>
             <a:pPr marL="0" marR="0" lvl="0" indent="0" defTabSz="914400" eaLnBrk="1" fontAlgn="auto" latinLnBrk="0" hangingPunct="1">
@@ -7211,7 +6999,6 @@
               <a:buSzTx/>
               <a:buFontTx/>
               <a:buNone/>
-              <a:tabLst/>
               <a:defRPr/>
             </a:pPr>
             <a:r>
@@ -7284,6 +7071,17 @@
               </a:rPr>
               <a:t>www.1ppt.com/excel/  </a:t>
             </a:r>
+            <a:endParaRPr kumimoji="0" lang="en-US" altLang="zh-CN" sz="100" b="0" i="0" u="none" strike="noStrike" kern="0" cap="none" spc="0" normalizeH="0" baseline="0" noProof="0" dirty="0">
+              <a:ln>
+                <a:noFill/>
+              </a:ln>
+              <a:solidFill>
+                <a:sysClr val="window" lastClr="FFFFFF"/>
+              </a:solidFill>
+              <a:effectLst/>
+              <a:uLnTx/>
+              <a:uFillTx/>
+            </a:endParaRPr>
           </a:p>
           <a:p>
             <a:pPr marL="0" marR="0" lvl="0" indent="0" defTabSz="914400" eaLnBrk="1" fontAlgn="auto" latinLnBrk="0" hangingPunct="1">
@@ -7300,7 +7098,6 @@
               <a:buSzTx/>
               <a:buFontTx/>
               <a:buNone/>
-              <a:tabLst/>
               <a:defRPr/>
             </a:pPr>
             <a:r>
@@ -7359,6 +7156,17 @@
               </a:rPr>
               <a:t>www.1ppt.com/kejian/ </a:t>
             </a:r>
+            <a:endParaRPr kumimoji="0" lang="en-US" altLang="zh-CN" sz="100" b="0" i="0" u="none" strike="noStrike" kern="0" cap="none" spc="0" normalizeH="0" baseline="0" noProof="0" dirty="0">
+              <a:ln>
+                <a:noFill/>
+              </a:ln>
+              <a:solidFill>
+                <a:sysClr val="window" lastClr="FFFFFF"/>
+              </a:solidFill>
+              <a:effectLst/>
+              <a:uLnTx/>
+              <a:uFillTx/>
+            </a:endParaRPr>
           </a:p>
           <a:p>
             <a:pPr marL="0" marR="0" lvl="0" indent="0" defTabSz="914400" eaLnBrk="1" fontAlgn="auto" latinLnBrk="0" hangingPunct="1">
@@ -7375,7 +7183,6 @@
               <a:buSzTx/>
               <a:buFontTx/>
               <a:buNone/>
-              <a:tabLst/>
               <a:defRPr/>
             </a:pPr>
             <a:r>
@@ -7434,6 +7241,17 @@
               </a:rPr>
               <a:t>www.1ppt.com/shiti/  </a:t>
             </a:r>
+            <a:endParaRPr kumimoji="0" lang="en-US" altLang="zh-CN" sz="100" b="0" i="0" u="none" strike="noStrike" kern="0" cap="none" spc="0" normalizeH="0" baseline="0" noProof="0" dirty="0">
+              <a:ln>
+                <a:noFill/>
+              </a:ln>
+              <a:solidFill>
+                <a:sysClr val="window" lastClr="FFFFFF"/>
+              </a:solidFill>
+              <a:effectLst/>
+              <a:uLnTx/>
+              <a:uFillTx/>
+            </a:endParaRPr>
           </a:p>
           <a:p>
             <a:pPr marL="0" marR="0" lvl="0" indent="0" defTabSz="914400" eaLnBrk="1" fontAlgn="auto" latinLnBrk="0" hangingPunct="1">
@@ -7450,7 +7268,6 @@
               <a:buSzTx/>
               <a:buFontTx/>
               <a:buNone/>
-              <a:tabLst/>
               <a:defRPr/>
             </a:pPr>
             <a:r>
@@ -7550,7 +7367,6 @@
               <a:buSzTx/>
               <a:buFontTx/>
               <a:buNone/>
-              <a:tabLst/>
               <a:defRPr/>
             </a:pPr>
             <a:r>
@@ -7605,28 +7421,28 @@
               <a:gd name="connsiteY3" fmla="*/ 2158466 h 2158466"/>
               <a:gd name="connsiteX4" fmla="*/ 0 w 2393156"/>
               <a:gd name="connsiteY4" fmla="*/ 0 h 2158466"/>
-              <a:gd name="connsiteX0" fmla="*/ 0 w 2393156"/>
-              <a:gd name="connsiteY0" fmla="*/ 0 h 2158466"/>
-              <a:gd name="connsiteX1" fmla="*/ 2393156 w 2393156"/>
-              <a:gd name="connsiteY1" fmla="*/ 0 h 2158466"/>
-              <a:gd name="connsiteX2" fmla="*/ 0 w 2393156"/>
-              <a:gd name="connsiteY2" fmla="*/ 2158466 h 2158466"/>
-              <a:gd name="connsiteX3" fmla="*/ 0 w 2393156"/>
-              <a:gd name="connsiteY3" fmla="*/ 0 h 2158466"/>
+              <a:gd name="connsiteX0-1" fmla="*/ 0 w 2393156"/>
+              <a:gd name="connsiteY0-2" fmla="*/ 0 h 2158466"/>
+              <a:gd name="connsiteX1-3" fmla="*/ 2393156 w 2393156"/>
+              <a:gd name="connsiteY1-4" fmla="*/ 0 h 2158466"/>
+              <a:gd name="connsiteX2-5" fmla="*/ 0 w 2393156"/>
+              <a:gd name="connsiteY2-6" fmla="*/ 2158466 h 2158466"/>
+              <a:gd name="connsiteX3-7" fmla="*/ 0 w 2393156"/>
+              <a:gd name="connsiteY3-8" fmla="*/ 0 h 2158466"/>
             </a:gdLst>
             <a:ahLst/>
             <a:cxnLst>
               <a:cxn ang="0">
-                <a:pos x="connsiteX0" y="connsiteY0"/>
+                <a:pos x="connsiteX0-1" y="connsiteY0-2"/>
               </a:cxn>
               <a:cxn ang="0">
-                <a:pos x="connsiteX1" y="connsiteY1"/>
+                <a:pos x="connsiteX1-3" y="connsiteY1-4"/>
               </a:cxn>
               <a:cxn ang="0">
-                <a:pos x="connsiteX2" y="connsiteY2"/>
+                <a:pos x="connsiteX2-5" y="connsiteY2-6"/>
               </a:cxn>
               <a:cxn ang="0">
-                <a:pos x="connsiteX3" y="connsiteY3"/>
+                <a:pos x="connsiteX3-7" y="connsiteY3-8"/>
               </a:cxn>
             </a:cxnLst>
             <a:rect l="l" t="t" r="r" b="b"/>
@@ -7756,7 +7572,7 @@
           <p:nvPr/>
         </p:nvPicPr>
         <p:blipFill>
-          <a:blip r:embed="rId3">
+          <a:blip r:embed="rId1">
             <a:extLst>
               <a:ext uri="{28A0092B-C50C-407E-A947-70E740481C1C}">
                 <a14:useLocalDpi xmlns:a14="http://schemas.microsoft.com/office/drawing/2010/main" val="0"/>
@@ -7802,20 +7618,15 @@
         </p:spPr>
       </p:pic>
     </p:spTree>
-    <p:extLst>
-      <p:ext uri="{BB962C8B-B14F-4D97-AF65-F5344CB8AC3E}">
-        <p14:creationId xmlns:p14="http://schemas.microsoft.com/office/powerpoint/2010/main" val="1068391887"/>
-      </p:ext>
-    </p:extLst>
   </p:cSld>
   <p:clrMapOvr>
     <a:masterClrMapping/>
   </p:clrMapOvr>
-  <mc:AlternateContent xmlns:mc="http://schemas.openxmlformats.org/markup-compatibility/2006" xmlns:p14="http://schemas.microsoft.com/office/powerpoint/2010/main">
-    <mc:Choice Requires="p14">
+  <mc:AlternateContent xmlns:mc="http://schemas.openxmlformats.org/markup-compatibility/2006">
+    <mc:Choice xmlns:p14="http://schemas.microsoft.com/office/powerpoint/2010/main" Requires="p14">
       <p:transition p14:dur="0" advTm="0"/>
     </mc:Choice>
-    <mc:Fallback xmlns="">
+    <mc:Fallback>
       <p:transition advTm="0"/>
     </mc:Fallback>
   </mc:AlternateContent>
@@ -7849,9 +7660,7 @@
       <p:sp>
         <p:nvSpPr>
           <p:cNvPr id="15" name="Text Placeholder 4"/>
-          <p:cNvSpPr txBox="1">
-            <a:spLocks/>
-          </p:cNvSpPr>
+          <p:cNvSpPr txBox="1"/>
           <p:nvPr/>
         </p:nvSpPr>
         <p:spPr>
@@ -7872,7 +7681,7 @@
               <a:spcBef>
                 <a:spcPct val="20000"/>
               </a:spcBef>
-              <a:buFont typeface="Arial" pitchFamily="34" charset="0"/>
+              <a:buFont typeface="Arial" panose="02080604020202020204" pitchFamily="34" charset="0"/>
               <a:buChar char="•"/>
               <a:defRPr sz="3200" kern="1200">
                 <a:solidFill>
@@ -7887,7 +7696,7 @@
               <a:spcBef>
                 <a:spcPct val="20000"/>
               </a:spcBef>
-              <a:buFont typeface="Arial" pitchFamily="34" charset="0"/>
+              <a:buFont typeface="Arial" panose="02080604020202020204" pitchFamily="34" charset="0"/>
               <a:buChar char="–"/>
               <a:defRPr sz="2800" kern="1200">
                 <a:solidFill>
@@ -7902,7 +7711,7 @@
               <a:spcBef>
                 <a:spcPct val="20000"/>
               </a:spcBef>
-              <a:buFont typeface="Arial" pitchFamily="34" charset="0"/>
+              <a:buFont typeface="Arial" panose="02080604020202020204" pitchFamily="34" charset="0"/>
               <a:buChar char="•"/>
               <a:defRPr sz="2400" kern="1200">
                 <a:solidFill>
@@ -7917,7 +7726,7 @@
               <a:spcBef>
                 <a:spcPct val="20000"/>
               </a:spcBef>
-              <a:buFont typeface="Arial" pitchFamily="34" charset="0"/>
+              <a:buFont typeface="Arial" panose="02080604020202020204" pitchFamily="34" charset="0"/>
               <a:buChar char="–"/>
               <a:defRPr sz="2000" kern="1200">
                 <a:solidFill>
@@ -7932,7 +7741,7 @@
               <a:spcBef>
                 <a:spcPct val="20000"/>
               </a:spcBef>
-              <a:buFont typeface="Arial" pitchFamily="34" charset="0"/>
+              <a:buFont typeface="Arial" panose="02080604020202020204" pitchFamily="34" charset="0"/>
               <a:buChar char="»"/>
               <a:defRPr sz="2000" kern="1200">
                 <a:solidFill>
@@ -7947,7 +7756,7 @@
               <a:spcBef>
                 <a:spcPct val="20000"/>
               </a:spcBef>
-              <a:buFont typeface="Arial" pitchFamily="34" charset="0"/>
+              <a:buFont typeface="Arial" panose="02080604020202020204" pitchFamily="34" charset="0"/>
               <a:buChar char="•"/>
               <a:defRPr sz="2000" kern="1200">
                 <a:solidFill>
@@ -7962,7 +7771,7 @@
               <a:spcBef>
                 <a:spcPct val="20000"/>
               </a:spcBef>
-              <a:buFont typeface="Arial" pitchFamily="34" charset="0"/>
+              <a:buFont typeface="Arial" panose="02080604020202020204" pitchFamily="34" charset="0"/>
               <a:buChar char="•"/>
               <a:defRPr sz="2000" kern="1200">
                 <a:solidFill>
@@ -7977,7 +7786,7 @@
               <a:spcBef>
                 <a:spcPct val="20000"/>
               </a:spcBef>
-              <a:buFont typeface="Arial" pitchFamily="34" charset="0"/>
+              <a:buFont typeface="Arial" panose="02080604020202020204" pitchFamily="34" charset="0"/>
               <a:buChar char="•"/>
               <a:defRPr sz="2000" kern="1200">
                 <a:solidFill>
@@ -7992,7 +7801,7 @@
               <a:spcBef>
                 <a:spcPct val="20000"/>
               </a:spcBef>
-              <a:buFont typeface="Arial" pitchFamily="34" charset="0"/>
+              <a:buFont typeface="Arial" panose="02080604020202020204" pitchFamily="34" charset="0"/>
               <a:buChar char="•"/>
               <a:defRPr sz="2000" kern="1200">
                 <a:solidFill>
@@ -8017,9 +7826,8 @@
               </a:spcAft>
               <a:buClrTx/>
               <a:buSzTx/>
-              <a:buFont typeface="Arial" pitchFamily="34" charset="0"/>
+              <a:buFont typeface="Arial" panose="02080604020202020204" pitchFamily="34" charset="0"/>
               <a:buNone/>
-              <a:tabLst/>
               <a:defRPr/>
             </a:pPr>
             <a:r>
@@ -8157,7 +7965,6 @@
                 <a:buSzTx/>
                 <a:buFontTx/>
                 <a:buNone/>
-                <a:tabLst/>
                 <a:defRPr/>
               </a:pPr>
               <a:endParaRPr kumimoji="0" lang="zh-CN" altLang="en-US" sz="1400" b="0" i="0" u="none" strike="noStrike" kern="1200" cap="none" spc="0" normalizeH="0" baseline="0" noProof="0">
@@ -8171,7 +7978,7 @@
                 <a:uLnTx/>
                 <a:uFillTx/>
                 <a:latin typeface="Impact" panose="020B0806030902050204" pitchFamily="34" charset="0"/>
-                <a:ea typeface="宋体" panose="02010600030101010101" pitchFamily="2" charset="-122"/>
+                <a:ea typeface="宋体" pitchFamily="2" charset="-122"/>
                 <a:cs typeface="+mn-cs"/>
               </a:endParaRPr>
             </a:p>
@@ -8213,7 +8020,6 @@
                 <a:buSzTx/>
                 <a:buFontTx/>
                 <a:buNone/>
-                <a:tabLst/>
                 <a:defRPr/>
               </a:pPr>
               <a:r>
@@ -8228,7 +8034,7 @@
                   <a:uLnTx/>
                   <a:uFillTx/>
                   <a:latin typeface="Impact" panose="020B0806030902050204" pitchFamily="34" charset="0"/>
-                  <a:ea typeface="宋体" panose="02010600030101010101" pitchFamily="2" charset="-122"/>
+                  <a:ea typeface="宋体" pitchFamily="2" charset="-122"/>
                   <a:cs typeface="+mn-cs"/>
                 </a:rPr>
                 <a:t>03</a:t>
@@ -8244,7 +8050,7 @@
                 <a:uLnTx/>
                 <a:uFillTx/>
                 <a:latin typeface="Impact" panose="020B0806030902050204" pitchFamily="34" charset="0"/>
-                <a:ea typeface="宋体" panose="02010600030101010101" pitchFamily="2" charset="-122"/>
+                <a:ea typeface="宋体" pitchFamily="2" charset="-122"/>
                 <a:cs typeface="+mn-cs"/>
               </a:endParaRPr>
             </a:p>
@@ -8322,7 +8128,6 @@
                 <a:buSzTx/>
                 <a:buFontTx/>
                 <a:buNone/>
-                <a:tabLst/>
                 <a:defRPr/>
               </a:pPr>
               <a:endParaRPr kumimoji="0" lang="zh-CN" altLang="en-US" sz="1400" b="0" i="0" u="none" strike="noStrike" kern="1200" cap="none" spc="0" normalizeH="0" baseline="0" noProof="0">
@@ -8336,7 +8141,7 @@
                 <a:uLnTx/>
                 <a:uFillTx/>
                 <a:latin typeface="Impact" panose="020B0806030902050204" pitchFamily="34" charset="0"/>
-                <a:ea typeface="宋体" panose="02010600030101010101" pitchFamily="2" charset="-122"/>
+                <a:ea typeface="宋体" pitchFamily="2" charset="-122"/>
                 <a:cs typeface="+mn-cs"/>
               </a:endParaRPr>
             </a:p>
@@ -8378,7 +8183,6 @@
                 <a:buSzTx/>
                 <a:buFontTx/>
                 <a:buNone/>
-                <a:tabLst/>
                 <a:defRPr/>
               </a:pPr>
               <a:r>
@@ -8393,7 +8197,7 @@
                   <a:uLnTx/>
                   <a:uFillTx/>
                   <a:latin typeface="Impact" panose="020B0806030902050204" pitchFamily="34" charset="0"/>
-                  <a:ea typeface="宋体" panose="02010600030101010101" pitchFamily="2" charset="-122"/>
+                  <a:ea typeface="宋体" pitchFamily="2" charset="-122"/>
                   <a:cs typeface="+mn-cs"/>
                 </a:rPr>
                 <a:t>04</a:t>
@@ -8409,7 +8213,7 @@
                 <a:uLnTx/>
                 <a:uFillTx/>
                 <a:latin typeface="Impact" panose="020B0806030902050204" pitchFamily="34" charset="0"/>
-                <a:ea typeface="宋体" panose="02010600030101010101" pitchFamily="2" charset="-122"/>
+                <a:ea typeface="宋体" pitchFamily="2" charset="-122"/>
                 <a:cs typeface="+mn-cs"/>
               </a:endParaRPr>
             </a:p>
@@ -8468,7 +8272,6 @@
                 <a:buSzTx/>
                 <a:buFontTx/>
                 <a:buNone/>
-                <a:tabLst/>
                 <a:defRPr/>
               </a:pPr>
               <a:r>
@@ -8587,7 +8390,6 @@
                 <a:buSzTx/>
                 <a:buFontTx/>
                 <a:buNone/>
-                <a:tabLst/>
                 <a:defRPr/>
               </a:pPr>
               <a:endParaRPr kumimoji="0" lang="zh-CN" altLang="en-US" sz="1600" b="1" i="0" u="none" strike="noStrike" kern="1200" cap="none" spc="0" normalizeH="0" baseline="0" noProof="0">
@@ -8604,7 +8406,7 @@
                 <a:uLnTx/>
                 <a:uFillTx/>
                 <a:latin typeface="Calibri"/>
-                <a:ea typeface="宋体" panose="02010600030101010101" pitchFamily="2" charset="-122"/>
+                <a:ea typeface="宋体" pitchFamily="2" charset="-122"/>
                 <a:cs typeface="+mn-cs"/>
               </a:endParaRPr>
             </a:p>
@@ -8663,7 +8465,6 @@
                 <a:buSzTx/>
                 <a:buFontTx/>
                 <a:buNone/>
-                <a:tabLst/>
                 <a:defRPr/>
               </a:pPr>
               <a:r>
@@ -8756,7 +8557,6 @@
                 <a:buSzTx/>
                 <a:buFontTx/>
                 <a:buNone/>
-                <a:tabLst/>
                 <a:defRPr/>
               </a:pPr>
               <a:endParaRPr kumimoji="0" lang="zh-CN" altLang="en-US" sz="1600" b="1" i="0" u="none" strike="noStrike" kern="1200" cap="none" spc="0" normalizeH="0" baseline="0" noProof="0">
@@ -8773,7 +8573,7 @@
                 <a:uLnTx/>
                 <a:uFillTx/>
                 <a:latin typeface="Calibri"/>
-                <a:ea typeface="宋体" panose="02010600030101010101" pitchFamily="2" charset="-122"/>
+                <a:ea typeface="宋体" pitchFamily="2" charset="-122"/>
                 <a:cs typeface="+mn-cs"/>
               </a:endParaRPr>
             </a:p>
@@ -8781,20 +8581,15 @@
         </p:sp>
       </p:grpSp>
     </p:spTree>
-    <p:extLst>
-      <p:ext uri="{BB962C8B-B14F-4D97-AF65-F5344CB8AC3E}">
-        <p14:creationId xmlns:p14="http://schemas.microsoft.com/office/powerpoint/2010/main" val="4243725409"/>
-      </p:ext>
-    </p:extLst>
   </p:cSld>
   <p:clrMapOvr>
     <a:masterClrMapping/>
   </p:clrMapOvr>
-  <mc:AlternateContent xmlns:mc="http://schemas.openxmlformats.org/markup-compatibility/2006" xmlns:p14="http://schemas.microsoft.com/office/powerpoint/2010/main">
-    <mc:Choice Requires="p14">
+  <mc:AlternateContent xmlns:mc="http://schemas.openxmlformats.org/markup-compatibility/2006">
+    <mc:Choice xmlns:p14="http://schemas.microsoft.com/office/powerpoint/2010/main" Requires="p14">
       <p:transition p14:dur="0" advTm="0"/>
     </mc:Choice>
-    <mc:Fallback xmlns="">
+    <mc:Fallback>
       <p:transition advTm="0"/>
     </mc:Fallback>
   </mc:AlternateContent>
@@ -8825,56 +8620,16 @@
           <a:chExt cx="0" cy="0"/>
         </a:xfrm>
       </p:grpSpPr>
-      <p:pic>
-        <p:nvPicPr>
-          <p:cNvPr id="53" name="图片 52">
-            <a:extLst>
-              <a:ext uri="{FF2B5EF4-FFF2-40B4-BE49-F238E27FC236}">
-                <a16:creationId xmlns:a16="http://schemas.microsoft.com/office/drawing/2014/main" id="{6473665E-6DF0-41E1-B76C-043D8A2E7F4A}"/>
-              </a:ext>
-            </a:extLst>
-          </p:cNvPr>
-          <p:cNvPicPr/>
-          <p:nvPr/>
-        </p:nvPicPr>
-        <p:blipFill>
-          <a:blip r:embed="rId3" cstate="print">
-            <a:extLst>
-              <a:ext uri="{28A0092B-C50C-407E-A947-70E740481C1C}">
-                <a14:useLocalDpi xmlns:a14="http://schemas.microsoft.com/office/drawing/2010/main" val="0"/>
-              </a:ext>
-            </a:extLst>
-          </a:blip>
-          <a:stretch>
-            <a:fillRect/>
-          </a:stretch>
-        </p:blipFill>
-        <p:spPr>
-          <a:xfrm>
-            <a:off x="4443785" y="1492405"/>
-            <a:ext cx="4652687" cy="2708948"/>
-          </a:xfrm>
-          <a:prstGeom prst="rect">
-            <a:avLst/>
-          </a:prstGeom>
-        </p:spPr>
-      </p:pic>
       <p:sp>
         <p:nvSpPr>
-          <p:cNvPr id="2" name="文本框 1">
-            <a:extLst>
-              <a:ext uri="{FF2B5EF4-FFF2-40B4-BE49-F238E27FC236}">
-                <a16:creationId xmlns:a16="http://schemas.microsoft.com/office/drawing/2014/main" id="{CF47A4AC-CBA4-4942-97E9-0D5615D6F050}"/>
-              </a:ext>
-            </a:extLst>
-          </p:cNvPr>
+          <p:cNvPr id="2" name="文本框 1"/>
           <p:cNvSpPr txBox="1"/>
           <p:nvPr/>
         </p:nvSpPr>
         <p:spPr>
           <a:xfrm>
-            <a:off x="4777733" y="917307"/>
-            <a:ext cx="2098523" cy="646331"/>
+            <a:off x="4175118" y="1224647"/>
+            <a:ext cx="2259330" cy="645160"/>
           </a:xfrm>
           <a:prstGeom prst="rect">
             <a:avLst/>
@@ -8901,7 +8656,6 @@
               <a:buSzTx/>
               <a:buFont typeface="+mj-ea"/>
               <a:buAutoNum type="circleNumDbPlain"/>
-              <a:tabLst/>
               <a:defRPr/>
             </a:pPr>
             <a:r>
@@ -8957,7 +8711,6 @@
               <a:buSzTx/>
               <a:buFont typeface="+mj-lt"/>
               <a:buAutoNum type="circleNumDbPlain"/>
-              <a:tabLst/>
               <a:defRPr/>
             </a:pPr>
             <a:r>
@@ -9013,7 +8766,6 @@
               <a:buSzTx/>
               <a:buFont typeface="+mj-lt"/>
               <a:buAutoNum type="circleNumDbPlain"/>
-              <a:tabLst/>
               <a:defRPr/>
             </a:pPr>
             <a:r>
@@ -9036,7 +8788,7 @@
               </a:rPr>
               <a:t>Smart Tactile Device</a:t>
             </a:r>
-            <a:endParaRPr kumimoji="0" lang="zh-CN" altLang="en-US" sz="1200" b="1" i="0" u="none" strike="noStrike" kern="1200" cap="none" spc="0" normalizeH="0" baseline="0" noProof="0" dirty="0">
+            <a:endParaRPr kumimoji="0" lang="en-US" altLang="zh-CN" sz="1200" b="1" i="0" u="none" strike="noStrike" kern="1200" cap="none" spc="0" normalizeH="0" baseline="0" noProof="0" dirty="0">
               <a:ln>
                 <a:noFill/>
               </a:ln>
@@ -9072,18 +8824,12 @@
         </p:grpSpPr>
         <p:pic>
           <p:nvPicPr>
-            <p:cNvPr id="52" name="图片 51">
-              <a:extLst>
-                <a:ext uri="{FF2B5EF4-FFF2-40B4-BE49-F238E27FC236}">
-                  <a16:creationId xmlns:a16="http://schemas.microsoft.com/office/drawing/2014/main" id="{CB5E1E32-50A5-4BF3-B58D-7F0EF965980E}"/>
-                </a:ext>
-              </a:extLst>
-            </p:cNvPr>
+            <p:cNvPr id="52" name="图片 51"/>
             <p:cNvPicPr/>
             <p:nvPr/>
           </p:nvPicPr>
           <p:blipFill>
-            <a:blip r:embed="rId4"/>
+            <a:blip r:embed="rId1"/>
             <a:stretch>
               <a:fillRect/>
             </a:stretch>
@@ -9100,13 +8846,7 @@
         </p:pic>
         <p:sp>
           <p:nvSpPr>
-            <p:cNvPr id="3" name="矩形 2">
-              <a:extLst>
-                <a:ext uri="{FF2B5EF4-FFF2-40B4-BE49-F238E27FC236}">
-                  <a16:creationId xmlns:a16="http://schemas.microsoft.com/office/drawing/2014/main" id="{2BC8949C-4EF4-4993-8036-54DBFEADE721}"/>
-                </a:ext>
-              </a:extLst>
-            </p:cNvPr>
+            <p:cNvPr id="3" name="矩形 2"/>
             <p:cNvSpPr/>
             <p:nvPr/>
           </p:nvSpPr>
@@ -9139,7 +8879,6 @@
                 <a:buSzTx/>
                 <a:buFontTx/>
                 <a:buNone/>
-                <a:tabLst/>
                 <a:defRPr/>
               </a:pPr>
               <a:r>
@@ -9177,16 +8916,8 @@
         </p:sp>
         <p:cxnSp>
           <p:nvCxnSpPr>
-            <p:cNvPr id="5" name="直接箭头连接符 4">
-              <a:extLst>
-                <a:ext uri="{FF2B5EF4-FFF2-40B4-BE49-F238E27FC236}">
-                  <a16:creationId xmlns:a16="http://schemas.microsoft.com/office/drawing/2014/main" id="{BB814E22-57D9-4B7A-8907-E62950AD1535}"/>
-                </a:ext>
-              </a:extLst>
-            </p:cNvPr>
-            <p:cNvCxnSpPr>
-              <a:cxnSpLocks/>
-            </p:cNvCxnSpPr>
+            <p:cNvPr id="5" name="直接箭头连接符 4"/>
+            <p:cNvCxnSpPr/>
             <p:nvPr/>
           </p:nvCxnSpPr>
           <p:spPr>
@@ -9221,13 +8952,7 @@
         </p:cxnSp>
         <p:sp>
           <p:nvSpPr>
-            <p:cNvPr id="55" name="矩形 54">
-              <a:extLst>
-                <a:ext uri="{FF2B5EF4-FFF2-40B4-BE49-F238E27FC236}">
-                  <a16:creationId xmlns:a16="http://schemas.microsoft.com/office/drawing/2014/main" id="{262AED54-2A20-443F-8BF5-2AFF4A626632}"/>
-                </a:ext>
-              </a:extLst>
-            </p:cNvPr>
+            <p:cNvPr id="55" name="矩形 54"/>
             <p:cNvSpPr/>
             <p:nvPr/>
           </p:nvSpPr>
@@ -9260,7 +8985,6 @@
                 <a:buSzTx/>
                 <a:buFontTx/>
                 <a:buNone/>
-                <a:tabLst/>
                 <a:defRPr/>
               </a:pPr>
               <a:r>
@@ -9298,16 +9022,8 @@
         </p:sp>
         <p:cxnSp>
           <p:nvCxnSpPr>
-            <p:cNvPr id="12" name="直接箭头连接符 11">
-              <a:extLst>
-                <a:ext uri="{FF2B5EF4-FFF2-40B4-BE49-F238E27FC236}">
-                  <a16:creationId xmlns:a16="http://schemas.microsoft.com/office/drawing/2014/main" id="{EBEEE6B3-BA95-4B6A-8520-2182EB4FFB36}"/>
-                </a:ext>
-              </a:extLst>
-            </p:cNvPr>
-            <p:cNvCxnSpPr>
-              <a:cxnSpLocks/>
-            </p:cNvCxnSpPr>
+            <p:cNvPr id="12" name="直接箭头连接符 11"/>
+            <p:cNvCxnSpPr/>
             <p:nvPr/>
           </p:nvCxnSpPr>
           <p:spPr>
@@ -9342,13 +9058,7 @@
         </p:cxnSp>
         <p:sp>
           <p:nvSpPr>
-            <p:cNvPr id="15" name="矩形 14">
-              <a:extLst>
-                <a:ext uri="{FF2B5EF4-FFF2-40B4-BE49-F238E27FC236}">
-                  <a16:creationId xmlns:a16="http://schemas.microsoft.com/office/drawing/2014/main" id="{0B5DE679-FC00-4430-B0C0-B01AB9B47025}"/>
-                </a:ext>
-              </a:extLst>
-            </p:cNvPr>
+            <p:cNvPr id="15" name="矩形 14"/>
             <p:cNvSpPr/>
             <p:nvPr/>
           </p:nvSpPr>
@@ -9381,7 +9091,6 @@
                 <a:buSzTx/>
                 <a:buFontTx/>
                 <a:buNone/>
-                <a:tabLst/>
                 <a:defRPr/>
               </a:pPr>
               <a:r>
@@ -9401,18 +9110,26 @@
                 </a:rPr>
                 <a:t>智能触觉设备</a:t>
               </a:r>
+              <a:endParaRPr kumimoji="0" lang="zh-CN" altLang="en-US" sz="1400" b="0" i="0" u="none" strike="noStrike" kern="1200" cap="none" spc="0" normalizeH="0" baseline="0" noProof="0" dirty="0">
+                <a:ln>
+                  <a:noFill/>
+                </a:ln>
+                <a:solidFill>
+                  <a:srgbClr val="FFA500"/>
+                </a:solidFill>
+                <a:effectLst/>
+                <a:uLnTx/>
+                <a:uFillTx/>
+                <a:latin typeface="微软雅黑" panose="020B0503020204020204" pitchFamily="34" charset="-122"/>
+                <a:ea typeface="微软雅黑" panose="020B0503020204020204" pitchFamily="34" charset="-122"/>
+                <a:cs typeface="+mn-cs"/>
+              </a:endParaRPr>
             </a:p>
           </p:txBody>
         </p:sp>
         <p:cxnSp>
           <p:nvCxnSpPr>
-            <p:cNvPr id="17" name="直接箭头连接符 16">
-              <a:extLst>
-                <a:ext uri="{FF2B5EF4-FFF2-40B4-BE49-F238E27FC236}">
-                  <a16:creationId xmlns:a16="http://schemas.microsoft.com/office/drawing/2014/main" id="{3EAFF79C-E8A8-44EC-B057-B65396149881}"/>
-                </a:ext>
-              </a:extLst>
-            </p:cNvPr>
+            <p:cNvPr id="17" name="直接箭头连接符 16"/>
             <p:cNvCxnSpPr/>
             <p:nvPr/>
           </p:nvCxnSpPr>
@@ -9482,7 +9199,6 @@
               <a:buSzTx/>
               <a:buFontTx/>
               <a:buNone/>
-              <a:tabLst/>
               <a:defRPr/>
             </a:pPr>
             <a:r>
@@ -9496,9 +9212,9 @@
                 <a:effectLst/>
                 <a:uLnTx/>
                 <a:uFillTx/>
-                <a:latin typeface="Arial" panose="020B0604020202020204" pitchFamily="34" charset="0"/>
-                <a:ea typeface="宋体" panose="02010600030101010101" pitchFamily="2" charset="-122"/>
-                <a:cs typeface="Arial" panose="020B0604020202020204" pitchFamily="34" charset="0"/>
+                <a:latin typeface="Arial" panose="02080604020202020204" pitchFamily="34" charset="0"/>
+                <a:ea typeface="宋体" pitchFamily="2" charset="-122"/>
+                <a:cs typeface="Arial" panose="02080604020202020204" pitchFamily="34" charset="0"/>
               </a:rPr>
               <a:t>Min </a:t>
             </a:r>
@@ -9513,9 +9229,9 @@
                 <a:effectLst/>
                 <a:uLnTx/>
                 <a:uFillTx/>
-                <a:latin typeface="Arial" panose="020B0604020202020204" pitchFamily="34" charset="0"/>
-                <a:ea typeface="宋体" panose="02010600030101010101" pitchFamily="2" charset="-122"/>
-                <a:cs typeface="Arial" panose="020B0604020202020204" pitchFamily="34" charset="0"/>
+                <a:latin typeface="Arial" panose="02080604020202020204" pitchFamily="34" charset="0"/>
+                <a:ea typeface="宋体" pitchFamily="2" charset="-122"/>
+                <a:cs typeface="Arial" panose="02080604020202020204" pitchFamily="34" charset="0"/>
               </a:rPr>
               <a:t>Chen, </a:t>
             </a:r>
@@ -9530,9 +9246,9 @@
                 <a:effectLst/>
                 <a:uLnTx/>
                 <a:uFillTx/>
-                <a:latin typeface="Arial" panose="020B0604020202020204" pitchFamily="34" charset="0"/>
-                <a:ea typeface="宋体" panose="02010600030101010101" pitchFamily="2" charset="-122"/>
-                <a:cs typeface="Arial" panose="020B0604020202020204" pitchFamily="34" charset="0"/>
+                <a:latin typeface="Arial" panose="02080604020202020204" pitchFamily="34" charset="0"/>
+                <a:ea typeface="宋体" pitchFamily="2" charset="-122"/>
+                <a:cs typeface="Arial" panose="02080604020202020204" pitchFamily="34" charset="0"/>
               </a:rPr>
               <a:t>Jun Zhou, </a:t>
             </a:r>
@@ -9547,9 +9263,9 @@
                 <a:effectLst/>
                 <a:uLnTx/>
                 <a:uFillTx/>
-                <a:latin typeface="Arial" panose="020B0604020202020204" pitchFamily="34" charset="0"/>
-                <a:ea typeface="宋体" panose="02010600030101010101" pitchFamily="2" charset="-122"/>
-                <a:cs typeface="Arial" panose="020B0604020202020204" pitchFamily="34" charset="0"/>
+                <a:latin typeface="Arial" panose="02080604020202020204" pitchFamily="34" charset="0"/>
+                <a:ea typeface="宋体" pitchFamily="2" charset="-122"/>
+                <a:cs typeface="Arial" panose="02080604020202020204" pitchFamily="34" charset="0"/>
               </a:rPr>
               <a:t>Guangming</a:t>
             </a:r>
@@ -9564,9 +9280,9 @@
                 <a:effectLst/>
                 <a:uLnTx/>
                 <a:uFillTx/>
-                <a:latin typeface="Arial" panose="020B0604020202020204" pitchFamily="34" charset="0"/>
-                <a:ea typeface="宋体" panose="02010600030101010101" pitchFamily="2" charset="-122"/>
-                <a:cs typeface="Arial" panose="020B0604020202020204" pitchFamily="34" charset="0"/>
+                <a:latin typeface="Arial" panose="02080604020202020204" pitchFamily="34" charset="0"/>
+                <a:ea typeface="宋体" pitchFamily="2" charset="-122"/>
+                <a:cs typeface="Arial" panose="02080604020202020204" pitchFamily="34" charset="0"/>
               </a:rPr>
               <a:t> Tao</a:t>
             </a:r>
@@ -9581,9 +9297,9 @@
                 <a:effectLst/>
                 <a:uLnTx/>
                 <a:uFillTx/>
-                <a:latin typeface="Arial" panose="020B0604020202020204" pitchFamily="34" charset="0"/>
-                <a:ea typeface="宋体" panose="02010600030101010101" pitchFamily="2" charset="-122"/>
-                <a:cs typeface="Arial" panose="020B0604020202020204" pitchFamily="34" charset="0"/>
+                <a:latin typeface="Arial" panose="02080604020202020204" pitchFamily="34" charset="0"/>
+                <a:ea typeface="宋体" pitchFamily="2" charset="-122"/>
+                <a:cs typeface="Arial" panose="02080604020202020204" pitchFamily="34" charset="0"/>
               </a:rPr>
               <a:t>, </a:t>
             </a:r>
@@ -9598,9 +9314,9 @@
                 <a:effectLst/>
                 <a:uLnTx/>
                 <a:uFillTx/>
-                <a:latin typeface="Arial" panose="020B0604020202020204" pitchFamily="34" charset="0"/>
-                <a:ea typeface="宋体" panose="02010600030101010101" pitchFamily="2" charset="-122"/>
-                <a:cs typeface="Arial" panose="020B0604020202020204" pitchFamily="34" charset="0"/>
+                <a:latin typeface="Arial" panose="02080604020202020204" pitchFamily="34" charset="0"/>
+                <a:ea typeface="宋体" pitchFamily="2" charset="-122"/>
+                <a:cs typeface="Arial" panose="02080604020202020204" pitchFamily="34" charset="0"/>
               </a:rPr>
               <a:t>et al., "</a:t>
             </a:r>
@@ -9615,9 +9331,9 @@
                 <a:effectLst/>
                 <a:uLnTx/>
                 <a:uFillTx/>
-                <a:latin typeface="Arial" panose="020B0604020202020204" pitchFamily="34" charset="0"/>
-                <a:ea typeface="宋体" panose="02010600030101010101" pitchFamily="2" charset="-122"/>
-                <a:cs typeface="Arial" panose="020B0604020202020204" pitchFamily="34" charset="0"/>
+                <a:latin typeface="Arial" panose="02080604020202020204" pitchFamily="34" charset="0"/>
+                <a:ea typeface="宋体" pitchFamily="2" charset="-122"/>
+                <a:cs typeface="Arial" panose="02080604020202020204" pitchFamily="34" charset="0"/>
               </a:rPr>
               <a:t>Wearable </a:t>
             </a:r>
@@ -9632,9 +9348,9 @@
                 <a:effectLst/>
                 <a:uLnTx/>
                 <a:uFillTx/>
-                <a:latin typeface="Arial" panose="020B0604020202020204" pitchFamily="34" charset="0"/>
-                <a:ea typeface="宋体" panose="02010600030101010101" pitchFamily="2" charset="-122"/>
-                <a:cs typeface="Arial" panose="020B0604020202020204" pitchFamily="34" charset="0"/>
+                <a:latin typeface="Arial" panose="02080604020202020204" pitchFamily="34" charset="0"/>
+                <a:ea typeface="宋体" pitchFamily="2" charset="-122"/>
+                <a:cs typeface="Arial" panose="02080604020202020204" pitchFamily="34" charset="0"/>
               </a:rPr>
               <a:t>Affective Robot</a:t>
             </a:r>
@@ -9649,9 +9365,9 @@
                 <a:effectLst/>
                 <a:uLnTx/>
                 <a:uFillTx/>
-                <a:latin typeface="Arial" panose="020B0604020202020204" pitchFamily="34" charset="0"/>
-                <a:ea typeface="宋体" panose="02010600030101010101" pitchFamily="2" charset="-122"/>
-                <a:cs typeface="Arial" panose="020B0604020202020204" pitchFamily="34" charset="0"/>
+                <a:latin typeface="Arial" panose="02080604020202020204" pitchFamily="34" charset="0"/>
+                <a:ea typeface="宋体" pitchFamily="2" charset="-122"/>
+                <a:cs typeface="Arial" panose="02080604020202020204" pitchFamily="34" charset="0"/>
               </a:rPr>
               <a:t>", </a:t>
             </a:r>
@@ -9666,9 +9382,9 @@
                 <a:effectLst/>
                 <a:uLnTx/>
                 <a:uFillTx/>
-                <a:latin typeface="Arial" panose="020B0604020202020204" pitchFamily="34" charset="0"/>
-                <a:ea typeface="宋体" panose="02010600030101010101" pitchFamily="2" charset="-122"/>
-                <a:cs typeface="Arial" panose="020B0604020202020204" pitchFamily="34" charset="0"/>
+                <a:latin typeface="Arial" panose="02080604020202020204" pitchFamily="34" charset="0"/>
+                <a:ea typeface="宋体" pitchFamily="2" charset="-122"/>
+                <a:cs typeface="Arial" panose="02080604020202020204" pitchFamily="34" charset="0"/>
               </a:rPr>
               <a:t>IEEE Access</a:t>
             </a:r>
@@ -9683,9 +9399,9 @@
                 <a:effectLst/>
                 <a:uLnTx/>
                 <a:uFillTx/>
-                <a:latin typeface="Arial" panose="020B0604020202020204" pitchFamily="34" charset="0"/>
-                <a:ea typeface="宋体" panose="02010600030101010101" pitchFamily="2" charset="-122"/>
-                <a:cs typeface="Arial" panose="020B0604020202020204" pitchFamily="34" charset="0"/>
+                <a:latin typeface="Arial" panose="02080604020202020204" pitchFamily="34" charset="0"/>
+                <a:ea typeface="宋体" pitchFamily="2" charset="-122"/>
+                <a:cs typeface="Arial" panose="02080604020202020204" pitchFamily="34" charset="0"/>
               </a:rPr>
               <a:t>, Vol. 6, pp. 64766-64776, 2018.</a:t>
             </a:r>
@@ -9699,9 +9415,9 @@
               <a:effectLst/>
               <a:uLnTx/>
               <a:uFillTx/>
-              <a:latin typeface="Arial" panose="020B0604020202020204" pitchFamily="34" charset="0"/>
-              <a:ea typeface="宋体" panose="02010600030101010101" pitchFamily="2" charset="-122"/>
-              <a:cs typeface="Arial" panose="020B0604020202020204" pitchFamily="34" charset="0"/>
+              <a:latin typeface="Arial" panose="02080604020202020204" pitchFamily="34" charset="0"/>
+              <a:ea typeface="宋体" pitchFamily="2" charset="-122"/>
+              <a:cs typeface="Arial" panose="02080604020202020204" pitchFamily="34" charset="0"/>
             </a:endParaRPr>
           </a:p>
         </p:txBody>
@@ -9709,9 +9425,7 @@
       <p:sp>
         <p:nvSpPr>
           <p:cNvPr id="14" name="Title 1"/>
-          <p:cNvSpPr txBox="1">
-            <a:spLocks/>
-          </p:cNvSpPr>
+          <p:cNvSpPr txBox="1"/>
           <p:nvPr/>
         </p:nvSpPr>
         <p:spPr>
@@ -9758,7 +9472,6 @@
               <a:buSzTx/>
               <a:buFontTx/>
               <a:buNone/>
-              <a:tabLst/>
               <a:defRPr/>
             </a:pPr>
             <a:r>
@@ -9877,16 +9590,40 @@
           </a:p>
         </p:txBody>
       </p:sp>
+      <p:pic>
+        <p:nvPicPr>
+          <p:cNvPr id="7" name="图片 6" descr="cloth"/>
+          <p:cNvPicPr>
+            <a:picLocks noChangeAspect="1"/>
+          </p:cNvPicPr>
+          <p:nvPr/>
+        </p:nvPicPr>
+        <p:blipFill>
+          <a:blip r:embed="rId2"/>
+          <a:stretch>
+            <a:fillRect/>
+          </a:stretch>
+        </p:blipFill>
+        <p:spPr>
+          <a:xfrm>
+            <a:off x="4175125" y="1974850"/>
+            <a:ext cx="4896485" cy="2312670"/>
+          </a:xfrm>
+          <a:prstGeom prst="rect">
+            <a:avLst/>
+          </a:prstGeom>
+        </p:spPr>
+      </p:pic>
       <p:sp>
         <p:nvSpPr>
-          <p:cNvPr id="7" name="文本框 6"/>
+          <p:cNvPr id="8" name="文本框 7"/>
           <p:cNvSpPr txBox="1"/>
           <p:nvPr/>
         </p:nvSpPr>
         <p:spPr>
           <a:xfrm>
-            <a:off x="857880" y="818169"/>
-            <a:ext cx="1191352" cy="338554"/>
+            <a:off x="6531610" y="1224915"/>
+            <a:ext cx="2540000" cy="645160"/>
           </a:xfrm>
           <a:prstGeom prst="rect">
             <a:avLst/>
@@ -9894,34 +9631,162 @@
           <a:noFill/>
         </p:spPr>
         <p:txBody>
-          <a:bodyPr wrap="none" rtlCol="0">
+          <a:bodyPr wrap="square" rtlCol="0" anchor="t">
             <a:spAutoFit/>
           </a:bodyPr>
-          <a:lstStyle/>
-          <a:p>
-            <a:r>
-              <a:rPr lang="en-US" altLang="zh-CN" sz="1600" b="1" smtClean="0">
-                <a:solidFill>
-                  <a:srgbClr val="FFA500"/>
-                </a:solidFill>
+          <a:p>
+            <a:pPr marL="228600" marR="0" lvl="0" indent="-228600" algn="l" defTabSz="914400" rtl="0" eaLnBrk="1" fontAlgn="auto" latinLnBrk="0" hangingPunct="1">
+              <a:lnSpc>
+                <a:spcPct val="100000"/>
+              </a:lnSpc>
+              <a:spcBef>
+                <a:spcPts val="0"/>
+              </a:spcBef>
+              <a:spcAft>
+                <a:spcPts val="0"/>
+              </a:spcAft>
+              <a:buClrTx/>
+              <a:buSzTx/>
+              <a:buFont typeface="+mj-ea"/>
+              <a:buAutoNum type="circleNumDbPlain" startAt="4"/>
+              <a:defRPr/>
+            </a:pPr>
+            <a:r>
+              <a:rPr lang="en-US" altLang="zh-CN" sz="1200" b="1" noProof="0" dirty="0">
+                <a:ln>
+                  <a:noFill/>
+                </a:ln>
+                <a:solidFill>
+                  <a:prstClr val="black">
+                    <a:lumMod val="75000"/>
+                    <a:lumOff val="25000"/>
+                  </a:prstClr>
+                </a:solidFill>
+                <a:effectLst/>
+                <a:uLnTx/>
+                <a:uFillTx/>
                 <a:latin typeface="微软雅黑" panose="020B0503020204020204" pitchFamily="34" charset="-122"/>
                 <a:ea typeface="微软雅黑" panose="020B0503020204020204" pitchFamily="34" charset="-122"/>
-              </a:rPr>
-              <a:t>1.</a:t>
-            </a:r>
-            <a:r>
-              <a:rPr lang="zh-CN" altLang="en-US" sz="1600" b="1" smtClean="0">
-                <a:solidFill>
-                  <a:srgbClr val="FFA500"/>
-                </a:solidFill>
+                <a:sym typeface="+mn-ea"/>
+              </a:rPr>
+              <a:t>   phone</a:t>
+            </a:r>
+            <a:endParaRPr kumimoji="0" lang="en-US" altLang="zh-CN" sz="1200" b="1" i="0" u="none" strike="noStrike" kern="1200" cap="none" spc="0" normalizeH="0" baseline="0" noProof="0" dirty="0">
+              <a:ln>
+                <a:noFill/>
+              </a:ln>
+              <a:solidFill>
+                <a:prstClr val="black">
+                  <a:lumMod val="75000"/>
+                  <a:lumOff val="25000"/>
+                </a:prstClr>
+              </a:solidFill>
+              <a:effectLst/>
+              <a:uLnTx/>
+              <a:uFillTx/>
+              <a:latin typeface="微软雅黑" panose="020B0503020204020204" pitchFamily="34" charset="-122"/>
+              <a:ea typeface="微软雅黑" panose="020B0503020204020204" pitchFamily="34" charset="-122"/>
+              <a:cs typeface="+mn-cs"/>
+            </a:endParaRPr>
+          </a:p>
+          <a:p>
+            <a:pPr marL="342900" marR="0" lvl="0" indent="-342900" algn="l" defTabSz="914400" rtl="0" eaLnBrk="1" fontAlgn="auto" latinLnBrk="0" hangingPunct="1">
+              <a:lnSpc>
+                <a:spcPct val="100000"/>
+              </a:lnSpc>
+              <a:spcBef>
+                <a:spcPts val="0"/>
+              </a:spcBef>
+              <a:spcAft>
+                <a:spcPts val="0"/>
+              </a:spcAft>
+              <a:buClrTx/>
+              <a:buSzTx/>
+              <a:buFont typeface="+mj-lt"/>
+              <a:buAutoNum type="circleNumDbPlain" startAt="4"/>
+              <a:defRPr/>
+            </a:pPr>
+            <a:r>
+              <a:rPr lang="en-US" altLang="zh-CN" sz="1200" b="1" noProof="0" dirty="0">
+                <a:ln>
+                  <a:noFill/>
+                </a:ln>
+                <a:solidFill>
+                  <a:prstClr val="black">
+                    <a:lumMod val="75000"/>
+                    <a:lumOff val="25000"/>
+                  </a:prstClr>
+                </a:solidFill>
+                <a:effectLst/>
+                <a:uLnTx/>
+                <a:uFillTx/>
                 <a:latin typeface="微软雅黑" panose="020B0503020204020204" pitchFamily="34" charset="-122"/>
                 <a:ea typeface="微软雅黑" panose="020B0503020204020204" pitchFamily="34" charset="-122"/>
-              </a:rPr>
-              <a:t>系统概要</a:t>
-            </a:r>
-            <a:endParaRPr lang="zh-CN" altLang="en-US" sz="1600" b="1" dirty="0" smtClean="0">
+                <a:sym typeface="+mn-ea"/>
+              </a:rPr>
+              <a:t>大脑可穿戴硬件</a:t>
+            </a:r>
+            <a:endParaRPr kumimoji="0" lang="en-US" altLang="zh-CN" sz="1200" b="1" i="0" u="none" strike="noStrike" kern="1200" cap="none" spc="0" normalizeH="0" baseline="0" noProof="0" dirty="0">
+              <a:ln>
+                <a:noFill/>
+              </a:ln>
               <a:solidFill>
-                <a:srgbClr val="FFA500"/>
+                <a:prstClr val="black">
+                  <a:lumMod val="75000"/>
+                  <a:lumOff val="25000"/>
+                </a:prstClr>
+              </a:solidFill>
+              <a:effectLst/>
+              <a:uLnTx/>
+              <a:uFillTx/>
+              <a:latin typeface="微软雅黑" panose="020B0503020204020204" pitchFamily="34" charset="-122"/>
+              <a:ea typeface="微软雅黑" panose="020B0503020204020204" pitchFamily="34" charset="-122"/>
+              <a:cs typeface="+mn-cs"/>
+            </a:endParaRPr>
+          </a:p>
+          <a:p>
+            <a:pPr marL="342900" marR="0" lvl="0" indent="-342900" algn="l" defTabSz="914400" rtl="0" eaLnBrk="1" fontAlgn="auto" latinLnBrk="0" hangingPunct="1">
+              <a:lnSpc>
+                <a:spcPct val="100000"/>
+              </a:lnSpc>
+              <a:spcBef>
+                <a:spcPts val="0"/>
+              </a:spcBef>
+              <a:spcAft>
+                <a:spcPts val="0"/>
+              </a:spcAft>
+              <a:buClrTx/>
+              <a:buSzTx/>
+              <a:buFont typeface="+mj-lt"/>
+              <a:buAutoNum type="circleNumDbPlain" startAt="4"/>
+              <a:defRPr/>
+            </a:pPr>
+            <a:r>
+              <a:rPr lang="en-US" altLang="zh-CN" sz="1200" b="1" noProof="0" dirty="0">
+                <a:ln>
+                  <a:noFill/>
+                </a:ln>
+                <a:solidFill>
+                  <a:prstClr val="black">
+                    <a:lumMod val="75000"/>
+                    <a:lumOff val="25000"/>
+                  </a:prstClr>
+                </a:solidFill>
+                <a:effectLst/>
+                <a:uLnTx/>
+                <a:uFillTx/>
+                <a:latin typeface="微软雅黑" panose="020B0503020204020204" pitchFamily="34" charset="-122"/>
+                <a:ea typeface="微软雅黑" panose="020B0503020204020204" pitchFamily="34" charset="-122"/>
+                <a:sym typeface="+mn-ea"/>
+              </a:rPr>
+              <a:t>智能触觉装置</a:t>
+            </a:r>
+            <a:endParaRPr lang="zh-CN" altLang="en-US" sz="1200" dirty="0" smtClean="0">
+              <a:solidFill>
+                <a:schemeClr val="tx1">
+                  <a:lumMod val="75000"/>
+                  <a:lumOff val="25000"/>
+                </a:schemeClr>
               </a:solidFill>
               <a:latin typeface="微软雅黑" panose="020B0503020204020204" pitchFamily="34" charset="-122"/>
               <a:ea typeface="微软雅黑" panose="020B0503020204020204" pitchFamily="34" charset="-122"/>
@@ -9930,20 +9795,15 @@
         </p:txBody>
       </p:sp>
     </p:spTree>
-    <p:extLst>
-      <p:ext uri="{BB962C8B-B14F-4D97-AF65-F5344CB8AC3E}">
-        <p14:creationId xmlns:p14="http://schemas.microsoft.com/office/powerpoint/2010/main" val="4234812109"/>
-      </p:ext>
-    </p:extLst>
   </p:cSld>
   <p:clrMapOvr>
     <a:masterClrMapping/>
   </p:clrMapOvr>
-  <mc:AlternateContent xmlns:mc="http://schemas.openxmlformats.org/markup-compatibility/2006" xmlns:p14="http://schemas.microsoft.com/office/powerpoint/2010/main">
-    <mc:Choice Requires="p14">
+  <mc:AlternateContent xmlns:mc="http://schemas.openxmlformats.org/markup-compatibility/2006">
+    <mc:Choice xmlns:p14="http://schemas.microsoft.com/office/powerpoint/2010/main" Requires="p14">
       <p:transition p14:dur="0" advTm="0"/>
     </mc:Choice>
-    <mc:Fallback xmlns="">
+    <mc:Fallback>
       <p:transition advTm="0"/>
     </mc:Fallback>
   </mc:AlternateContent>
@@ -9983,7 +9843,7 @@
           <p:nvPr/>
         </p:nvPicPr>
         <p:blipFill>
-          <a:blip r:embed="rId3" cstate="print">
+          <a:blip r:embed="rId1" cstate="print">
             <a:extLst>
               <a:ext uri="{28A0092B-C50C-407E-A947-70E740481C1C}">
                 <a14:useLocalDpi xmlns:a14="http://schemas.microsoft.com/office/drawing/2010/main" val="0"/>
@@ -10012,6 +9872,8 @@
               <a:srgbClr val="FFFFFF"/>
             </a:solidFill>
             <a:miter lim="800000"/>
+            <a:headEnd/>
+            <a:tailEnd/>
           </a:ln>
           <a:effectLst>
             <a:outerShdw blurRad="55000" dist="18000" dir="5400000" algn="tl" rotWithShape="0">
@@ -10043,7 +9905,7 @@
           <p:nvPr/>
         </p:nvPicPr>
         <p:blipFill>
-          <a:blip r:embed="rId4" cstate="print">
+          <a:blip r:embed="rId2" cstate="print">
             <a:extLst>
               <a:ext uri="{28A0092B-C50C-407E-A947-70E740481C1C}">
                 <a14:useLocalDpi xmlns:a14="http://schemas.microsoft.com/office/drawing/2010/main" val="0"/>
@@ -10072,6 +9934,8 @@
               <a:srgbClr val="FFFFFF"/>
             </a:solidFill>
             <a:miter lim="800000"/>
+            <a:headEnd/>
+            <a:tailEnd/>
           </a:ln>
           <a:effectLst>
             <a:outerShdw blurRad="55000" dist="18000" dir="5400000" algn="tl" rotWithShape="0">
@@ -10103,7 +9967,7 @@
           <p:nvPr/>
         </p:nvPicPr>
         <p:blipFill>
-          <a:blip r:embed="rId5" cstate="print">
+          <a:blip r:embed="rId3" cstate="print">
             <a:extLst>
               <a:ext uri="{28A0092B-C50C-407E-A947-70E740481C1C}">
                 <a14:useLocalDpi xmlns:a14="http://schemas.microsoft.com/office/drawing/2010/main" val="0"/>
@@ -10132,6 +9996,8 @@
               <a:srgbClr val="FFFFFF"/>
             </a:solidFill>
             <a:miter lim="800000"/>
+            <a:headEnd/>
+            <a:tailEnd/>
           </a:ln>
           <a:effectLst>
             <a:outerShdw blurRad="55000" dist="18000" dir="5400000" algn="tl" rotWithShape="0">
@@ -10163,7 +10029,7 @@
           <p:nvPr/>
         </p:nvPicPr>
         <p:blipFill>
-          <a:blip r:embed="rId6" cstate="print">
+          <a:blip r:embed="rId4" cstate="print">
             <a:extLst>
               <a:ext uri="{28A0092B-C50C-407E-A947-70E740481C1C}">
                 <a14:useLocalDpi xmlns:a14="http://schemas.microsoft.com/office/drawing/2010/main" val="0"/>
@@ -10192,6 +10058,8 @@
               <a:srgbClr val="FFFFFF"/>
             </a:solidFill>
             <a:miter lim="800000"/>
+            <a:headEnd/>
+            <a:tailEnd/>
           </a:ln>
           <a:effectLst>
             <a:outerShdw blurRad="55000" dist="18000" dir="5400000" algn="tl" rotWithShape="0">
@@ -10223,7 +10091,7 @@
           <p:nvPr/>
         </p:nvPicPr>
         <p:blipFill>
-          <a:blip r:embed="rId7" cstate="print">
+          <a:blip r:embed="rId5" cstate="print">
             <a:extLst>
               <a:ext uri="{28A0092B-C50C-407E-A947-70E740481C1C}">
                 <a14:useLocalDpi xmlns:a14="http://schemas.microsoft.com/office/drawing/2010/main" val="0"/>
@@ -10252,6 +10120,8 @@
               <a:srgbClr val="FFFFFF"/>
             </a:solidFill>
             <a:miter lim="800000"/>
+            <a:headEnd/>
+            <a:tailEnd/>
           </a:ln>
           <a:effectLst>
             <a:outerShdw blurRad="55000" dist="18000" dir="5400000" algn="tl" rotWithShape="0">
@@ -10283,7 +10153,7 @@
           <p:nvPr/>
         </p:nvPicPr>
         <p:blipFill>
-          <a:blip r:embed="rId8" cstate="print">
+          <a:blip r:embed="rId6" cstate="print">
             <a:extLst>
               <a:ext uri="{28A0092B-C50C-407E-A947-70E740481C1C}">
                 <a14:useLocalDpi xmlns:a14="http://schemas.microsoft.com/office/drawing/2010/main" val="0"/>
@@ -10312,6 +10182,8 @@
               <a:srgbClr val="FFFFFF"/>
             </a:solidFill>
             <a:miter lim="800000"/>
+            <a:headEnd/>
+            <a:tailEnd/>
           </a:ln>
           <a:effectLst>
             <a:outerShdw blurRad="55000" dist="18000" dir="5400000" algn="tl" rotWithShape="0">
@@ -10343,7 +10215,7 @@
           <p:nvPr/>
         </p:nvPicPr>
         <p:blipFill>
-          <a:blip r:embed="rId9" cstate="print">
+          <a:blip r:embed="rId7" cstate="print">
             <a:extLst>
               <a:ext uri="{28A0092B-C50C-407E-A947-70E740481C1C}">
                 <a14:useLocalDpi xmlns:a14="http://schemas.microsoft.com/office/drawing/2010/main" val="0"/>
@@ -10372,6 +10244,8 @@
               <a:srgbClr val="FFFFFF"/>
             </a:solidFill>
             <a:miter lim="800000"/>
+            <a:headEnd/>
+            <a:tailEnd/>
           </a:ln>
           <a:effectLst>
             <a:outerShdw blurRad="55000" dist="18000" dir="5400000" algn="tl" rotWithShape="0">
@@ -10435,15 +10309,7 @@
             </a:r>
             <a:r>
               <a:rPr lang="zh-CN" altLang="en-US"/>
-              <a:t>可</a:t>
-            </a:r>
-            <a:r>
-              <a:rPr lang="zh-CN" altLang="en-US"/>
-              <a:t>穿戴情感</a:t>
-            </a:r>
-            <a:r>
-              <a:rPr lang="zh-CN" altLang="en-US"/>
-              <a:t>机器人</a:t>
+              <a:t>可穿戴情感机器人</a:t>
             </a:r>
             <a:endParaRPr lang="en-US" altLang="zh-CN"/>
           </a:p>
@@ -10500,7 +10366,6 @@
               <a:buSzTx/>
               <a:buFontTx/>
               <a:buNone/>
-              <a:tabLst/>
               <a:defRPr/>
             </a:pPr>
             <a:r>
@@ -10668,7 +10533,6 @@
               <a:buSzTx/>
               <a:buFontTx/>
               <a:buNone/>
-              <a:tabLst/>
               <a:defRPr/>
             </a:pPr>
             <a:r>
@@ -10818,7 +10682,6 @@
               <a:buSzTx/>
               <a:buFontTx/>
               <a:buNone/>
-              <a:tabLst/>
               <a:defRPr/>
             </a:pPr>
             <a:r>
@@ -10933,7 +10796,6 @@
               <a:buSzTx/>
               <a:buFontTx/>
               <a:buNone/>
-              <a:tabLst/>
               <a:defRPr/>
             </a:pPr>
             <a:r>
@@ -11048,7 +10910,6 @@
               <a:buSzTx/>
               <a:buFontTx/>
               <a:buNone/>
-              <a:tabLst/>
               <a:defRPr/>
             </a:pPr>
             <a:r>
@@ -11163,7 +11024,6 @@
               <a:buSzTx/>
               <a:buFontTx/>
               <a:buNone/>
-              <a:tabLst/>
               <a:defRPr/>
             </a:pPr>
             <a:r>
@@ -11278,7 +11138,6 @@
               <a:buSzTx/>
               <a:buFontTx/>
               <a:buNone/>
-              <a:tabLst/>
               <a:defRPr/>
             </a:pPr>
             <a:r>
@@ -11364,9 +11223,7 @@
       <p:sp>
         <p:nvSpPr>
           <p:cNvPr id="22" name="Title 1"/>
-          <p:cNvSpPr txBox="1">
-            <a:spLocks/>
-          </p:cNvSpPr>
+          <p:cNvSpPr txBox="1"/>
           <p:nvPr/>
         </p:nvSpPr>
         <p:spPr>
@@ -11413,7 +11270,6 @@
               <a:buSzTx/>
               <a:buFontTx/>
               <a:buNone/>
-              <a:tabLst/>
               <a:defRPr/>
             </a:pPr>
             <a:r>
@@ -11533,20 +11389,15 @@
         </p:txBody>
       </p:sp>
     </p:spTree>
-    <p:extLst>
-      <p:ext uri="{BB962C8B-B14F-4D97-AF65-F5344CB8AC3E}">
-        <p14:creationId xmlns:p14="http://schemas.microsoft.com/office/powerpoint/2010/main" val="1063611396"/>
-      </p:ext>
-    </p:extLst>
   </p:cSld>
   <p:clrMapOvr>
     <a:masterClrMapping/>
   </p:clrMapOvr>
-  <mc:AlternateContent xmlns:mc="http://schemas.openxmlformats.org/markup-compatibility/2006" xmlns:p14="http://schemas.microsoft.com/office/powerpoint/2010/main">
-    <mc:Choice Requires="p14">
+  <mc:AlternateContent xmlns:mc="http://schemas.openxmlformats.org/markup-compatibility/2006">
+    <mc:Choice xmlns:p14="http://schemas.microsoft.com/office/powerpoint/2010/main" Requires="p14">
       <p:transition p14:dur="0" advTm="0"/>
     </mc:Choice>
-    <mc:Fallback xmlns="">
+    <mc:Fallback>
       <p:transition advTm="0"/>
     </mc:Fallback>
   </mc:AlternateContent>
@@ -11586,7 +11437,7 @@
           <p:nvPr/>
         </p:nvPicPr>
         <p:blipFill>
-          <a:blip r:embed="rId3" cstate="print">
+          <a:blip r:embed="rId1" cstate="print">
             <a:extLst>
               <a:ext uri="{28A0092B-C50C-407E-A947-70E740481C1C}">
                 <a14:useLocalDpi xmlns:a14="http://schemas.microsoft.com/office/drawing/2010/main" val="0"/>
@@ -11630,7 +11481,7 @@
             <p:nvPr/>
           </p:nvPicPr>
           <p:blipFill>
-            <a:blip r:embed="rId4">
+            <a:blip r:embed="rId2">
               <a:extLst>
                 <a:ext uri="{28A0092B-C50C-407E-A947-70E740481C1C}">
                   <a14:useLocalDpi xmlns:a14="http://schemas.microsoft.com/office/drawing/2010/main" val="0"/>
@@ -11706,7 +11557,6 @@
                 <a:buSzTx/>
                 <a:buFontTx/>
                 <a:buNone/>
-                <a:tabLst/>
                 <a:defRPr/>
               </a:pPr>
               <a:endParaRPr kumimoji="0" lang="zh-CN" altLang="en-US" sz="1800" b="0" i="0" u="none" strike="noStrike" kern="1200" cap="none" spc="0" normalizeH="0" baseline="0" noProof="0">
@@ -11730,9 +11580,7 @@
       <p:sp>
         <p:nvSpPr>
           <p:cNvPr id="33" name="Title 1"/>
-          <p:cNvSpPr txBox="1">
-            <a:spLocks/>
-          </p:cNvSpPr>
+          <p:cNvSpPr txBox="1"/>
           <p:nvPr/>
         </p:nvSpPr>
         <p:spPr>
@@ -11779,7 +11627,6 @@
               <a:buSzTx/>
               <a:buFontTx/>
               <a:buNone/>
-              <a:tabLst/>
               <a:defRPr/>
             </a:pPr>
             <a:r>
@@ -11934,7 +11781,6 @@
               <a:buSzTx/>
               <a:buFontTx/>
               <a:buNone/>
-              <a:tabLst/>
               <a:defRPr/>
             </a:pPr>
             <a:r>
@@ -11988,7 +11834,7 @@
           <p:nvPr/>
         </p:nvPicPr>
         <p:blipFill>
-          <a:blip r:embed="rId5">
+          <a:blip r:embed="rId3">
             <a:extLst>
               <a:ext uri="{28A0092B-C50C-407E-A947-70E740481C1C}">
                 <a14:useLocalDpi xmlns:a14="http://schemas.microsoft.com/office/drawing/2010/main" val="0"/>
@@ -12047,7 +11893,6 @@
               <a:buSzTx/>
               <a:buFontTx/>
               <a:buNone/>
-              <a:tabLst/>
               <a:defRPr kumimoji="0" sz="1200" b="1" i="0" u="none" strike="noStrike" cap="none" spc="0" normalizeH="0" baseline="0">
                 <a:ln>
                   <a:noFill/>
@@ -12067,11 +11912,7 @@
             </a:r>
             <a:r>
               <a:rPr lang="zh-CN" altLang="en-US"/>
-              <a:t>人脸情感</a:t>
-            </a:r>
-            <a:r>
-              <a:rPr lang="zh-CN" altLang="en-US"/>
-              <a:t>识别</a:t>
+              <a:t>人脸情感识别</a:t>
             </a:r>
             <a:r>
               <a:rPr lang="en-US" altLang="zh-CN"/>
@@ -12079,11 +11920,7 @@
             </a:r>
             <a:r>
               <a:rPr lang="zh-CN" altLang="en-US"/>
-              <a:t>深度</a:t>
-            </a:r>
-            <a:r>
-              <a:rPr lang="zh-CN" altLang="en-US"/>
-              <a:t>卷积神经网络架构</a:t>
+              <a:t>深度卷积神经网络架构</a:t>
             </a:r>
             <a:endParaRPr lang="zh-CN" altLang="en-US" dirty="0"/>
           </a:p>
@@ -12127,7 +11964,6 @@
               <a:buSzTx/>
               <a:buFontTx/>
               <a:buNone/>
-              <a:tabLst/>
               <a:defRPr kumimoji="0" sz="1200" b="1" i="0" u="none" strike="noStrike" cap="none" spc="0" normalizeH="0" baseline="0">
                 <a:ln>
                   <a:noFill/>
@@ -12147,11 +11983,7 @@
             </a:r>
             <a:r>
               <a:rPr lang="zh-CN" altLang="en-US"/>
-              <a:t>语音情感</a:t>
-            </a:r>
-            <a:r>
-              <a:rPr lang="zh-CN" altLang="en-US"/>
-              <a:t>识别</a:t>
+              <a:t>语音情感识别</a:t>
             </a:r>
             <a:r>
               <a:rPr lang="en-US" altLang="zh-CN"/>
@@ -12159,11 +11991,7 @@
             </a:r>
             <a:r>
               <a:rPr lang="zh-CN" altLang="en-US"/>
-              <a:t>深度卷积</a:t>
-            </a:r>
-            <a:r>
-              <a:rPr lang="zh-CN" altLang="en-US"/>
-              <a:t>神经网络</a:t>
+              <a:t>深度卷积神经网络</a:t>
             </a:r>
             <a:endParaRPr lang="zh-CN" altLang="en-US" dirty="0"/>
           </a:p>
@@ -12178,7 +12006,7 @@
           <p:nvPr/>
         </p:nvPicPr>
         <p:blipFill>
-          <a:blip r:embed="rId6" cstate="print">
+          <a:blip r:embed="rId4" cstate="print">
             <a:extLst>
               <a:ext uri="{28A0092B-C50C-407E-A947-70E740481C1C}">
                 <a14:useLocalDpi xmlns:a14="http://schemas.microsoft.com/office/drawing/2010/main" val="0"/>
@@ -12254,7 +12082,6 @@
               <a:buSzTx/>
               <a:buFontTx/>
               <a:buNone/>
-              <a:tabLst/>
               <a:defRPr/>
             </a:pPr>
             <a:endParaRPr kumimoji="0" lang="zh-CN" altLang="en-US" sz="1800" b="0" i="0" u="none" strike="noStrike" kern="1200" cap="none" spc="0" normalizeH="0" baseline="0" noProof="0">
@@ -12334,7 +12161,6 @@
               <a:buSzTx/>
               <a:buFontTx/>
               <a:buNone/>
-              <a:tabLst/>
               <a:defRPr/>
             </a:pPr>
             <a:endParaRPr kumimoji="0" lang="zh-CN" altLang="en-US" sz="1800" b="0" i="0" u="none" strike="noStrike" kern="1200" cap="none" spc="0" normalizeH="0" baseline="0" noProof="0">
@@ -12363,7 +12189,7 @@
           <p:nvPr/>
         </p:nvPicPr>
         <p:blipFill>
-          <a:blip r:embed="rId7" cstate="print">
+          <a:blip r:embed="rId5" cstate="print">
             <a:extLst>
               <a:ext uri="{28A0092B-C50C-407E-A947-70E740481C1C}">
                 <a14:useLocalDpi xmlns:a14="http://schemas.microsoft.com/office/drawing/2010/main" val="0"/>
@@ -12422,7 +12248,6 @@
               <a:buSzTx/>
               <a:buFontTx/>
               <a:buNone/>
-              <a:tabLst/>
               <a:defRPr kumimoji="0" sz="1200" b="1" i="0" u="none" strike="noStrike" cap="none" spc="0" normalizeH="0" baseline="0">
                 <a:ln>
                   <a:noFill/>
@@ -12442,11 +12267,7 @@
             </a:r>
             <a:r>
               <a:rPr lang="zh-CN" altLang="en-US"/>
-              <a:t>人脸</a:t>
-            </a:r>
-            <a:r>
-              <a:rPr lang="zh-CN" altLang="en-US"/>
-              <a:t>情感库</a:t>
+              <a:t>人脸情感库</a:t>
             </a:r>
             <a:endParaRPr lang="zh-CN" altLang="en-US" dirty="0"/>
           </a:p>
@@ -12493,15 +12314,7 @@
             </a:r>
             <a:r>
               <a:rPr lang="zh-CN" altLang="en-US"/>
-              <a:t>可</a:t>
-            </a:r>
-            <a:r>
-              <a:rPr lang="zh-CN" altLang="en-US"/>
-              <a:t>穿戴情感</a:t>
-            </a:r>
-            <a:r>
-              <a:rPr lang="zh-CN" altLang="en-US"/>
-              <a:t>机器人</a:t>
+              <a:t>可穿戴情感机器人</a:t>
             </a:r>
             <a:endParaRPr lang="en-US" altLang="zh-CN"/>
           </a:p>
@@ -12523,20 +12336,15 @@
         </p:txBody>
       </p:sp>
     </p:spTree>
-    <p:extLst>
-      <p:ext uri="{BB962C8B-B14F-4D97-AF65-F5344CB8AC3E}">
-        <p14:creationId xmlns:p14="http://schemas.microsoft.com/office/powerpoint/2010/main" val="3910708539"/>
-      </p:ext>
-    </p:extLst>
   </p:cSld>
   <p:clrMapOvr>
     <a:masterClrMapping/>
   </p:clrMapOvr>
-  <mc:AlternateContent xmlns:mc="http://schemas.openxmlformats.org/markup-compatibility/2006" xmlns:p14="http://schemas.microsoft.com/office/powerpoint/2010/main">
-    <mc:Choice Requires="p14">
+  <mc:AlternateContent xmlns:mc="http://schemas.openxmlformats.org/markup-compatibility/2006">
+    <mc:Choice xmlns:p14="http://schemas.microsoft.com/office/powerpoint/2010/main" Requires="p14">
       <p:transition p14:dur="0" advTm="0"/>
     </mc:Choice>
-    <mc:Fallback xmlns="">
+    <mc:Fallback>
       <p:transition advTm="0"/>
     </mc:Fallback>
   </mc:AlternateContent>
@@ -12610,7 +12418,6 @@
               <a:buSzTx/>
               <a:buFontTx/>
               <a:buNone/>
-              <a:tabLst/>
               <a:defRPr/>
             </a:pPr>
             <a:r>
@@ -12624,8 +12431,8 @@
                 <a:effectLst/>
                 <a:uLnTx/>
                 <a:uFillTx/>
-                <a:latin typeface="微软雅黑" pitchFamily="34" charset="-122"/>
-                <a:ea typeface="微软雅黑" pitchFamily="34" charset="-122"/>
+                <a:latin typeface="微软雅黑" panose="020B0503020204020204" pitchFamily="34" charset="-122"/>
+                <a:ea typeface="微软雅黑" panose="020B0503020204020204" pitchFamily="34" charset="-122"/>
                 <a:cs typeface="+mn-cs"/>
               </a:rPr>
               <a:t>问题：</a:t>
@@ -12640,8 +12447,8 @@
               <a:effectLst/>
               <a:uLnTx/>
               <a:uFillTx/>
-              <a:latin typeface="微软雅黑" pitchFamily="34" charset="-122"/>
-              <a:ea typeface="微软雅黑" pitchFamily="34" charset="-122"/>
+              <a:latin typeface="微软雅黑" panose="020B0503020204020204" pitchFamily="34" charset="-122"/>
+              <a:ea typeface="微软雅黑" panose="020B0503020204020204" pitchFamily="34" charset="-122"/>
               <a:cs typeface="+mn-cs"/>
             </a:endParaRPr>
           </a:p>
@@ -12660,7 +12467,6 @@
               <a:buSzTx/>
               <a:buFontTx/>
               <a:buNone/>
-              <a:tabLst/>
               <a:defRPr/>
             </a:pPr>
             <a:r>
@@ -12674,8 +12480,8 @@
                 <a:effectLst/>
                 <a:uLnTx/>
                 <a:uFillTx/>
-                <a:latin typeface="微软雅黑" pitchFamily="34" charset="-122"/>
-                <a:ea typeface="微软雅黑" pitchFamily="34" charset="-122"/>
+                <a:latin typeface="微软雅黑" panose="020B0503020204020204" pitchFamily="34" charset="-122"/>
+                <a:ea typeface="微软雅黑" panose="020B0503020204020204" pitchFamily="34" charset="-122"/>
                 <a:cs typeface="+mn-cs"/>
               </a:rPr>
               <a:t>（</a:t>
@@ -12691,8 +12497,8 @@
                 <a:effectLst/>
                 <a:uLnTx/>
                 <a:uFillTx/>
-                <a:latin typeface="微软雅黑" pitchFamily="34" charset="-122"/>
-                <a:ea typeface="微软雅黑" pitchFamily="34" charset="-122"/>
+                <a:latin typeface="微软雅黑" panose="020B0503020204020204" pitchFamily="34" charset="-122"/>
+                <a:ea typeface="微软雅黑" panose="020B0503020204020204" pitchFamily="34" charset="-122"/>
                 <a:cs typeface="+mn-cs"/>
               </a:rPr>
               <a:t>1</a:t>
@@ -12708,8 +12514,8 @@
                 <a:effectLst/>
                 <a:uLnTx/>
                 <a:uFillTx/>
-                <a:latin typeface="微软雅黑" pitchFamily="34" charset="-122"/>
-                <a:ea typeface="微软雅黑" pitchFamily="34" charset="-122"/>
+                <a:latin typeface="微软雅黑" panose="020B0503020204020204" pitchFamily="34" charset="-122"/>
+                <a:ea typeface="微软雅黑" panose="020B0503020204020204" pitchFamily="34" charset="-122"/>
                 <a:cs typeface="+mn-cs"/>
               </a:rPr>
               <a:t>）</a:t>
@@ -12728,8 +12534,8 @@
                 <a:effectLst/>
                 <a:uLnTx/>
                 <a:uFillTx/>
-                <a:latin typeface="微软雅黑" pitchFamily="34" charset="-122"/>
-                <a:ea typeface="微软雅黑" pitchFamily="34" charset="-122"/>
+                <a:latin typeface="微软雅黑" panose="020B0503020204020204" pitchFamily="34" charset="-122"/>
+                <a:ea typeface="微软雅黑" panose="020B0503020204020204" pitchFamily="34" charset="-122"/>
                 <a:cs typeface="+mn-cs"/>
               </a:rPr>
               <a:t>如何对采集的海量的无标签数据进行标签？</a:t>
@@ -12747,8 +12553,8 @@
               <a:effectLst/>
               <a:uLnTx/>
               <a:uFillTx/>
-              <a:latin typeface="微软雅黑" pitchFamily="34" charset="-122"/>
-              <a:ea typeface="微软雅黑" pitchFamily="34" charset="-122"/>
+              <a:latin typeface="微软雅黑" panose="020B0503020204020204" pitchFamily="34" charset="-122"/>
+              <a:ea typeface="微软雅黑" panose="020B0503020204020204" pitchFamily="34" charset="-122"/>
               <a:cs typeface="+mn-cs"/>
             </a:endParaRPr>
           </a:p>
@@ -12767,7 +12573,6 @@
               <a:buSzTx/>
               <a:buFontTx/>
               <a:buNone/>
-              <a:tabLst/>
               <a:defRPr/>
             </a:pPr>
             <a:r>
@@ -12781,8 +12586,8 @@
                 <a:effectLst/>
                 <a:uLnTx/>
                 <a:uFillTx/>
-                <a:latin typeface="微软雅黑" pitchFamily="34" charset="-122"/>
-                <a:ea typeface="微软雅黑" pitchFamily="34" charset="-122"/>
+                <a:latin typeface="微软雅黑" panose="020B0503020204020204" pitchFamily="34" charset="-122"/>
+                <a:ea typeface="微软雅黑" panose="020B0503020204020204" pitchFamily="34" charset="-122"/>
                 <a:cs typeface="+mn-cs"/>
               </a:rPr>
               <a:t>（</a:t>
@@ -12798,8 +12603,8 @@
                 <a:effectLst/>
                 <a:uLnTx/>
                 <a:uFillTx/>
-                <a:latin typeface="微软雅黑" pitchFamily="34" charset="-122"/>
-                <a:ea typeface="微软雅黑" pitchFamily="34" charset="-122"/>
+                <a:latin typeface="微软雅黑" panose="020B0503020204020204" pitchFamily="34" charset="-122"/>
+                <a:ea typeface="微软雅黑" panose="020B0503020204020204" pitchFamily="34" charset="-122"/>
                 <a:cs typeface="+mn-cs"/>
               </a:rPr>
               <a:t>2</a:t>
@@ -12815,8 +12620,8 @@
                 <a:effectLst/>
                 <a:uLnTx/>
                 <a:uFillTx/>
-                <a:latin typeface="微软雅黑" pitchFamily="34" charset="-122"/>
-                <a:ea typeface="微软雅黑" pitchFamily="34" charset="-122"/>
+                <a:latin typeface="微软雅黑" panose="020B0503020204020204" pitchFamily="34" charset="-122"/>
+                <a:ea typeface="微软雅黑" panose="020B0503020204020204" pitchFamily="34" charset="-122"/>
                 <a:cs typeface="+mn-cs"/>
               </a:rPr>
               <a:t>）</a:t>
@@ -12835,8 +12640,8 @@
                 <a:effectLst/>
                 <a:uLnTx/>
                 <a:uFillTx/>
-                <a:latin typeface="微软雅黑" pitchFamily="34" charset="-122"/>
-                <a:ea typeface="微软雅黑" pitchFamily="34" charset="-122"/>
+                <a:latin typeface="微软雅黑" panose="020B0503020204020204" pitchFamily="34" charset="-122"/>
+                <a:ea typeface="微软雅黑" panose="020B0503020204020204" pitchFamily="34" charset="-122"/>
                 <a:cs typeface="+mn-cs"/>
               </a:rPr>
               <a:t>如何利用大量无标签的数据，来提高情感识别的准确度</a:t>
@@ -12851,10 +12656,10 @@
               <a:effectLst/>
               <a:uLnTx/>
               <a:uFillTx/>
-              <a:latin typeface="微软雅黑" pitchFamily="34" charset="-122"/>
-              <a:ea typeface="微软雅黑" pitchFamily="34" charset="-122"/>
+              <a:latin typeface="微软雅黑" panose="020B0503020204020204" pitchFamily="34" charset="-122"/>
+              <a:ea typeface="微软雅黑" panose="020B0503020204020204" pitchFamily="34" charset="-122"/>
               <a:cs typeface="+mn-cs"/>
-              <a:sym typeface="微软雅黑" pitchFamily="34" charset="-122"/>
+              <a:sym typeface="微软雅黑" panose="020B0503020204020204" pitchFamily="34" charset="-122"/>
             </a:endParaRPr>
           </a:p>
         </p:txBody>
@@ -12868,7 +12673,7 @@
           <p:nvPr/>
         </p:nvPicPr>
         <p:blipFill>
-          <a:blip r:embed="rId3"/>
+          <a:blip r:embed="rId1"/>
           <a:stretch>
             <a:fillRect/>
           </a:stretch>
@@ -12892,7 +12697,7 @@
           <p:nvPr/>
         </p:nvPicPr>
         <p:blipFill>
-          <a:blip r:embed="rId4"/>
+          <a:blip r:embed="rId2"/>
           <a:stretch>
             <a:fillRect/>
           </a:stretch>
@@ -12942,7 +12747,6 @@
               <a:buSzTx/>
               <a:buFontTx/>
               <a:buNone/>
-              <a:tabLst/>
               <a:defRPr/>
             </a:pPr>
             <a:r>
@@ -13014,7 +12818,6 @@
               <a:buSzTx/>
               <a:buFontTx/>
               <a:buNone/>
-              <a:tabLst/>
               <a:defRPr/>
             </a:pPr>
             <a:r>
@@ -13028,9 +12831,9 @@
                 <a:effectLst/>
                 <a:uLnTx/>
                 <a:uFillTx/>
-                <a:latin typeface="Arial" panose="020B0604020202020204" pitchFamily="34" charset="0"/>
-                <a:ea typeface="微软雅黑" panose="020B0503020204020204" pitchFamily="34" charset="-122"/>
-                <a:cs typeface="Arial" panose="020B0604020202020204" pitchFamily="34" charset="0"/>
+                <a:latin typeface="Arial" panose="02080604020202020204" pitchFamily="34" charset="0"/>
+                <a:ea typeface="微软雅黑" panose="020B0503020204020204" pitchFamily="34" charset="-122"/>
+                <a:cs typeface="Arial" panose="02080604020202020204" pitchFamily="34" charset="0"/>
               </a:rPr>
               <a:t>Min Chen, </a:t>
             </a:r>
@@ -13045,9 +12848,9 @@
                 <a:effectLst/>
                 <a:uLnTx/>
                 <a:uFillTx/>
-                <a:latin typeface="Arial" panose="020B0604020202020204" pitchFamily="34" charset="0"/>
-                <a:ea typeface="微软雅黑" panose="020B0503020204020204" pitchFamily="34" charset="-122"/>
-                <a:cs typeface="Arial" panose="020B0604020202020204" pitchFamily="34" charset="0"/>
+                <a:latin typeface="Arial" panose="02080604020202020204" pitchFamily="34" charset="0"/>
+                <a:ea typeface="微软雅黑" panose="020B0503020204020204" pitchFamily="34" charset="-122"/>
+                <a:cs typeface="Arial" panose="02080604020202020204" pitchFamily="34" charset="0"/>
               </a:rPr>
               <a:t>et al., “Label-less </a:t>
             </a:r>
@@ -13062,9 +12865,9 @@
                 <a:effectLst/>
                 <a:uLnTx/>
                 <a:uFillTx/>
-                <a:latin typeface="Arial" panose="020B0604020202020204" pitchFamily="34" charset="0"/>
-                <a:ea typeface="微软雅黑" panose="020B0503020204020204" pitchFamily="34" charset="-122"/>
-                <a:cs typeface="Arial" panose="020B0604020202020204" pitchFamily="34" charset="0"/>
+                <a:latin typeface="Arial" panose="02080604020202020204" pitchFamily="34" charset="0"/>
+                <a:ea typeface="微软雅黑" panose="020B0503020204020204" pitchFamily="34" charset="-122"/>
+                <a:cs typeface="Arial" panose="02080604020202020204" pitchFamily="34" charset="0"/>
               </a:rPr>
               <a:t>Learning for Traffic Control in an Edge </a:t>
             </a:r>
@@ -13079,9 +12882,9 @@
                 <a:effectLst/>
                 <a:uLnTx/>
                 <a:uFillTx/>
-                <a:latin typeface="Arial" panose="020B0604020202020204" pitchFamily="34" charset="0"/>
-                <a:ea typeface="微软雅黑" panose="020B0503020204020204" pitchFamily="34" charset="-122"/>
-                <a:cs typeface="Arial" panose="020B0604020202020204" pitchFamily="34" charset="0"/>
+                <a:latin typeface="Arial" panose="02080604020202020204" pitchFamily="34" charset="0"/>
+                <a:ea typeface="微软雅黑" panose="020B0503020204020204" pitchFamily="34" charset="-122"/>
+                <a:cs typeface="Arial" panose="02080604020202020204" pitchFamily="34" charset="0"/>
               </a:rPr>
               <a:t>Network”,</a:t>
             </a:r>
@@ -13096,9 +12899,9 @@
                 <a:effectLst/>
                 <a:uLnTx/>
                 <a:uFillTx/>
-                <a:latin typeface="Arial" panose="020B0604020202020204" pitchFamily="34" charset="0"/>
-                <a:ea typeface="微软雅黑" panose="020B0503020204020204" pitchFamily="34" charset="-122"/>
-                <a:cs typeface="Arial" panose="020B0604020202020204" pitchFamily="34" charset="0"/>
+                <a:latin typeface="Arial" panose="02080604020202020204" pitchFamily="34" charset="0"/>
+                <a:ea typeface="微软雅黑" panose="020B0503020204020204" pitchFamily="34" charset="-122"/>
+                <a:cs typeface="Arial" panose="02080604020202020204" pitchFamily="34" charset="0"/>
               </a:rPr>
               <a:t> </a:t>
             </a:r>
@@ -13113,9 +12916,9 @@
                 <a:effectLst/>
                 <a:uLnTx/>
                 <a:uFillTx/>
-                <a:latin typeface="Arial" panose="020B0604020202020204" pitchFamily="34" charset="0"/>
-                <a:ea typeface="微软雅黑" panose="020B0503020204020204" pitchFamily="34" charset="-122"/>
-                <a:cs typeface="Arial" panose="020B0604020202020204" pitchFamily="34" charset="0"/>
+                <a:latin typeface="Arial" panose="02080604020202020204" pitchFamily="34" charset="0"/>
+                <a:ea typeface="微软雅黑" panose="020B0503020204020204" pitchFamily="34" charset="-122"/>
+                <a:cs typeface="Arial" panose="02080604020202020204" pitchFamily="34" charset="0"/>
               </a:rPr>
               <a:t>IEEE Network</a:t>
             </a:r>
@@ -13130,9 +12933,9 @@
                 <a:effectLst/>
                 <a:uLnTx/>
                 <a:uFillTx/>
-                <a:latin typeface="Arial" panose="020B0604020202020204" pitchFamily="34" charset="0"/>
-                <a:ea typeface="微软雅黑" panose="020B0503020204020204" pitchFamily="34" charset="-122"/>
-                <a:cs typeface="Arial" panose="020B0604020202020204" pitchFamily="34" charset="0"/>
+                <a:latin typeface="Arial" panose="02080604020202020204" pitchFamily="34" charset="0"/>
+                <a:ea typeface="微软雅黑" panose="020B0503020204020204" pitchFamily="34" charset="-122"/>
+                <a:cs typeface="Arial" panose="02080604020202020204" pitchFamily="34" charset="0"/>
               </a:rPr>
               <a:t>, Vol. 32, No. 6, Nov. </a:t>
             </a:r>
@@ -13147,9 +12950,9 @@
                 <a:effectLst/>
                 <a:uLnTx/>
                 <a:uFillTx/>
-                <a:latin typeface="Arial" panose="020B0604020202020204" pitchFamily="34" charset="0"/>
-                <a:ea typeface="微软雅黑" panose="020B0503020204020204" pitchFamily="34" charset="-122"/>
-                <a:cs typeface="Arial" panose="020B0604020202020204" pitchFamily="34" charset="0"/>
+                <a:latin typeface="Arial" panose="02080604020202020204" pitchFamily="34" charset="0"/>
+                <a:ea typeface="微软雅黑" panose="020B0503020204020204" pitchFamily="34" charset="-122"/>
+                <a:cs typeface="Arial" panose="02080604020202020204" pitchFamily="34" charset="0"/>
               </a:rPr>
               <a:t>2018 (JCR</a:t>
             </a:r>
@@ -13164,9 +12967,9 @@
                 <a:effectLst/>
                 <a:uLnTx/>
                 <a:uFillTx/>
-                <a:latin typeface="Arial" panose="020B0604020202020204" pitchFamily="34" charset="0"/>
-                <a:ea typeface="微软雅黑" panose="020B0503020204020204" pitchFamily="34" charset="-122"/>
-                <a:cs typeface="Arial" panose="020B0604020202020204" pitchFamily="34" charset="0"/>
+                <a:latin typeface="Arial" panose="02080604020202020204" pitchFamily="34" charset="0"/>
+                <a:ea typeface="微软雅黑" panose="020B0503020204020204" pitchFamily="34" charset="-122"/>
+                <a:cs typeface="Arial" panose="02080604020202020204" pitchFamily="34" charset="0"/>
               </a:rPr>
               <a:t>一区，影响因子</a:t>
             </a:r>
@@ -13181,9 +12984,9 @@
                 <a:effectLst/>
                 <a:uLnTx/>
                 <a:uFillTx/>
-                <a:latin typeface="Arial" panose="020B0604020202020204" pitchFamily="34" charset="0"/>
-                <a:ea typeface="微软雅黑" panose="020B0503020204020204" pitchFamily="34" charset="-122"/>
-                <a:cs typeface="Arial" panose="020B0604020202020204" pitchFamily="34" charset="0"/>
+                <a:latin typeface="Arial" panose="02080604020202020204" pitchFamily="34" charset="0"/>
+                <a:ea typeface="微软雅黑" panose="020B0503020204020204" pitchFamily="34" charset="-122"/>
+                <a:cs typeface="Arial" panose="02080604020202020204" pitchFamily="34" charset="0"/>
               </a:rPr>
               <a:t>: 7.23)</a:t>
             </a:r>
@@ -13197,9 +13000,9 @@
               <a:effectLst/>
               <a:uLnTx/>
               <a:uFillTx/>
-              <a:latin typeface="Arial" panose="020B0604020202020204" pitchFamily="34" charset="0"/>
+              <a:latin typeface="Arial" panose="02080604020202020204" pitchFamily="34" charset="0"/>
               <a:ea typeface="微软雅黑" panose="020B0503020204020204" pitchFamily="34" charset="-122"/>
-              <a:cs typeface="Arial" panose="020B0604020202020204" pitchFamily="34" charset="0"/>
+              <a:cs typeface="Arial" panose="02080604020202020204" pitchFamily="34" charset="0"/>
             </a:endParaRPr>
           </a:p>
         </p:txBody>
@@ -13207,9 +13010,7 @@
       <p:sp>
         <p:nvSpPr>
           <p:cNvPr id="11" name="Title 1"/>
-          <p:cNvSpPr txBox="1">
-            <a:spLocks/>
-          </p:cNvSpPr>
+          <p:cNvSpPr txBox="1"/>
           <p:nvPr/>
         </p:nvSpPr>
         <p:spPr>
@@ -13256,7 +13057,6 @@
               <a:buSzTx/>
               <a:buFontTx/>
               <a:buNone/>
-              <a:tabLst/>
               <a:defRPr/>
             </a:pPr>
             <a:r>
@@ -13417,15 +13217,7 @@
             </a:r>
             <a:r>
               <a:rPr lang="zh-CN" altLang="en-US"/>
-              <a:t>可</a:t>
-            </a:r>
-            <a:r>
-              <a:rPr lang="zh-CN" altLang="en-US"/>
-              <a:t>穿戴情感</a:t>
-            </a:r>
-            <a:r>
-              <a:rPr lang="zh-CN" altLang="en-US"/>
-              <a:t>机器人</a:t>
+              <a:t>可穿戴情感机器人</a:t>
             </a:r>
             <a:endParaRPr lang="en-US" altLang="zh-CN"/>
           </a:p>
@@ -13448,20 +13240,15 @@
         </p:txBody>
       </p:sp>
     </p:spTree>
-    <p:extLst>
-      <p:ext uri="{BB962C8B-B14F-4D97-AF65-F5344CB8AC3E}">
-        <p14:creationId xmlns:p14="http://schemas.microsoft.com/office/powerpoint/2010/main" val="2363941683"/>
-      </p:ext>
-    </p:extLst>
   </p:cSld>
   <p:clrMapOvr>
     <a:masterClrMapping/>
   </p:clrMapOvr>
-  <mc:AlternateContent xmlns:mc="http://schemas.openxmlformats.org/markup-compatibility/2006" xmlns:p14="http://schemas.microsoft.com/office/powerpoint/2010/main">
-    <mc:Choice Requires="p14">
+  <mc:AlternateContent xmlns:mc="http://schemas.openxmlformats.org/markup-compatibility/2006">
+    <mc:Choice xmlns:p14="http://schemas.microsoft.com/office/powerpoint/2010/main" Requires="p14">
       <p:transition p14:dur="0" advTm="0"/>
     </mc:Choice>
-    <mc:Fallback xmlns="">
+    <mc:Fallback>
       <p:transition advTm="0"/>
     </mc:Fallback>
   </mc:AlternateContent>
@@ -13494,13 +13281,7 @@
       </p:grpSpPr>
       <p:grpSp>
         <p:nvGrpSpPr>
-          <p:cNvPr id="14" name="成组">
-            <a:extLst>
-              <a:ext uri="{FF2B5EF4-FFF2-40B4-BE49-F238E27FC236}">
-                <a16:creationId xmlns:a16="http://schemas.microsoft.com/office/drawing/2014/main" id="{9692469E-20EC-4138-B651-9947349B37CF}"/>
-              </a:ext>
-            </a:extLst>
-          </p:cNvPr>
+          <p:cNvPr id="14" name="成组"/>
           <p:cNvGrpSpPr/>
           <p:nvPr/>
         </p:nvGrpSpPr>
@@ -13514,22 +13295,14 @@
         </p:grpSpPr>
         <p:pic>
           <p:nvPicPr>
-            <p:cNvPr id="17" name="image43.jpeg" descr="image43.jpeg">
-              <a:extLst>
-                <a:ext uri="{FF2B5EF4-FFF2-40B4-BE49-F238E27FC236}">
-                  <a16:creationId xmlns:a16="http://schemas.microsoft.com/office/drawing/2014/main" id="{4E4DB5EF-6DD5-4A73-BCA4-8606CBAF6014}"/>
-                </a:ext>
-              </a:extLst>
-            </p:cNvPr>
+            <p:cNvPr id="17" name="image43.jpeg" descr="image43.jpeg"/>
             <p:cNvPicPr>
               <a:picLocks noChangeAspect="1"/>
             </p:cNvPicPr>
             <p:nvPr/>
           </p:nvPicPr>
           <p:blipFill>
-            <a:blip r:embed="rId3">
-              <a:extLst/>
-            </a:blip>
+            <a:blip r:embed="rId1"/>
             <a:srcRect l="896" r="10213"/>
             <a:stretch>
               <a:fillRect/>
@@ -13546,28 +13319,22 @@
             <a:ln w="12700" cap="flat">
               <a:noFill/>
               <a:miter lim="400000"/>
+              <a:headEnd/>
+              <a:tailEnd/>
             </a:ln>
             <a:effectLst/>
           </p:spPr>
         </p:pic>
         <p:pic>
           <p:nvPicPr>
-            <p:cNvPr id="19" name="image44.jpeg" descr="image44.jpeg">
-              <a:extLst>
-                <a:ext uri="{FF2B5EF4-FFF2-40B4-BE49-F238E27FC236}">
-                  <a16:creationId xmlns:a16="http://schemas.microsoft.com/office/drawing/2014/main" id="{17E134BD-0D34-437E-AECA-E020C7DDB01A}"/>
-                </a:ext>
-              </a:extLst>
-            </p:cNvPr>
+            <p:cNvPr id="19" name="image44.jpeg" descr="image44.jpeg"/>
             <p:cNvPicPr>
               <a:picLocks noChangeAspect="1"/>
             </p:cNvPicPr>
             <p:nvPr/>
           </p:nvPicPr>
           <p:blipFill>
-            <a:blip r:embed="rId4">
-              <a:extLst/>
-            </a:blip>
+            <a:blip r:embed="rId2"/>
             <a:stretch>
               <a:fillRect/>
             </a:stretch>
@@ -13583,19 +13350,15 @@
             <a:ln w="12700" cap="flat">
               <a:noFill/>
               <a:miter lim="400000"/>
+              <a:headEnd/>
+              <a:tailEnd/>
             </a:ln>
             <a:effectLst/>
           </p:spPr>
         </p:pic>
         <p:sp>
           <p:nvSpPr>
-            <p:cNvPr id="20" name="圆形">
-              <a:extLst>
-                <a:ext uri="{FF2B5EF4-FFF2-40B4-BE49-F238E27FC236}">
-                  <a16:creationId xmlns:a16="http://schemas.microsoft.com/office/drawing/2014/main" id="{BDC50768-D689-4E5E-82F1-5DEB70C214BB}"/>
-                </a:ext>
-              </a:extLst>
-            </p:cNvPr>
+            <p:cNvPr id="20" name="圆形"/>
             <p:cNvSpPr/>
             <p:nvPr/>
           </p:nvSpPr>
@@ -13636,13 +13399,7 @@
         </p:sp>
         <p:sp>
           <p:nvSpPr>
-            <p:cNvPr id="21" name="线条">
-              <a:extLst>
-                <a:ext uri="{FF2B5EF4-FFF2-40B4-BE49-F238E27FC236}">
-                  <a16:creationId xmlns:a16="http://schemas.microsoft.com/office/drawing/2014/main" id="{77C7BC84-498E-480C-9836-7C506284C425}"/>
-                </a:ext>
-              </a:extLst>
-            </p:cNvPr>
+            <p:cNvPr id="21" name="线条"/>
             <p:cNvSpPr/>
             <p:nvPr/>
           </p:nvSpPr>
@@ -13670,7 +13427,7 @@
             </a:bodyPr>
             <a:lstStyle/>
             <a:p>
-              <a:pPr defTabSz="457206">
+              <a:pPr defTabSz="457200">
                 <a:defRPr sz="1200">
                   <a:latin typeface="Helvetica"/>
                   <a:ea typeface="Helvetica"/>
@@ -13684,22 +13441,14 @@
         </p:sp>
         <p:pic>
           <p:nvPicPr>
-            <p:cNvPr id="22" name="image_42d0d37d.jpg" descr="image_42d0d37d.jpg">
-              <a:extLst>
-                <a:ext uri="{FF2B5EF4-FFF2-40B4-BE49-F238E27FC236}">
-                  <a16:creationId xmlns:a16="http://schemas.microsoft.com/office/drawing/2014/main" id="{DA010336-4D84-4E76-87AF-9A551E98FA6F}"/>
-                </a:ext>
-              </a:extLst>
-            </p:cNvPr>
+            <p:cNvPr id="22" name="image_42d0d37d.jpg" descr="image_42d0d37d.jpg"/>
             <p:cNvPicPr>
               <a:picLocks noChangeAspect="1"/>
             </p:cNvPicPr>
             <p:nvPr/>
           </p:nvPicPr>
           <p:blipFill>
-            <a:blip r:embed="rId5">
-              <a:extLst/>
-            </a:blip>
+            <a:blip r:embed="rId3"/>
             <a:stretch>
               <a:fillRect/>
             </a:stretch>
@@ -13715,19 +13464,15 @@
             <a:ln w="12700" cap="flat">
               <a:noFill/>
               <a:miter lim="400000"/>
+              <a:headEnd/>
+              <a:tailEnd/>
             </a:ln>
             <a:effectLst/>
           </p:spPr>
         </p:pic>
         <p:sp>
           <p:nvSpPr>
-            <p:cNvPr id="23" name="圆形">
-              <a:extLst>
-                <a:ext uri="{FF2B5EF4-FFF2-40B4-BE49-F238E27FC236}">
-                  <a16:creationId xmlns:a16="http://schemas.microsoft.com/office/drawing/2014/main" id="{5ECB03B7-F563-4BB2-AFAC-458A04CC0898}"/>
-                </a:ext>
-              </a:extLst>
-            </p:cNvPr>
+            <p:cNvPr id="23" name="圆形"/>
             <p:cNvSpPr/>
             <p:nvPr/>
           </p:nvSpPr>
@@ -13740,7 +13485,7 @@
               <a:avLst/>
             </a:prstGeom>
             <a:blipFill rotWithShape="1">
-              <a:blip r:embed="rId6"/>
+              <a:blip r:embed="rId4"/>
               <a:srcRect/>
               <a:stretch>
                 <a:fillRect/>
@@ -13764,7 +13509,7 @@
             </a:bodyPr>
             <a:lstStyle/>
             <a:p>
-              <a:pPr defTabSz="457206">
+              <a:pPr defTabSz="457200">
                 <a:defRPr>
                   <a:uFill>
                     <a:solidFill>
@@ -13780,20 +13525,14 @@
       </p:grpSp>
       <p:pic>
         <p:nvPicPr>
-          <p:cNvPr id="6" name="图片 5">
-            <a:extLst>
-              <a:ext uri="{FF2B5EF4-FFF2-40B4-BE49-F238E27FC236}">
-                <a16:creationId xmlns:a16="http://schemas.microsoft.com/office/drawing/2014/main" id="{637F7213-601E-4DDB-BF41-4101A474E77D}"/>
-              </a:ext>
-            </a:extLst>
-          </p:cNvPr>
+          <p:cNvPr id="6" name="图片 5"/>
           <p:cNvPicPr>
             <a:picLocks noChangeAspect="1"/>
           </p:cNvPicPr>
           <p:nvPr/>
         </p:nvPicPr>
         <p:blipFill>
-          <a:blip r:embed="rId7"/>
+          <a:blip r:embed="rId5"/>
           <a:stretch>
             <a:fillRect/>
           </a:stretch>
@@ -13810,13 +13549,7 @@
       </p:pic>
       <p:grpSp>
         <p:nvGrpSpPr>
-          <p:cNvPr id="43" name="组合 42">
-            <a:extLst>
-              <a:ext uri="{FF2B5EF4-FFF2-40B4-BE49-F238E27FC236}">
-                <a16:creationId xmlns:a16="http://schemas.microsoft.com/office/drawing/2014/main" id="{22890D69-CBA8-4877-B8C7-BDBDBA4D8196}"/>
-              </a:ext>
-            </a:extLst>
-          </p:cNvPr>
+          <p:cNvPr id="43" name="组合 42"/>
           <p:cNvGrpSpPr/>
           <p:nvPr/>
         </p:nvGrpSpPr>
@@ -13830,13 +13563,7 @@
         </p:grpSpPr>
         <p:cxnSp>
           <p:nvCxnSpPr>
-            <p:cNvPr id="44" name="直接连接符 43">
-              <a:extLst>
-                <a:ext uri="{FF2B5EF4-FFF2-40B4-BE49-F238E27FC236}">
-                  <a16:creationId xmlns:a16="http://schemas.microsoft.com/office/drawing/2014/main" id="{55A88325-9CDE-4EE8-BADE-87F9452BBD6A}"/>
-                </a:ext>
-              </a:extLst>
-            </p:cNvPr>
+            <p:cNvPr id="44" name="直接连接符 43"/>
             <p:cNvCxnSpPr/>
             <p:nvPr/>
           </p:nvCxnSpPr>
@@ -13877,13 +13604,7 @@
         </p:cxnSp>
         <p:cxnSp>
           <p:nvCxnSpPr>
-            <p:cNvPr id="45" name="直接连接符 44">
-              <a:extLst>
-                <a:ext uri="{FF2B5EF4-FFF2-40B4-BE49-F238E27FC236}">
-                  <a16:creationId xmlns:a16="http://schemas.microsoft.com/office/drawing/2014/main" id="{56AF48EB-5BCE-4CE0-B278-456BDB88D114}"/>
-                </a:ext>
-              </a:extLst>
-            </p:cNvPr>
+            <p:cNvPr id="45" name="直接连接符 44"/>
             <p:cNvCxnSpPr/>
             <p:nvPr/>
           </p:nvCxnSpPr>
@@ -13924,13 +13645,7 @@
         </p:cxnSp>
         <p:cxnSp>
           <p:nvCxnSpPr>
-            <p:cNvPr id="46" name="直接连接符 45">
-              <a:extLst>
-                <a:ext uri="{FF2B5EF4-FFF2-40B4-BE49-F238E27FC236}">
-                  <a16:creationId xmlns:a16="http://schemas.microsoft.com/office/drawing/2014/main" id="{84BFB4A7-941D-423C-A023-770A4F1FF14F}"/>
-                </a:ext>
-              </a:extLst>
-            </p:cNvPr>
+            <p:cNvPr id="46" name="直接连接符 45"/>
             <p:cNvCxnSpPr/>
             <p:nvPr/>
           </p:nvCxnSpPr>
@@ -13971,13 +13686,7 @@
         </p:cxnSp>
         <p:sp>
           <p:nvSpPr>
-            <p:cNvPr id="47" name="椭圆 46">
-              <a:extLst>
-                <a:ext uri="{FF2B5EF4-FFF2-40B4-BE49-F238E27FC236}">
-                  <a16:creationId xmlns:a16="http://schemas.microsoft.com/office/drawing/2014/main" id="{14A08459-753E-489B-85E1-1832BBFBB50E}"/>
-                </a:ext>
-              </a:extLst>
-            </p:cNvPr>
+            <p:cNvPr id="47" name="椭圆 46"/>
             <p:cNvSpPr/>
             <p:nvPr/>
           </p:nvSpPr>
@@ -14036,13 +13745,7 @@
         </p:sp>
         <p:sp>
           <p:nvSpPr>
-            <p:cNvPr id="48" name="椭圆 47">
-              <a:extLst>
-                <a:ext uri="{FF2B5EF4-FFF2-40B4-BE49-F238E27FC236}">
-                  <a16:creationId xmlns:a16="http://schemas.microsoft.com/office/drawing/2014/main" id="{C8CAE7E8-083E-4A22-A6BC-2DD3A2ECDBAD}"/>
-                </a:ext>
-              </a:extLst>
-            </p:cNvPr>
+            <p:cNvPr id="48" name="椭圆 47"/>
             <p:cNvSpPr/>
             <p:nvPr/>
           </p:nvSpPr>
@@ -14101,13 +13804,7 @@
         </p:sp>
         <p:sp>
           <p:nvSpPr>
-            <p:cNvPr id="49" name="椭圆 48">
-              <a:extLst>
-                <a:ext uri="{FF2B5EF4-FFF2-40B4-BE49-F238E27FC236}">
-                  <a16:creationId xmlns:a16="http://schemas.microsoft.com/office/drawing/2014/main" id="{EBFD62DF-F3EA-4DF9-A24C-021726A3D799}"/>
-                </a:ext>
-              </a:extLst>
-            </p:cNvPr>
+            <p:cNvPr id="49" name="椭圆 48"/>
             <p:cNvSpPr/>
             <p:nvPr/>
           </p:nvSpPr>
@@ -14166,13 +13863,7 @@
         </p:sp>
         <p:sp>
           <p:nvSpPr>
-            <p:cNvPr id="50" name="椭圆 49">
-              <a:extLst>
-                <a:ext uri="{FF2B5EF4-FFF2-40B4-BE49-F238E27FC236}">
-                  <a16:creationId xmlns:a16="http://schemas.microsoft.com/office/drawing/2014/main" id="{9D681443-4875-4823-AAB6-12E074C3455A}"/>
-                </a:ext>
-              </a:extLst>
-            </p:cNvPr>
+            <p:cNvPr id="50" name="椭圆 49"/>
             <p:cNvSpPr/>
             <p:nvPr/>
           </p:nvSpPr>
@@ -14231,13 +13922,7 @@
         </p:sp>
         <p:sp>
           <p:nvSpPr>
-            <p:cNvPr id="51" name="文本框 9">
-              <a:extLst>
-                <a:ext uri="{FF2B5EF4-FFF2-40B4-BE49-F238E27FC236}">
-                  <a16:creationId xmlns:a16="http://schemas.microsoft.com/office/drawing/2014/main" id="{0A51C87A-8EE0-4F4C-AFC1-6BC5E0E1168A}"/>
-                </a:ext>
-              </a:extLst>
-            </p:cNvPr>
+            <p:cNvPr id="51" name="文本框 9"/>
             <p:cNvSpPr txBox="1"/>
             <p:nvPr/>
           </p:nvSpPr>
@@ -14268,18 +13953,19 @@
                 </a:rPr>
                 <a:t>柔性穿戴</a:t>
               </a:r>
+              <a:endParaRPr lang="zh-CN" altLang="en-US" sz="2000" dirty="0">
+                <a:solidFill>
+                  <a:prstClr val="white"/>
+                </a:solidFill>
+                <a:latin typeface="微软雅黑" panose="020B0503020204020204" pitchFamily="34" charset="-122"/>
+                <a:ea typeface="微软雅黑" panose="020B0503020204020204" pitchFamily="34" charset="-122"/>
+              </a:endParaRPr>
             </a:p>
           </p:txBody>
         </p:sp>
         <p:sp>
           <p:nvSpPr>
-            <p:cNvPr id="52" name="文本框 9">
-              <a:extLst>
-                <a:ext uri="{FF2B5EF4-FFF2-40B4-BE49-F238E27FC236}">
-                  <a16:creationId xmlns:a16="http://schemas.microsoft.com/office/drawing/2014/main" id="{3401B9F3-095B-4E8E-AC20-C79883BD458B}"/>
-                </a:ext>
-              </a:extLst>
-            </p:cNvPr>
+            <p:cNvPr id="52" name="文本框 9"/>
             <p:cNvSpPr txBox="1"/>
             <p:nvPr/>
           </p:nvSpPr>
@@ -14310,18 +13996,19 @@
                 </a:rPr>
                 <a:t>隐性采集</a:t>
               </a:r>
+              <a:endParaRPr lang="zh-CN" altLang="en-US" sz="2800" dirty="0">
+                <a:solidFill>
+                  <a:prstClr val="white"/>
+                </a:solidFill>
+                <a:latin typeface="微软雅黑" panose="020B0503020204020204" pitchFamily="34" charset="-122"/>
+                <a:ea typeface="微软雅黑" panose="020B0503020204020204" pitchFamily="34" charset="-122"/>
+              </a:endParaRPr>
             </a:p>
           </p:txBody>
         </p:sp>
         <p:sp>
           <p:nvSpPr>
-            <p:cNvPr id="53" name="文本框 9">
-              <a:extLst>
-                <a:ext uri="{FF2B5EF4-FFF2-40B4-BE49-F238E27FC236}">
-                  <a16:creationId xmlns:a16="http://schemas.microsoft.com/office/drawing/2014/main" id="{BD3A91C0-536F-4271-AF56-004BFEE69240}"/>
-                </a:ext>
-              </a:extLst>
-            </p:cNvPr>
+            <p:cNvPr id="53" name="文本框 9"/>
             <p:cNvSpPr txBox="1"/>
             <p:nvPr/>
           </p:nvSpPr>
@@ -14352,18 +14039,19 @@
                 </a:rPr>
                 <a:t>情智感知</a:t>
               </a:r>
+              <a:endParaRPr lang="zh-CN" altLang="en-US" sz="3200" dirty="0">
+                <a:solidFill>
+                  <a:prstClr val="white"/>
+                </a:solidFill>
+                <a:latin typeface="微软雅黑" panose="020B0503020204020204" pitchFamily="34" charset="-122"/>
+                <a:ea typeface="微软雅黑" panose="020B0503020204020204" pitchFamily="34" charset="-122"/>
+              </a:endParaRPr>
             </a:p>
           </p:txBody>
         </p:sp>
         <p:sp>
           <p:nvSpPr>
-            <p:cNvPr id="54" name="文本框 9">
-              <a:extLst>
-                <a:ext uri="{FF2B5EF4-FFF2-40B4-BE49-F238E27FC236}">
-                  <a16:creationId xmlns:a16="http://schemas.microsoft.com/office/drawing/2014/main" id="{B1E1DC23-041F-455C-A05F-F62518E0F76D}"/>
-                </a:ext>
-              </a:extLst>
-            </p:cNvPr>
+            <p:cNvPr id="54" name="文本框 9"/>
             <p:cNvSpPr txBox="1"/>
             <p:nvPr/>
           </p:nvSpPr>
@@ -14394,6 +14082,13 @@
                 </a:rPr>
                 <a:t>认知分析</a:t>
               </a:r>
+              <a:endParaRPr lang="zh-CN" altLang="en-US" sz="2400" dirty="0">
+                <a:solidFill>
+                  <a:prstClr val="white"/>
+                </a:solidFill>
+                <a:latin typeface="微软雅黑" panose="020B0503020204020204" pitchFamily="34" charset="-122"/>
+                <a:ea typeface="微软雅黑" panose="020B0503020204020204" pitchFamily="34" charset="-122"/>
+              </a:endParaRPr>
             </a:p>
           </p:txBody>
         </p:sp>
@@ -14401,9 +14096,7 @@
       <p:sp>
         <p:nvSpPr>
           <p:cNvPr id="24" name="Title 1"/>
-          <p:cNvSpPr txBox="1">
-            <a:spLocks/>
-          </p:cNvSpPr>
+          <p:cNvSpPr txBox="1"/>
           <p:nvPr/>
         </p:nvSpPr>
         <p:spPr>
@@ -14450,7 +14143,6 @@
               <a:buSzTx/>
               <a:buFontTx/>
               <a:buNone/>
-              <a:tabLst/>
               <a:defRPr/>
             </a:pPr>
             <a:r>
@@ -14611,15 +14303,7 @@
             </a:r>
             <a:r>
               <a:rPr lang="zh-CN" altLang="en-US"/>
-              <a:t>可</a:t>
-            </a:r>
-            <a:r>
-              <a:rPr lang="zh-CN" altLang="en-US"/>
-              <a:t>穿戴情感</a:t>
-            </a:r>
-            <a:r>
-              <a:rPr lang="zh-CN" altLang="en-US"/>
-              <a:t>机器人</a:t>
+              <a:t>可穿戴情感机器人</a:t>
             </a:r>
             <a:endParaRPr lang="en-US" altLang="zh-CN"/>
           </a:p>
@@ -14650,20 +14334,15 @@
         </p:txBody>
       </p:sp>
     </p:spTree>
-    <p:extLst>
-      <p:ext uri="{BB962C8B-B14F-4D97-AF65-F5344CB8AC3E}">
-        <p14:creationId xmlns:p14="http://schemas.microsoft.com/office/powerpoint/2010/main" val="4249993745"/>
-      </p:ext>
-    </p:extLst>
   </p:cSld>
   <p:clrMapOvr>
     <a:masterClrMapping/>
   </p:clrMapOvr>
-  <mc:AlternateContent xmlns:mc="http://schemas.openxmlformats.org/markup-compatibility/2006" xmlns:p14="http://schemas.microsoft.com/office/powerpoint/2010/main">
-    <mc:Choice Requires="p14">
+  <mc:AlternateContent xmlns:mc="http://schemas.openxmlformats.org/markup-compatibility/2006">
+    <mc:Choice xmlns:p14="http://schemas.microsoft.com/office/powerpoint/2010/main" Requires="p14">
       <p:transition p14:dur="0" advTm="0"/>
     </mc:Choice>
-    <mc:Fallback xmlns="">
+    <mc:Fallback>
       <p:transition advTm="0"/>
     </mc:Fallback>
   </mc:AlternateContent>
@@ -14696,20 +14375,14 @@
       </p:grpSpPr>
       <p:pic>
         <p:nvPicPr>
-          <p:cNvPr id="10" name="图片 9">
-            <a:extLst>
-              <a:ext uri="{FF2B5EF4-FFF2-40B4-BE49-F238E27FC236}">
-                <a16:creationId xmlns:a16="http://schemas.microsoft.com/office/drawing/2014/main" id="{FE1DF2EB-7105-41A1-8AD6-F5F00207148C}"/>
-              </a:ext>
-            </a:extLst>
-          </p:cNvPr>
+          <p:cNvPr id="10" name="图片 9"/>
           <p:cNvPicPr>
             <a:picLocks noChangeAspect="1"/>
           </p:cNvPicPr>
           <p:nvPr/>
         </p:nvPicPr>
         <p:blipFill>
-          <a:blip r:embed="rId3">
+          <a:blip r:embed="rId1">
             <a:extLst>
               <a:ext uri="{28A0092B-C50C-407E-A947-70E740481C1C}">
                 <a14:useLocalDpi xmlns:a14="http://schemas.microsoft.com/office/drawing/2010/main" val="0"/>
@@ -14732,20 +14405,14 @@
       </p:pic>
       <p:pic>
         <p:nvPicPr>
-          <p:cNvPr id="12" name="图片 11">
-            <a:extLst>
-              <a:ext uri="{FF2B5EF4-FFF2-40B4-BE49-F238E27FC236}">
-                <a16:creationId xmlns:a16="http://schemas.microsoft.com/office/drawing/2014/main" id="{C27DC07E-2E8B-4CC4-AF86-909E186456CB}"/>
-              </a:ext>
-            </a:extLst>
-          </p:cNvPr>
+          <p:cNvPr id="12" name="图片 11"/>
           <p:cNvPicPr>
             <a:picLocks noChangeAspect="1"/>
           </p:cNvPicPr>
           <p:nvPr/>
         </p:nvPicPr>
         <p:blipFill>
-          <a:blip r:embed="rId4">
+          <a:blip r:embed="rId2">
             <a:extLst>
               <a:ext uri="{28A0092B-C50C-407E-A947-70E740481C1C}">
                 <a14:useLocalDpi xmlns:a14="http://schemas.microsoft.com/office/drawing/2010/main" val="0"/>
@@ -14768,13 +14435,7 @@
       </p:pic>
       <p:sp>
         <p:nvSpPr>
-          <p:cNvPr id="13" name="文本框 12">
-            <a:extLst>
-              <a:ext uri="{FF2B5EF4-FFF2-40B4-BE49-F238E27FC236}">
-                <a16:creationId xmlns:a16="http://schemas.microsoft.com/office/drawing/2014/main" id="{4142BAE8-6819-4DC9-811D-F08F0950DA24}"/>
-              </a:ext>
-            </a:extLst>
-          </p:cNvPr>
+          <p:cNvPr id="13" name="文本框 12"/>
           <p:cNvSpPr txBox="1"/>
           <p:nvPr/>
         </p:nvSpPr>
@@ -14822,13 +14483,7 @@
       </p:sp>
       <p:sp>
         <p:nvSpPr>
-          <p:cNvPr id="15" name="文本框 14">
-            <a:extLst>
-              <a:ext uri="{FF2B5EF4-FFF2-40B4-BE49-F238E27FC236}">
-                <a16:creationId xmlns:a16="http://schemas.microsoft.com/office/drawing/2014/main" id="{53236B74-84A9-4F76-ADEE-F9801E72B6F9}"/>
-              </a:ext>
-            </a:extLst>
-          </p:cNvPr>
+          <p:cNvPr id="15" name="文本框 14"/>
           <p:cNvSpPr txBox="1"/>
           <p:nvPr/>
         </p:nvSpPr>
@@ -14876,13 +14531,7 @@
       </p:sp>
       <p:sp>
         <p:nvSpPr>
-          <p:cNvPr id="16" name="椭圆 15">
-            <a:extLst>
-              <a:ext uri="{FF2B5EF4-FFF2-40B4-BE49-F238E27FC236}">
-                <a16:creationId xmlns:a16="http://schemas.microsoft.com/office/drawing/2014/main" id="{C4E209F6-EF10-44BE-9974-1905DA21B414}"/>
-              </a:ext>
-            </a:extLst>
-          </p:cNvPr>
+          <p:cNvPr id="16" name="椭圆 15"/>
           <p:cNvSpPr/>
           <p:nvPr/>
         </p:nvSpPr>
@@ -14928,13 +14577,7 @@
       </p:sp>
       <p:sp>
         <p:nvSpPr>
-          <p:cNvPr id="18" name="椭圆 17">
-            <a:extLst>
-              <a:ext uri="{FF2B5EF4-FFF2-40B4-BE49-F238E27FC236}">
-                <a16:creationId xmlns:a16="http://schemas.microsoft.com/office/drawing/2014/main" id="{BB2DF694-13BD-4602-95C7-10054F44B10C}"/>
-              </a:ext>
-            </a:extLst>
-          </p:cNvPr>
+          <p:cNvPr id="18" name="椭圆 17"/>
           <p:cNvSpPr/>
           <p:nvPr/>
         </p:nvSpPr>
@@ -15024,15 +14667,7 @@
             </a:r>
             <a:r>
               <a:rPr lang="zh-CN" altLang="en-US" sz="1400"/>
-              <a:t>可</a:t>
-            </a:r>
-            <a:r>
-              <a:rPr lang="zh-CN" altLang="en-US" sz="1400"/>
-              <a:t>穿戴情感</a:t>
-            </a:r>
-            <a:r>
-              <a:rPr lang="zh-CN" altLang="en-US" sz="1400"/>
-              <a:t>机器人</a:t>
+              <a:t>可穿戴情感机器人</a:t>
             </a:r>
             <a:endParaRPr lang="en-US" altLang="zh-CN" sz="1400"/>
           </a:p>
@@ -15057,9 +14692,7 @@
       <p:sp>
         <p:nvSpPr>
           <p:cNvPr id="11" name="Title 1"/>
-          <p:cNvSpPr txBox="1">
-            <a:spLocks/>
-          </p:cNvSpPr>
+          <p:cNvSpPr txBox="1"/>
           <p:nvPr/>
         </p:nvSpPr>
         <p:spPr>
@@ -15106,7 +14739,6 @@
               <a:buSzTx/>
               <a:buFontTx/>
               <a:buNone/>
-              <a:tabLst/>
               <a:defRPr/>
             </a:pPr>
             <a:r>
@@ -15226,20 +14858,15 @@
         </p:txBody>
       </p:sp>
     </p:spTree>
-    <p:extLst>
-      <p:ext uri="{BB962C8B-B14F-4D97-AF65-F5344CB8AC3E}">
-        <p14:creationId xmlns:p14="http://schemas.microsoft.com/office/powerpoint/2010/main" val="2607831303"/>
-      </p:ext>
-    </p:extLst>
   </p:cSld>
   <p:clrMapOvr>
     <a:masterClrMapping/>
   </p:clrMapOvr>
-  <mc:AlternateContent xmlns:mc="http://schemas.openxmlformats.org/markup-compatibility/2006" xmlns:p14="http://schemas.microsoft.com/office/powerpoint/2010/main">
-    <mc:Choice Requires="p14">
+  <mc:AlternateContent xmlns:mc="http://schemas.openxmlformats.org/markup-compatibility/2006">
+    <mc:Choice xmlns:p14="http://schemas.microsoft.com/office/powerpoint/2010/main" Requires="p14">
       <p:transition p14:dur="0" advTm="0"/>
     </mc:Choice>
-    <mc:Fallback xmlns="">
+    <mc:Fallback>
       <p:transition advTm="0"/>
     </mc:Fallback>
   </mc:AlternateContent>
@@ -15273,9 +14900,7 @@
       <p:sp>
         <p:nvSpPr>
           <p:cNvPr id="15" name="Text Placeholder 4"/>
-          <p:cNvSpPr txBox="1">
-            <a:spLocks/>
-          </p:cNvSpPr>
+          <p:cNvSpPr txBox="1"/>
           <p:nvPr/>
         </p:nvSpPr>
         <p:spPr>
@@ -15296,7 +14921,7 @@
               <a:spcBef>
                 <a:spcPct val="20000"/>
               </a:spcBef>
-              <a:buFont typeface="Arial" pitchFamily="34" charset="0"/>
+              <a:buFont typeface="Arial" panose="02080604020202020204" pitchFamily="34" charset="0"/>
               <a:buChar char="•"/>
               <a:defRPr sz="3200" kern="1200">
                 <a:solidFill>
@@ -15311,7 +14936,7 @@
               <a:spcBef>
                 <a:spcPct val="20000"/>
               </a:spcBef>
-              <a:buFont typeface="Arial" pitchFamily="34" charset="0"/>
+              <a:buFont typeface="Arial" panose="02080604020202020204" pitchFamily="34" charset="0"/>
               <a:buChar char="–"/>
               <a:defRPr sz="2800" kern="1200">
                 <a:solidFill>
@@ -15326,7 +14951,7 @@
               <a:spcBef>
                 <a:spcPct val="20000"/>
               </a:spcBef>
-              <a:buFont typeface="Arial" pitchFamily="34" charset="0"/>
+              <a:buFont typeface="Arial" panose="02080604020202020204" pitchFamily="34" charset="0"/>
               <a:buChar char="•"/>
               <a:defRPr sz="2400" kern="1200">
                 <a:solidFill>
@@ -15341,7 +14966,7 @@
               <a:spcBef>
                 <a:spcPct val="20000"/>
               </a:spcBef>
-              <a:buFont typeface="Arial" pitchFamily="34" charset="0"/>
+              <a:buFont typeface="Arial" panose="02080604020202020204" pitchFamily="34" charset="0"/>
               <a:buChar char="–"/>
               <a:defRPr sz="2000" kern="1200">
                 <a:solidFill>
@@ -15356,7 +14981,7 @@
               <a:spcBef>
                 <a:spcPct val="20000"/>
               </a:spcBef>
-              <a:buFont typeface="Arial" pitchFamily="34" charset="0"/>
+              <a:buFont typeface="Arial" panose="02080604020202020204" pitchFamily="34" charset="0"/>
               <a:buChar char="»"/>
               <a:defRPr sz="2000" kern="1200">
                 <a:solidFill>
@@ -15371,7 +14996,7 @@
               <a:spcBef>
                 <a:spcPct val="20000"/>
               </a:spcBef>
-              <a:buFont typeface="Arial" pitchFamily="34" charset="0"/>
+              <a:buFont typeface="Arial" panose="02080604020202020204" pitchFamily="34" charset="0"/>
               <a:buChar char="•"/>
               <a:defRPr sz="2000" kern="1200">
                 <a:solidFill>
@@ -15386,7 +15011,7 @@
               <a:spcBef>
                 <a:spcPct val="20000"/>
               </a:spcBef>
-              <a:buFont typeface="Arial" pitchFamily="34" charset="0"/>
+              <a:buFont typeface="Arial" panose="02080604020202020204" pitchFamily="34" charset="0"/>
               <a:buChar char="•"/>
               <a:defRPr sz="2000" kern="1200">
                 <a:solidFill>
@@ -15401,7 +15026,7 @@
               <a:spcBef>
                 <a:spcPct val="20000"/>
               </a:spcBef>
-              <a:buFont typeface="Arial" pitchFamily="34" charset="0"/>
+              <a:buFont typeface="Arial" panose="02080604020202020204" pitchFamily="34" charset="0"/>
               <a:buChar char="•"/>
               <a:defRPr sz="2000" kern="1200">
                 <a:solidFill>
@@ -15416,7 +15041,7 @@
               <a:spcBef>
                 <a:spcPct val="20000"/>
               </a:spcBef>
-              <a:buFont typeface="Arial" pitchFamily="34" charset="0"/>
+              <a:buFont typeface="Arial" panose="02080604020202020204" pitchFamily="34" charset="0"/>
               <a:buChar char="•"/>
               <a:defRPr sz="2000" kern="1200">
                 <a:solidFill>
@@ -15441,9 +15066,8 @@
               </a:spcAft>
               <a:buClrTx/>
               <a:buSzTx/>
-              <a:buFont typeface="Arial" pitchFamily="34" charset="0"/>
+              <a:buFont typeface="Arial" panose="02080604020202020204" pitchFamily="34" charset="0"/>
               <a:buNone/>
-              <a:tabLst/>
               <a:defRPr/>
             </a:pPr>
             <a:r>
@@ -15581,7 +15205,6 @@
                 <a:buSzTx/>
                 <a:buFontTx/>
                 <a:buNone/>
-                <a:tabLst/>
                 <a:defRPr/>
               </a:pPr>
               <a:endParaRPr kumimoji="0" lang="zh-CN" altLang="en-US" sz="1400" b="0" i="0" u="none" strike="noStrike" kern="1200" cap="none" spc="0" normalizeH="0" baseline="0" noProof="0">
@@ -15595,7 +15218,7 @@
                 <a:uLnTx/>
                 <a:uFillTx/>
                 <a:latin typeface="Impact" panose="020B0806030902050204" pitchFamily="34" charset="0"/>
-                <a:ea typeface="宋体" panose="02010600030101010101" pitchFamily="2" charset="-122"/>
+                <a:ea typeface="宋体" pitchFamily="2" charset="-122"/>
                 <a:cs typeface="+mn-cs"/>
               </a:endParaRPr>
             </a:p>
@@ -15637,7 +15260,6 @@
                 <a:buSzTx/>
                 <a:buFontTx/>
                 <a:buNone/>
-                <a:tabLst/>
                 <a:defRPr/>
               </a:pPr>
               <a:r>
@@ -15652,7 +15274,7 @@
                   <a:uLnTx/>
                   <a:uFillTx/>
                   <a:latin typeface="Impact" panose="020B0806030902050204" pitchFamily="34" charset="0"/>
-                  <a:ea typeface="宋体" panose="02010600030101010101" pitchFamily="2" charset="-122"/>
+                  <a:ea typeface="宋体" pitchFamily="2" charset="-122"/>
                   <a:cs typeface="+mn-cs"/>
                 </a:rPr>
                 <a:t>03</a:t>
@@ -15668,7 +15290,7 @@
                 <a:uLnTx/>
                 <a:uFillTx/>
                 <a:latin typeface="Impact" panose="020B0806030902050204" pitchFamily="34" charset="0"/>
-                <a:ea typeface="宋体" panose="02010600030101010101" pitchFamily="2" charset="-122"/>
+                <a:ea typeface="宋体" pitchFamily="2" charset="-122"/>
                 <a:cs typeface="+mn-cs"/>
               </a:endParaRPr>
             </a:p>
@@ -15746,7 +15368,6 @@
                 <a:buSzTx/>
                 <a:buFontTx/>
                 <a:buNone/>
-                <a:tabLst/>
                 <a:defRPr/>
               </a:pPr>
               <a:endParaRPr kumimoji="0" lang="zh-CN" altLang="en-US" sz="1400" b="0" i="0" u="none" strike="noStrike" kern="1200" cap="none" spc="0" normalizeH="0" baseline="0" noProof="0">
@@ -15760,7 +15381,7 @@
                 <a:uLnTx/>
                 <a:uFillTx/>
                 <a:latin typeface="Impact" panose="020B0806030902050204" pitchFamily="34" charset="0"/>
-                <a:ea typeface="宋体" panose="02010600030101010101" pitchFamily="2" charset="-122"/>
+                <a:ea typeface="宋体" pitchFamily="2" charset="-122"/>
                 <a:cs typeface="+mn-cs"/>
               </a:endParaRPr>
             </a:p>
@@ -15802,7 +15423,6 @@
                 <a:buSzTx/>
                 <a:buFontTx/>
                 <a:buNone/>
-                <a:tabLst/>
                 <a:defRPr/>
               </a:pPr>
               <a:r>
@@ -15817,7 +15437,7 @@
                   <a:uLnTx/>
                   <a:uFillTx/>
                   <a:latin typeface="Impact" panose="020B0806030902050204" pitchFamily="34" charset="0"/>
-                  <a:ea typeface="宋体" panose="02010600030101010101" pitchFamily="2" charset="-122"/>
+                  <a:ea typeface="宋体" pitchFamily="2" charset="-122"/>
                   <a:cs typeface="+mn-cs"/>
                 </a:rPr>
                 <a:t>04</a:t>
@@ -15833,7 +15453,7 @@
                 <a:uLnTx/>
                 <a:uFillTx/>
                 <a:latin typeface="Impact" panose="020B0806030902050204" pitchFamily="34" charset="0"/>
-                <a:ea typeface="宋体" panose="02010600030101010101" pitchFamily="2" charset="-122"/>
+                <a:ea typeface="宋体" pitchFamily="2" charset="-122"/>
                 <a:cs typeface="+mn-cs"/>
               </a:endParaRPr>
             </a:p>
@@ -15892,7 +15512,6 @@
                 <a:buSzTx/>
                 <a:buFontTx/>
                 <a:buNone/>
-                <a:tabLst/>
                 <a:defRPr/>
               </a:pPr>
               <a:r>
@@ -16011,7 +15630,6 @@
                 <a:buSzTx/>
                 <a:buFontTx/>
                 <a:buNone/>
-                <a:tabLst/>
                 <a:defRPr/>
               </a:pPr>
               <a:endParaRPr kumimoji="0" lang="zh-CN" altLang="en-US" sz="1600" b="1" i="0" u="none" strike="noStrike" kern="1200" cap="none" spc="0" normalizeH="0" baseline="0" noProof="0">
@@ -16028,7 +15646,7 @@
                 <a:uLnTx/>
                 <a:uFillTx/>
                 <a:latin typeface="Calibri"/>
-                <a:ea typeface="宋体" panose="02010600030101010101" pitchFamily="2" charset="-122"/>
+                <a:ea typeface="宋体" pitchFamily="2" charset="-122"/>
                 <a:cs typeface="+mn-cs"/>
               </a:endParaRPr>
             </a:p>
@@ -16087,7 +15705,6 @@
                 <a:buSzTx/>
                 <a:buFontTx/>
                 <a:buNone/>
-                <a:tabLst/>
                 <a:defRPr/>
               </a:pPr>
               <a:r>
@@ -16180,7 +15797,6 @@
                 <a:buSzTx/>
                 <a:buFontTx/>
                 <a:buNone/>
-                <a:tabLst/>
                 <a:defRPr/>
               </a:pPr>
               <a:endParaRPr kumimoji="0" lang="zh-CN" altLang="en-US" sz="1600" b="1" i="0" u="none" strike="noStrike" kern="1200" cap="none" spc="0" normalizeH="0" baseline="0" noProof="0">
@@ -16197,7 +15813,7 @@
                 <a:uLnTx/>
                 <a:uFillTx/>
                 <a:latin typeface="Calibri"/>
-                <a:ea typeface="宋体" panose="02010600030101010101" pitchFamily="2" charset="-122"/>
+                <a:ea typeface="宋体" pitchFamily="2" charset="-122"/>
                 <a:cs typeface="+mn-cs"/>
               </a:endParaRPr>
             </a:p>
@@ -16205,20 +15821,15 @@
         </p:sp>
       </p:grpSp>
     </p:spTree>
-    <p:extLst>
-      <p:ext uri="{BB962C8B-B14F-4D97-AF65-F5344CB8AC3E}">
-        <p14:creationId xmlns:p14="http://schemas.microsoft.com/office/powerpoint/2010/main" val="2067771663"/>
-      </p:ext>
-    </p:extLst>
   </p:cSld>
   <p:clrMapOvr>
     <a:masterClrMapping/>
   </p:clrMapOvr>
-  <mc:AlternateContent xmlns:mc="http://schemas.openxmlformats.org/markup-compatibility/2006" xmlns:p14="http://schemas.microsoft.com/office/powerpoint/2010/main">
-    <mc:Choice Requires="p14">
+  <mc:AlternateContent xmlns:mc="http://schemas.openxmlformats.org/markup-compatibility/2006">
+    <mc:Choice xmlns:p14="http://schemas.microsoft.com/office/powerpoint/2010/main" Requires="p14">
       <p:transition p14:dur="0" advTm="0"/>
     </mc:Choice>
-    <mc:Fallback xmlns="">
+    <mc:Fallback>
       <p:transition advTm="0"/>
     </mc:Fallback>
   </mc:AlternateContent>
@@ -16230,13 +15841,6 @@
     </p:tnLst>
   </p:timing>
 </p:sld>
-</file>
-
-<file path=ppt/tags/tag1.xml><?xml version="1.0" encoding="utf-8"?>
-<p:tagLst xmlns:a="http://schemas.openxmlformats.org/drawingml/2006/main" xmlns:r="http://schemas.openxmlformats.org/officeDocument/2006/relationships" xmlns:p="http://schemas.openxmlformats.org/presentationml/2006/main">
-  <p:tag name="ISPRING_PRESENTATION_TITLE" val="falsh"/>
-  <p:tag name="ISPRING_RESOURCE_PATHS_HASH_PRESENTER" val="64343fd25122d4c848f085ebede3ab4747442f4"/>
-</p:tagLst>
 </file>
 
 <file path=ppt/theme/theme1.xml><?xml version="1.0" encoding="utf-8"?>
@@ -16541,7 +16145,11 @@
       </a:lstStyle>
     </a:txDef>
   </a:objectDefaults>
-  <a:extraClrSchemeLst/>
+  <a:extLst>
+    <a:ext uri="{05A4C25C-085E-4340-85A3-A5531E510DB2}">
+      <thm15:themeFamily xmlns:thm15="http://schemas.microsoft.com/office/thememl/2012/main" name="Office Theme" id="{62F939B6-93AF-4DB8-9C6B-D6C7DFDC589F}" vid="{4A3C46E8-61CC-4603-A589-7422A47A8E4A}"/>
+    </a:ext>
+  </a:extLst>
 </a:theme>
 </file>
 
@@ -16825,7 +16433,10 @@
       </a:bgFillStyleLst>
     </a:fmtScheme>
   </a:themeElements>
-  <a:objectDefaults/>
-  <a:extraClrSchemeLst/>
+  <a:extLst>
+    <a:ext uri="{05A4C25C-085E-4340-85A3-A5531E510DB2}">
+      <thm15:themeFamily xmlns:thm15="http://schemas.microsoft.com/office/thememl/2012/main" name="Office Theme" id="{62F939B6-93AF-4DB8-9C6B-D6C7DFDC589F}" vid="{4A3C46E8-61CC-4603-A589-7422A47A8E4A}"/>
+    </a:ext>
+  </a:extLst>
 </a:theme>
 </file>